--- a/Desktop/JOE/HEAVY METAL TESTING.pptx
+++ b/Desktop/JOE/HEAVY METAL TESTING.pptx
@@ -2,14 +2,15 @@
 <file path=ppt/presentation.xml><?xml version="1.0" encoding="utf-8"?>
 <p:presentation xmlns:a="http://schemas.openxmlformats.org/drawingml/2006/main" xmlns:r="http://schemas.openxmlformats.org/officeDocument/2006/relationships" xmlns:p="http://schemas.openxmlformats.org/presentationml/2006/main" saveSubsetFonts="1">
   <p:sldMasterIdLst>
-    <p:sldMasterId id="2147483725" r:id="rId1"/>
+    <p:sldMasterId id="2147483981" r:id="rId1"/>
   </p:sldMasterIdLst>
   <p:sldIdLst>
     <p:sldId id="256" r:id="rId2"/>
-    <p:sldId id="257" r:id="rId3"/>
-    <p:sldId id="260" r:id="rId4"/>
-    <p:sldId id="258" r:id="rId5"/>
-    <p:sldId id="259" r:id="rId6"/>
+    <p:sldId id="261" r:id="rId3"/>
+    <p:sldId id="262" r:id="rId4"/>
+    <p:sldId id="257" r:id="rId5"/>
+    <p:sldId id="260" r:id="rId6"/>
+    <p:sldId id="258" r:id="rId7"/>
   </p:sldIdLst>
   <p:sldSz cx="12192000" cy="6858000"/>
   <p:notesSz cx="6858000" cy="9144000"/>
@@ -17,7 +18,7 @@
     <a:defPPr>
       <a:defRPr lang="en-US"/>
     </a:defPPr>
-    <a:lvl1pPr marL="0" algn="l" defTabSz="914400" rtl="0" eaLnBrk="1" latinLnBrk="0" hangingPunct="1">
+    <a:lvl1pPr marL="0" algn="l" defTabSz="457200" rtl="0" eaLnBrk="1" latinLnBrk="0" hangingPunct="1">
       <a:defRPr sz="1800" kern="1200">
         <a:solidFill>
           <a:schemeClr val="tx1"/>
@@ -27,7 +28,7 @@
         <a:cs typeface="+mn-cs"/>
       </a:defRPr>
     </a:lvl1pPr>
-    <a:lvl2pPr marL="457200" algn="l" defTabSz="914400" rtl="0" eaLnBrk="1" latinLnBrk="0" hangingPunct="1">
+    <a:lvl2pPr marL="457200" algn="l" defTabSz="457200" rtl="0" eaLnBrk="1" latinLnBrk="0" hangingPunct="1">
       <a:defRPr sz="1800" kern="1200">
         <a:solidFill>
           <a:schemeClr val="tx1"/>
@@ -37,7 +38,7 @@
         <a:cs typeface="+mn-cs"/>
       </a:defRPr>
     </a:lvl2pPr>
-    <a:lvl3pPr marL="914400" algn="l" defTabSz="914400" rtl="0" eaLnBrk="1" latinLnBrk="0" hangingPunct="1">
+    <a:lvl3pPr marL="914400" algn="l" defTabSz="457200" rtl="0" eaLnBrk="1" latinLnBrk="0" hangingPunct="1">
       <a:defRPr sz="1800" kern="1200">
         <a:solidFill>
           <a:schemeClr val="tx1"/>
@@ -47,7 +48,7 @@
         <a:cs typeface="+mn-cs"/>
       </a:defRPr>
     </a:lvl3pPr>
-    <a:lvl4pPr marL="1371600" algn="l" defTabSz="914400" rtl="0" eaLnBrk="1" latinLnBrk="0" hangingPunct="1">
+    <a:lvl4pPr marL="1371600" algn="l" defTabSz="457200" rtl="0" eaLnBrk="1" latinLnBrk="0" hangingPunct="1">
       <a:defRPr sz="1800" kern="1200">
         <a:solidFill>
           <a:schemeClr val="tx1"/>
@@ -57,7 +58,7 @@
         <a:cs typeface="+mn-cs"/>
       </a:defRPr>
     </a:lvl4pPr>
-    <a:lvl5pPr marL="1828800" algn="l" defTabSz="914400" rtl="0" eaLnBrk="1" latinLnBrk="0" hangingPunct="1">
+    <a:lvl5pPr marL="1828800" algn="l" defTabSz="457200" rtl="0" eaLnBrk="1" latinLnBrk="0" hangingPunct="1">
       <a:defRPr sz="1800" kern="1200">
         <a:solidFill>
           <a:schemeClr val="tx1"/>
@@ -67,7 +68,7 @@
         <a:cs typeface="+mn-cs"/>
       </a:defRPr>
     </a:lvl5pPr>
-    <a:lvl6pPr marL="2286000" algn="l" defTabSz="914400" rtl="0" eaLnBrk="1" latinLnBrk="0" hangingPunct="1">
+    <a:lvl6pPr marL="2286000" algn="l" defTabSz="457200" rtl="0" eaLnBrk="1" latinLnBrk="0" hangingPunct="1">
       <a:defRPr sz="1800" kern="1200">
         <a:solidFill>
           <a:schemeClr val="tx1"/>
@@ -77,7 +78,7 @@
         <a:cs typeface="+mn-cs"/>
       </a:defRPr>
     </a:lvl6pPr>
-    <a:lvl7pPr marL="2743200" algn="l" defTabSz="914400" rtl="0" eaLnBrk="1" latinLnBrk="0" hangingPunct="1">
+    <a:lvl7pPr marL="2743200" algn="l" defTabSz="457200" rtl="0" eaLnBrk="1" latinLnBrk="0" hangingPunct="1">
       <a:defRPr sz="1800" kern="1200">
         <a:solidFill>
           <a:schemeClr val="tx1"/>
@@ -87,7 +88,7 @@
         <a:cs typeface="+mn-cs"/>
       </a:defRPr>
     </a:lvl7pPr>
-    <a:lvl8pPr marL="3200400" algn="l" defTabSz="914400" rtl="0" eaLnBrk="1" latinLnBrk="0" hangingPunct="1">
+    <a:lvl8pPr marL="3200400" algn="l" defTabSz="457200" rtl="0" eaLnBrk="1" latinLnBrk="0" hangingPunct="1">
       <a:defRPr sz="1800" kern="1200">
         <a:solidFill>
           <a:schemeClr val="tx1"/>
@@ -97,7 +98,7 @@
         <a:cs typeface="+mn-cs"/>
       </a:defRPr>
     </a:lvl8pPr>
-    <a:lvl9pPr marL="3657600" algn="l" defTabSz="914400" rtl="0" eaLnBrk="1" latinLnBrk="0" hangingPunct="1">
+    <a:lvl9pPr marL="3657600" algn="l" defTabSz="457200" rtl="0" eaLnBrk="1" latinLnBrk="0" hangingPunct="1">
       <a:defRPr sz="1800" kern="1200">
         <a:solidFill>
           <a:schemeClr val="tx1"/>
@@ -117,7 +118,7 @@
 </file>
 
 <file path=ppt/slideLayouts/slideLayout1.xml><?xml version="1.0" encoding="utf-8"?>
-<p:sldLayout xmlns:a="http://schemas.openxmlformats.org/drawingml/2006/main" xmlns:r="http://schemas.openxmlformats.org/officeDocument/2006/relationships" xmlns:p="http://schemas.openxmlformats.org/presentationml/2006/main" type="title" preserve="1">
+<p:sldLayout xmlns:a="http://schemas.openxmlformats.org/drawingml/2006/main" xmlns:r="http://schemas.openxmlformats.org/officeDocument/2006/relationships" xmlns:p="http://schemas.openxmlformats.org/presentationml/2006/main" showMasterSp="0" type="title" preserve="1">
   <p:cSld name="Title Slide">
     <p:spTree>
       <p:nvGrpSpPr>
@@ -135,31 +136,291 @@
       </p:grpSpPr>
       <p:sp>
         <p:nvSpPr>
-          <p:cNvPr id="2" name="Title 1">
-            <a:extLst>
-              <a:ext uri="{FF2B5EF4-FFF2-40B4-BE49-F238E27FC236}">
-                <a16:creationId xmlns:a16="http://schemas.microsoft.com/office/drawing/2014/main" id="{AFC9EA1E-98C4-4A2E-AAC3-800E357DC9FE}"/>
-              </a:ext>
-            </a:extLst>
-          </p:cNvPr>
-          <p:cNvSpPr>
-            <a:spLocks noGrp="1"/>
-          </p:cNvSpPr>
-          <p:nvPr>
-            <p:ph type="ctrTitle"/>
-          </p:nvPr>
+          <p:cNvPr id="7" name="Rectangle 6"/>
+          <p:cNvSpPr/>
+          <p:nvPr/>
         </p:nvSpPr>
         <p:spPr>
           <a:xfrm>
-            <a:off x="1517904" y="1517904"/>
-            <a:ext cx="9144000" cy="2798064"/>
+            <a:off x="920834" y="1346946"/>
+            <a:ext cx="10222992" cy="80683"/>
+          </a:xfrm>
+          <a:prstGeom prst="rect">
+            <a:avLst/>
+          </a:prstGeom>
+          <a:blipFill dpi="0" rotWithShape="1">
+            <a:blip r:embed="rId2">
+              <a:alphaModFix amt="85000"/>
+              <a:lum bright="70000" contrast="-70000"/>
+              <a:extLst>
+                <a:ext uri="{BEBA8EAE-BF5A-486C-A8C5-ECC9F3942E4B}">
+                  <a14:imgProps xmlns:a14="http://schemas.microsoft.com/office/drawing/2010/main">
+                    <a14:imgLayer r:embed="rId3">
+                      <a14:imgEffect>
+                        <a14:sharpenSoften amount="61000"/>
+                      </a14:imgEffect>
+                    </a14:imgLayer>
+                  </a14:imgProps>
+                </a:ext>
+                <a:ext uri="{28A0092B-C50C-407E-A947-70E740481C1C}">
+                  <a14:useLocalDpi xmlns:a14="http://schemas.microsoft.com/office/drawing/2010/main" val="0"/>
+                </a:ext>
+              </a:extLst>
+            </a:blip>
+            <a:srcRect/>
+            <a:tile tx="0" ty="-762000" sx="92000" sy="89000" flip="xy" algn="ctr"/>
+          </a:blipFill>
+          <a:ln>
+            <a:noFill/>
+          </a:ln>
+        </p:spPr>
+        <p:style>
+          <a:lnRef idx="2">
+            <a:schemeClr val="accent1">
+              <a:shade val="50000"/>
+            </a:schemeClr>
+          </a:lnRef>
+          <a:fillRef idx="1">
+            <a:schemeClr val="accent1"/>
+          </a:fillRef>
+          <a:effectRef idx="0">
+            <a:schemeClr val="accent1"/>
+          </a:effectRef>
+          <a:fontRef idx="minor">
+            <a:schemeClr val="lt1"/>
+          </a:fontRef>
+        </p:style>
+      </p:sp>
+      <p:sp>
+        <p:nvSpPr>
+          <p:cNvPr id="8" name="Rectangle 7"/>
+          <p:cNvSpPr/>
+          <p:nvPr/>
+        </p:nvSpPr>
+        <p:spPr>
+          <a:xfrm>
+            <a:off x="920834" y="4299696"/>
+            <a:ext cx="10222992" cy="80683"/>
+          </a:xfrm>
+          <a:prstGeom prst="rect">
+            <a:avLst/>
+          </a:prstGeom>
+          <a:blipFill dpi="0" rotWithShape="1">
+            <a:blip r:embed="rId2">
+              <a:alphaModFix amt="85000"/>
+              <a:lum bright="70000" contrast="-70000"/>
+              <a:extLst>
+                <a:ext uri="{BEBA8EAE-BF5A-486C-A8C5-ECC9F3942E4B}">
+                  <a14:imgProps xmlns:a14="http://schemas.microsoft.com/office/drawing/2010/main">
+                    <a14:imgLayer r:embed="rId3">
+                      <a14:imgEffect>
+                        <a14:sharpenSoften amount="61000"/>
+                      </a14:imgEffect>
+                    </a14:imgLayer>
+                  </a14:imgProps>
+                </a:ext>
+                <a:ext uri="{28A0092B-C50C-407E-A947-70E740481C1C}">
+                  <a14:useLocalDpi xmlns:a14="http://schemas.microsoft.com/office/drawing/2010/main" val="0"/>
+                </a:ext>
+              </a:extLst>
+            </a:blip>
+            <a:srcRect/>
+            <a:tile tx="0" ty="-717550" sx="92000" sy="89000" flip="xy" algn="ctr"/>
+          </a:blipFill>
+          <a:ln>
+            <a:noFill/>
+          </a:ln>
+        </p:spPr>
+        <p:style>
+          <a:lnRef idx="2">
+            <a:schemeClr val="accent1">
+              <a:shade val="50000"/>
+            </a:schemeClr>
+          </a:lnRef>
+          <a:fillRef idx="1">
+            <a:schemeClr val="accent1"/>
+          </a:fillRef>
+          <a:effectRef idx="0">
+            <a:schemeClr val="accent1"/>
+          </a:effectRef>
+          <a:fontRef idx="minor">
+            <a:schemeClr val="lt1"/>
+          </a:fontRef>
+        </p:style>
+      </p:sp>
+      <p:sp>
+        <p:nvSpPr>
+          <p:cNvPr id="9" name="Rectangle 8"/>
+          <p:cNvSpPr/>
+          <p:nvPr/>
+        </p:nvSpPr>
+        <p:spPr>
+          <a:xfrm>
+            <a:off x="920834" y="1484779"/>
+            <a:ext cx="10222992" cy="2743200"/>
+          </a:xfrm>
+          <a:prstGeom prst="rect">
+            <a:avLst/>
+          </a:prstGeom>
+          <a:blipFill dpi="0" rotWithShape="1">
+            <a:blip r:embed="rId2">
+              <a:alphaModFix amt="85000"/>
+              <a:lum bright="70000" contrast="-70000"/>
+              <a:extLst>
+                <a:ext uri="{BEBA8EAE-BF5A-486C-A8C5-ECC9F3942E4B}">
+                  <a14:imgProps xmlns:a14="http://schemas.microsoft.com/office/drawing/2010/main">
+                    <a14:imgLayer r:embed="rId3">
+                      <a14:imgEffect>
+                        <a14:sharpenSoften amount="61000"/>
+                      </a14:imgEffect>
+                    </a14:imgLayer>
+                  </a14:imgProps>
+                </a:ext>
+                <a:ext uri="{28A0092B-C50C-407E-A947-70E740481C1C}">
+                  <a14:useLocalDpi xmlns:a14="http://schemas.microsoft.com/office/drawing/2010/main" val="0"/>
+                </a:ext>
+              </a:extLst>
+            </a:blip>
+            <a:srcRect/>
+            <a:tile tx="0" ty="-704850" sx="92000" sy="89000" flip="xy" algn="ctr"/>
+          </a:blipFill>
+          <a:ln>
+            <a:noFill/>
+          </a:ln>
+        </p:spPr>
+        <p:style>
+          <a:lnRef idx="2">
+            <a:schemeClr val="accent1">
+              <a:shade val="50000"/>
+            </a:schemeClr>
+          </a:lnRef>
+          <a:fillRef idx="1">
+            <a:schemeClr val="accent1"/>
+          </a:fillRef>
+          <a:effectRef idx="0">
+            <a:schemeClr val="accent1"/>
+          </a:effectRef>
+          <a:fontRef idx="minor">
+            <a:schemeClr val="lt1"/>
+          </a:fontRef>
+        </p:style>
+      </p:sp>
+      <p:grpSp>
+        <p:nvGrpSpPr>
+          <p:cNvPr id="10" name="Group 9"/>
+          <p:cNvGrpSpPr/>
+          <p:nvPr/>
+        </p:nvGrpSpPr>
+        <p:grpSpPr>
+          <a:xfrm>
+            <a:off x="9649215" y="4068923"/>
+            <a:ext cx="1080904" cy="1080902"/>
+            <a:chOff x="9685338" y="4460675"/>
+            <a:chExt cx="1080904" cy="1080902"/>
+          </a:xfrm>
+        </p:grpSpPr>
+        <p:sp>
+          <p:nvSpPr>
+            <p:cNvPr id="11" name="Oval 10"/>
+            <p:cNvSpPr/>
+            <p:nvPr/>
+          </p:nvSpPr>
+          <p:spPr>
+            <a:xfrm>
+              <a:off x="9685338" y="4460675"/>
+              <a:ext cx="1080904" cy="1080902"/>
+            </a:xfrm>
+            <a:prstGeom prst="ellipse">
+              <a:avLst/>
+            </a:prstGeom>
+            <a:blipFill dpi="0" rotWithShape="1">
+              <a:blip r:embed="rId4">
+                <a:duotone>
+                  <a:schemeClr val="accent1">
+                    <a:shade val="45000"/>
+                    <a:satMod val="135000"/>
+                  </a:schemeClr>
+                  <a:prstClr val="white"/>
+                </a:duotone>
+                <a:extLst>
+                  <a:ext uri="{BEBA8EAE-BF5A-486C-A8C5-ECC9F3942E4B}">
+                    <a14:imgProps xmlns:a14="http://schemas.microsoft.com/office/drawing/2010/main">
+                      <a14:imgLayer r:embed="rId5">
+                        <a14:imgEffect>
+                          <a14:saturation sat="95000"/>
+                        </a14:imgEffect>
+                      </a14:imgLayer>
+                    </a14:imgProps>
+                  </a:ext>
+                </a:extLst>
+              </a:blip>
+              <a:srcRect/>
+              <a:tile tx="0" ty="0" sx="85000" sy="85000" flip="none" algn="tl"/>
+            </a:blipFill>
+            <a:ln w="25400" cap="flat" cmpd="sng" algn="ctr">
+              <a:noFill/>
+              <a:prstDash val="solid"/>
+            </a:ln>
+            <a:effectLst/>
+          </p:spPr>
+        </p:sp>
+        <p:sp>
+          <p:nvSpPr>
+            <p:cNvPr id="12" name="Oval 11"/>
+            <p:cNvSpPr/>
+            <p:nvPr/>
+          </p:nvSpPr>
+          <p:spPr>
+            <a:xfrm>
+              <a:off x="9793429" y="4568765"/>
+              <a:ext cx="864723" cy="864722"/>
+            </a:xfrm>
+            <a:prstGeom prst="ellipse">
+              <a:avLst/>
+            </a:prstGeom>
+            <a:noFill/>
+            <a:ln w="25400" cap="flat" cmpd="sng" algn="ctr">
+              <a:solidFill>
+                <a:sysClr val="window" lastClr="FFFFFF"/>
+              </a:solidFill>
+              <a:prstDash val="solid"/>
+            </a:ln>
+            <a:effectLst/>
+          </p:spPr>
+        </p:sp>
+      </p:grpSp>
+      <p:sp>
+        <p:nvSpPr>
+          <p:cNvPr id="2" name="Title 1"/>
+          <p:cNvSpPr>
+            <a:spLocks noGrp="1"/>
+          </p:cNvSpPr>
+          <p:nvPr>
+            <p:ph type="ctrTitle"/>
+          </p:nvPr>
+        </p:nvSpPr>
+        <p:spPr>
+          <a:xfrm>
+            <a:off x="1051560" y="1432223"/>
+            <a:ext cx="9966960" cy="3035808"/>
           </a:xfrm>
         </p:spPr>
         <p:txBody>
-          <a:bodyPr anchor="b"/>
+          <a:bodyPr anchor="ctr">
+            <a:noAutofit/>
+          </a:bodyPr>
           <a:lstStyle>
-            <a:lvl1pPr algn="ctr">
-              <a:defRPr sz="6000"/>
+            <a:lvl1pPr algn="l">
+              <a:lnSpc>
+                <a:spcPct val="80000"/>
+              </a:lnSpc>
+              <a:defRPr sz="9600" cap="all" baseline="0">
+                <a:blipFill dpi="0" rotWithShape="1">
+                  <a:blip r:embed="rId4"/>
+                  <a:srcRect/>
+                  <a:tile tx="6350" ty="-127000" sx="65000" sy="64000" flip="none" algn="tl"/>
+                </a:blipFill>
+              </a:defRPr>
             </a:lvl1pPr>
           </a:lstStyle>
           <a:p>
@@ -173,13 +434,7 @@
       </p:sp>
       <p:sp>
         <p:nvSpPr>
-          <p:cNvPr id="3" name="Subtitle 2">
-            <a:extLst>
-              <a:ext uri="{FF2B5EF4-FFF2-40B4-BE49-F238E27FC236}">
-                <a16:creationId xmlns:a16="http://schemas.microsoft.com/office/drawing/2014/main" id="{9A96B1FA-5AE6-4D57-B37B-4AA0216007F8}"/>
-              </a:ext>
-            </a:extLst>
-          </p:cNvPr>
+          <p:cNvPr id="3" name="Subtitle 2"/>
           <p:cNvSpPr>
             <a:spLocks noGrp="1"/>
           </p:cNvSpPr>
@@ -189,16 +444,18 @@
         </p:nvSpPr>
         <p:spPr>
           <a:xfrm>
-            <a:off x="1517904" y="4572000"/>
-            <a:ext cx="9144000" cy="1527048"/>
+            <a:off x="1069848" y="4389120"/>
+            <a:ext cx="7891272" cy="1069848"/>
           </a:xfrm>
         </p:spPr>
         <p:txBody>
-          <a:bodyPr/>
+          <a:bodyPr>
+            <a:normAutofit/>
+          </a:bodyPr>
           <a:lstStyle>
-            <a:lvl1pPr marL="0" indent="0" algn="ctr">
+            <a:lvl1pPr marL="0" indent="0" algn="l">
               <a:buNone/>
-              <a:defRPr sz="2400">
+              <a:defRPr sz="2200">
                 <a:solidFill>
                   <a:schemeClr val="tx1"/>
                 </a:solidFill>
@@ -206,35 +463,35 @@
             </a:lvl1pPr>
             <a:lvl2pPr marL="457200" indent="0" algn="ctr">
               <a:buNone/>
-              <a:defRPr sz="2000"/>
+              <a:defRPr sz="2200"/>
             </a:lvl2pPr>
             <a:lvl3pPr marL="914400" indent="0" algn="ctr">
               <a:buNone/>
-              <a:defRPr sz="1800"/>
+              <a:defRPr sz="2200"/>
             </a:lvl3pPr>
             <a:lvl4pPr marL="1371600" indent="0" algn="ctr">
               <a:buNone/>
-              <a:defRPr sz="1600"/>
+              <a:defRPr sz="2000"/>
             </a:lvl4pPr>
             <a:lvl5pPr marL="1828800" indent="0" algn="ctr">
               <a:buNone/>
-              <a:defRPr sz="1600"/>
+              <a:defRPr sz="2000"/>
             </a:lvl5pPr>
             <a:lvl6pPr marL="2286000" indent="0" algn="ctr">
               <a:buNone/>
-              <a:defRPr sz="1600"/>
+              <a:defRPr sz="2000"/>
             </a:lvl6pPr>
             <a:lvl7pPr marL="2743200" indent="0" algn="ctr">
               <a:buNone/>
-              <a:defRPr sz="1600"/>
+              <a:defRPr sz="2000"/>
             </a:lvl7pPr>
             <a:lvl8pPr marL="3200400" indent="0" algn="ctr">
               <a:buNone/>
-              <a:defRPr sz="1600"/>
+              <a:defRPr sz="2000"/>
             </a:lvl8pPr>
             <a:lvl9pPr marL="3657600" indent="0" algn="ctr">
               <a:buNone/>
-              <a:defRPr sz="1600"/>
+              <a:defRPr sz="2000"/>
             </a:lvl9pPr>
           </a:lstStyle>
           <a:p>
@@ -248,13 +505,7 @@
       </p:sp>
       <p:sp>
         <p:nvSpPr>
-          <p:cNvPr id="7" name="Date Placeholder 6">
-            <a:extLst>
-              <a:ext uri="{FF2B5EF4-FFF2-40B4-BE49-F238E27FC236}">
-                <a16:creationId xmlns:a16="http://schemas.microsoft.com/office/drawing/2014/main" id="{01F49B66-DBC3-45EE-A6E1-DE10A6C186C8}"/>
-              </a:ext>
-            </a:extLst>
-          </p:cNvPr>
+          <p:cNvPr id="4" name="Date Placeholder 3"/>
           <p:cNvSpPr>
             <a:spLocks noGrp="1"/>
           </p:cNvSpPr>
@@ -271,7 +522,7 @@
             <a:fld id="{3F9AFA87-1417-4992-ABD9-27C3BC8CC883}" type="datetimeFigureOut">
               <a:rPr lang="en-US" smtClean="0"/>
               <a:pPr algn="r"/>
-              <a:t>1/3/2025</a:t>
+              <a:t>1/7/2025</a:t>
             </a:fld>
             <a:endParaRPr lang="en-US" dirty="0"/>
           </a:p>
@@ -279,13 +530,7 @@
       </p:sp>
       <p:sp>
         <p:nvSpPr>
-          <p:cNvPr id="8" name="Footer Placeholder 7">
-            <a:extLst>
-              <a:ext uri="{FF2B5EF4-FFF2-40B4-BE49-F238E27FC236}">
-                <a16:creationId xmlns:a16="http://schemas.microsoft.com/office/drawing/2014/main" id="{241085F0-1967-4B4F-9824-58E9F2E05125}"/>
-              </a:ext>
-            </a:extLst>
-          </p:cNvPr>
+          <p:cNvPr id="5" name="Footer Placeholder 4"/>
           <p:cNvSpPr>
             <a:spLocks noGrp="1"/>
           </p:cNvSpPr>
@@ -304,13 +549,7 @@
       </p:sp>
       <p:sp>
         <p:nvSpPr>
-          <p:cNvPr id="9" name="Slide Number Placeholder 8">
-            <a:extLst>
-              <a:ext uri="{FF2B5EF4-FFF2-40B4-BE49-F238E27FC236}">
-                <a16:creationId xmlns:a16="http://schemas.microsoft.com/office/drawing/2014/main" id="{40AEDEE5-31B5-4868-8C16-47FF43E276A4}"/>
-              </a:ext>
-            </a:extLst>
-          </p:cNvPr>
+          <p:cNvPr id="6" name="Slide Number Placeholder 5"/>
           <p:cNvSpPr>
             <a:spLocks noGrp="1"/>
           </p:cNvSpPr>
@@ -318,10 +557,19 @@
             <p:ph type="sldNum" sz="quarter" idx="12"/>
           </p:nvPr>
         </p:nvSpPr>
-        <p:spPr/>
+        <p:spPr>
+          <a:xfrm>
+            <a:off x="9592733" y="4289334"/>
+            <a:ext cx="1193868" cy="640080"/>
+          </a:xfrm>
+        </p:spPr>
         <p:txBody>
           <a:bodyPr/>
-          <a:lstStyle/>
+          <a:lstStyle>
+            <a:lvl1pPr>
+              <a:defRPr sz="2800"/>
+            </a:lvl1pPr>
+          </a:lstStyle>
           <a:p>
             <a:fld id="{CB1E4CB7-CB13-4810-BF18-BE31AFC64F93}" type="slidenum">
               <a:rPr lang="en-US" smtClean="0"/>
@@ -335,7 +583,7 @@
     </p:spTree>
     <p:extLst>
       <p:ext uri="{BB962C8B-B14F-4D97-AF65-F5344CB8AC3E}">
-        <p14:creationId xmlns:p14="http://schemas.microsoft.com/office/powerpoint/2010/main" val="2045324122"/>
+        <p14:creationId xmlns:p14="http://schemas.microsoft.com/office/powerpoint/2010/main" val="1561183021"/>
       </p:ext>
     </p:extLst>
   </p:cSld>
@@ -364,13 +612,7 @@
       </p:grpSpPr>
       <p:sp>
         <p:nvSpPr>
-          <p:cNvPr id="2" name="Title 1">
-            <a:extLst>
-              <a:ext uri="{FF2B5EF4-FFF2-40B4-BE49-F238E27FC236}">
-                <a16:creationId xmlns:a16="http://schemas.microsoft.com/office/drawing/2014/main" id="{0ADF9454-6F74-46A8-B299-4AF451BFB928}"/>
-              </a:ext>
-            </a:extLst>
-          </p:cNvPr>
+          <p:cNvPr id="2" name="Title 1"/>
           <p:cNvSpPr>
             <a:spLocks noGrp="1"/>
           </p:cNvSpPr>
@@ -393,13 +635,7 @@
       </p:sp>
       <p:sp>
         <p:nvSpPr>
-          <p:cNvPr id="3" name="Vertical Text Placeholder 2">
-            <a:extLst>
-              <a:ext uri="{FF2B5EF4-FFF2-40B4-BE49-F238E27FC236}">
-                <a16:creationId xmlns:a16="http://schemas.microsoft.com/office/drawing/2014/main" id="{66F55CA9-A0BD-4609-9307-BAF987B26268}"/>
-              </a:ext>
-            </a:extLst>
-          </p:cNvPr>
+          <p:cNvPr id="3" name="Vertical Text Placeholder 2"/>
           <p:cNvSpPr>
             <a:spLocks noGrp="1"/>
           </p:cNvSpPr>
@@ -451,13 +687,7 @@
       </p:sp>
       <p:sp>
         <p:nvSpPr>
-          <p:cNvPr id="4" name="Date Placeholder 3">
-            <a:extLst>
-              <a:ext uri="{FF2B5EF4-FFF2-40B4-BE49-F238E27FC236}">
-                <a16:creationId xmlns:a16="http://schemas.microsoft.com/office/drawing/2014/main" id="{025E4293-851E-4FA2-BFF2-B646A42369DE}"/>
-              </a:ext>
-            </a:extLst>
-          </p:cNvPr>
+          <p:cNvPr id="4" name="Date Placeholder 3"/>
           <p:cNvSpPr>
             <a:spLocks noGrp="1"/>
           </p:cNvSpPr>
@@ -472,7 +702,7 @@
           <a:p>
             <a:fld id="{3F9AFA87-1417-4992-ABD9-27C3BC8CC883}" type="datetimeFigureOut">
               <a:rPr lang="en-US" smtClean="0"/>
-              <a:t>1/3/2025</a:t>
+              <a:t>1/7/2025</a:t>
             </a:fld>
             <a:endParaRPr lang="en-US"/>
           </a:p>
@@ -480,13 +710,7 @@
       </p:sp>
       <p:sp>
         <p:nvSpPr>
-          <p:cNvPr id="5" name="Footer Placeholder 4">
-            <a:extLst>
-              <a:ext uri="{FF2B5EF4-FFF2-40B4-BE49-F238E27FC236}">
-                <a16:creationId xmlns:a16="http://schemas.microsoft.com/office/drawing/2014/main" id="{59A907F5-F26D-4A91-8D70-AB54F8B43D3F}"/>
-              </a:ext>
-            </a:extLst>
-          </p:cNvPr>
+          <p:cNvPr id="5" name="Footer Placeholder 4"/>
           <p:cNvSpPr>
             <a:spLocks noGrp="1"/>
           </p:cNvSpPr>
@@ -505,13 +729,7 @@
       </p:sp>
       <p:sp>
         <p:nvSpPr>
-          <p:cNvPr id="6" name="Slide Number Placeholder 5">
-            <a:extLst>
-              <a:ext uri="{FF2B5EF4-FFF2-40B4-BE49-F238E27FC236}">
-                <a16:creationId xmlns:a16="http://schemas.microsoft.com/office/drawing/2014/main" id="{778ACBD8-D942-449E-A2B8-358CD1365C0A}"/>
-              </a:ext>
-            </a:extLst>
-          </p:cNvPr>
+          <p:cNvPr id="6" name="Slide Number Placeholder 5"/>
           <p:cNvSpPr>
             <a:spLocks noGrp="1"/>
           </p:cNvSpPr>
@@ -535,7 +753,7 @@
     </p:spTree>
     <p:extLst>
       <p:ext uri="{BB962C8B-B14F-4D97-AF65-F5344CB8AC3E}">
-        <p14:creationId xmlns:p14="http://schemas.microsoft.com/office/powerpoint/2010/main" val="3086069724"/>
+        <p14:creationId xmlns:p14="http://schemas.microsoft.com/office/powerpoint/2010/main" val="2731144228"/>
       </p:ext>
     </p:extLst>
   </p:cSld>
@@ -564,13 +782,7 @@
       </p:grpSpPr>
       <p:sp>
         <p:nvSpPr>
-          <p:cNvPr id="2" name="Vertical Title 1">
-            <a:extLst>
-              <a:ext uri="{FF2B5EF4-FFF2-40B4-BE49-F238E27FC236}">
-                <a16:creationId xmlns:a16="http://schemas.microsoft.com/office/drawing/2014/main" id="{9DA50897-0C2E-420B-9A38-A8D5C1D72786}"/>
-              </a:ext>
-            </a:extLst>
-          </p:cNvPr>
+          <p:cNvPr id="2" name="Vertical Title 1"/>
           <p:cNvSpPr>
             <a:spLocks noGrp="1"/>
           </p:cNvSpPr>
@@ -580,8 +792,8 @@
         </p:nvSpPr>
         <p:spPr>
           <a:xfrm>
-            <a:off x="8450317" y="1517904"/>
-            <a:ext cx="2220731" cy="4546786"/>
+            <a:off x="8724900" y="533400"/>
+            <a:ext cx="2552700" cy="5638800"/>
           </a:xfrm>
         </p:spPr>
         <p:txBody>
@@ -598,13 +810,7 @@
       </p:sp>
       <p:sp>
         <p:nvSpPr>
-          <p:cNvPr id="3" name="Vertical Text Placeholder 2">
-            <a:extLst>
-              <a:ext uri="{FF2B5EF4-FFF2-40B4-BE49-F238E27FC236}">
-                <a16:creationId xmlns:a16="http://schemas.microsoft.com/office/drawing/2014/main" id="{6EDB2173-32A5-4677-A08F-DAB8FD430D1A}"/>
-              </a:ext>
-            </a:extLst>
-          </p:cNvPr>
+          <p:cNvPr id="3" name="Vertical Text Placeholder 2"/>
           <p:cNvSpPr>
             <a:spLocks noGrp="1"/>
           </p:cNvSpPr>
@@ -614,8 +820,8 @@
         </p:nvSpPr>
         <p:spPr>
           <a:xfrm>
-            <a:off x="1517904" y="1517904"/>
-            <a:ext cx="6562553" cy="4546786"/>
+            <a:off x="1066800" y="533400"/>
+            <a:ext cx="7505700" cy="5638800"/>
           </a:xfrm>
         </p:spPr>
         <p:txBody>
@@ -661,13 +867,7 @@
       </p:sp>
       <p:sp>
         <p:nvSpPr>
-          <p:cNvPr id="4" name="Date Placeholder 3">
-            <a:extLst>
-              <a:ext uri="{FF2B5EF4-FFF2-40B4-BE49-F238E27FC236}">
-                <a16:creationId xmlns:a16="http://schemas.microsoft.com/office/drawing/2014/main" id="{33DB124D-B801-4A6A-9DAF-EBC1B98FE4F7}"/>
-              </a:ext>
-            </a:extLst>
-          </p:cNvPr>
+          <p:cNvPr id="4" name="Date Placeholder 3"/>
           <p:cNvSpPr>
             <a:spLocks noGrp="1"/>
           </p:cNvSpPr>
@@ -682,7 +882,7 @@
           <a:p>
             <a:fld id="{3F9AFA87-1417-4992-ABD9-27C3BC8CC883}" type="datetimeFigureOut">
               <a:rPr lang="en-US" smtClean="0"/>
-              <a:t>1/3/2025</a:t>
+              <a:t>1/7/2025</a:t>
             </a:fld>
             <a:endParaRPr lang="en-US"/>
           </a:p>
@@ -690,13 +890,7 @@
       </p:sp>
       <p:sp>
         <p:nvSpPr>
-          <p:cNvPr id="5" name="Footer Placeholder 4">
-            <a:extLst>
-              <a:ext uri="{FF2B5EF4-FFF2-40B4-BE49-F238E27FC236}">
-                <a16:creationId xmlns:a16="http://schemas.microsoft.com/office/drawing/2014/main" id="{A8DAF8DF-2544-45A5-B62B-BB7948FCCA45}"/>
-              </a:ext>
-            </a:extLst>
-          </p:cNvPr>
+          <p:cNvPr id="5" name="Footer Placeholder 4"/>
           <p:cNvSpPr>
             <a:spLocks noGrp="1"/>
           </p:cNvSpPr>
@@ -715,13 +909,7 @@
       </p:sp>
       <p:sp>
         <p:nvSpPr>
-          <p:cNvPr id="6" name="Slide Number Placeholder 5">
-            <a:extLst>
-              <a:ext uri="{FF2B5EF4-FFF2-40B4-BE49-F238E27FC236}">
-                <a16:creationId xmlns:a16="http://schemas.microsoft.com/office/drawing/2014/main" id="{04AC232D-131E-4BE6-8E2E-BAF5A30846D6}"/>
-              </a:ext>
-            </a:extLst>
-          </p:cNvPr>
+          <p:cNvPr id="6" name="Slide Number Placeholder 5"/>
           <p:cNvSpPr>
             <a:spLocks noGrp="1"/>
           </p:cNvSpPr>
@@ -745,7 +933,7 @@
     </p:spTree>
     <p:extLst>
       <p:ext uri="{BB962C8B-B14F-4D97-AF65-F5344CB8AC3E}">
-        <p14:creationId xmlns:p14="http://schemas.microsoft.com/office/powerpoint/2010/main" val="1257798294"/>
+        <p14:creationId xmlns:p14="http://schemas.microsoft.com/office/powerpoint/2010/main" val="3850698181"/>
       </p:ext>
     </p:extLst>
   </p:cSld>
@@ -774,13 +962,7 @@
       </p:grpSpPr>
       <p:sp>
         <p:nvSpPr>
-          <p:cNvPr id="2" name="Title 1">
-            <a:extLst>
-              <a:ext uri="{FF2B5EF4-FFF2-40B4-BE49-F238E27FC236}">
-                <a16:creationId xmlns:a16="http://schemas.microsoft.com/office/drawing/2014/main" id="{424C5BB2-C09C-49B0-BAFA-DE1801CD3E90}"/>
-              </a:ext>
-            </a:extLst>
-          </p:cNvPr>
+          <p:cNvPr id="2" name="Title 1"/>
           <p:cNvSpPr>
             <a:spLocks noGrp="1"/>
           </p:cNvSpPr>
@@ -797,18 +979,13 @@
               <a:rPr lang="en-US"/>
               <a:t>Click to edit Master title style</a:t>
             </a:r>
-          </a:p>
-        </p:txBody>
-      </p:sp>
-      <p:sp>
-        <p:nvSpPr>
-          <p:cNvPr id="3" name="Content Placeholder 2">
-            <a:extLst>
-              <a:ext uri="{FF2B5EF4-FFF2-40B4-BE49-F238E27FC236}">
-                <a16:creationId xmlns:a16="http://schemas.microsoft.com/office/drawing/2014/main" id="{C3A47C21-944D-47FE-9519-A25518837115}"/>
-              </a:ext>
-            </a:extLst>
-          </p:cNvPr>
+            <a:endParaRPr lang="en-US" dirty="0"/>
+          </a:p>
+        </p:txBody>
+      </p:sp>
+      <p:sp>
+        <p:nvSpPr>
+          <p:cNvPr id="3" name="Content Placeholder 2"/>
           <p:cNvSpPr>
             <a:spLocks noGrp="1"/>
           </p:cNvSpPr>
@@ -854,18 +1031,13 @@
               <a:rPr lang="en-US"/>
               <a:t>Fifth level</a:t>
             </a:r>
-          </a:p>
-        </p:txBody>
-      </p:sp>
-      <p:sp>
-        <p:nvSpPr>
-          <p:cNvPr id="4" name="Date Placeholder 3">
-            <a:extLst>
-              <a:ext uri="{FF2B5EF4-FFF2-40B4-BE49-F238E27FC236}">
-                <a16:creationId xmlns:a16="http://schemas.microsoft.com/office/drawing/2014/main" id="{AC7CE36D-6B7B-4D5E-831E-34A4286D6E6A}"/>
-              </a:ext>
-            </a:extLst>
-          </p:cNvPr>
+            <a:endParaRPr lang="en-US" dirty="0"/>
+          </a:p>
+        </p:txBody>
+      </p:sp>
+      <p:sp>
+        <p:nvSpPr>
+          <p:cNvPr id="4" name="Date Placeholder 3"/>
           <p:cNvSpPr>
             <a:spLocks noGrp="1"/>
           </p:cNvSpPr>
@@ -880,7 +1052,7 @@
           <a:p>
             <a:fld id="{3F9AFA87-1417-4992-ABD9-27C3BC8CC883}" type="datetimeFigureOut">
               <a:rPr lang="en-US" smtClean="0"/>
-              <a:t>1/3/2025</a:t>
+              <a:t>1/7/2025</a:t>
             </a:fld>
             <a:endParaRPr lang="en-US"/>
           </a:p>
@@ -888,13 +1060,7 @@
       </p:sp>
       <p:sp>
         <p:nvSpPr>
-          <p:cNvPr id="5" name="Footer Placeholder 4">
-            <a:extLst>
-              <a:ext uri="{FF2B5EF4-FFF2-40B4-BE49-F238E27FC236}">
-                <a16:creationId xmlns:a16="http://schemas.microsoft.com/office/drawing/2014/main" id="{BA2AD668-6E19-425C-88F7-AF4220662C0D}"/>
-              </a:ext>
-            </a:extLst>
-          </p:cNvPr>
+          <p:cNvPr id="5" name="Footer Placeholder 4"/>
           <p:cNvSpPr>
             <a:spLocks noGrp="1"/>
           </p:cNvSpPr>
@@ -913,13 +1079,7 @@
       </p:sp>
       <p:sp>
         <p:nvSpPr>
-          <p:cNvPr id="6" name="Slide Number Placeholder 5">
-            <a:extLst>
-              <a:ext uri="{FF2B5EF4-FFF2-40B4-BE49-F238E27FC236}">
-                <a16:creationId xmlns:a16="http://schemas.microsoft.com/office/drawing/2014/main" id="{36905C53-CF7C-4936-9E35-1BEBD683626E}"/>
-              </a:ext>
-            </a:extLst>
-          </p:cNvPr>
+          <p:cNvPr id="6" name="Slide Number Placeholder 5"/>
           <p:cNvSpPr>
             <a:spLocks noGrp="1"/>
           </p:cNvSpPr>
@@ -943,7 +1103,7 @@
     </p:spTree>
     <p:extLst>
       <p:ext uri="{BB962C8B-B14F-4D97-AF65-F5344CB8AC3E}">
-        <p14:creationId xmlns:p14="http://schemas.microsoft.com/office/powerpoint/2010/main" val="2794302340"/>
+        <p14:creationId xmlns:p14="http://schemas.microsoft.com/office/powerpoint/2010/main" val="1878303401"/>
       </p:ext>
     </p:extLst>
   </p:cSld>
@@ -954,7 +1114,7 @@
 </file>
 
 <file path=ppt/slideLayouts/slideLayout3.xml><?xml version="1.0" encoding="utf-8"?>
-<p:sldLayout xmlns:a="http://schemas.openxmlformats.org/drawingml/2006/main" xmlns:r="http://schemas.openxmlformats.org/officeDocument/2006/relationships" xmlns:p="http://schemas.openxmlformats.org/presentationml/2006/main" type="secHead" preserve="1">
+<p:sldLayout xmlns:a="http://schemas.openxmlformats.org/drawingml/2006/main" xmlns:r="http://schemas.openxmlformats.org/officeDocument/2006/relationships" xmlns:p="http://schemas.openxmlformats.org/presentationml/2006/main" showMasterSp="0" type="secHead" preserve="1">
   <p:cSld name="Section Header">
     <p:spTree>
       <p:nvGrpSpPr>
@@ -972,31 +1132,87 @@
       </p:grpSpPr>
       <p:sp>
         <p:nvSpPr>
-          <p:cNvPr id="2" name="Title 1">
-            <a:extLst>
-              <a:ext uri="{FF2B5EF4-FFF2-40B4-BE49-F238E27FC236}">
-                <a16:creationId xmlns:a16="http://schemas.microsoft.com/office/drawing/2014/main" id="{48146C78-A717-4E1F-A742-FD5AECA03B4B}"/>
-              </a:ext>
-            </a:extLst>
-          </p:cNvPr>
-          <p:cNvSpPr>
-            <a:spLocks noGrp="1"/>
-          </p:cNvSpPr>
-          <p:nvPr>
-            <p:ph type="title"/>
-          </p:nvPr>
+          <p:cNvPr id="7" name="Rectangle 6"/>
+          <p:cNvSpPr/>
+          <p:nvPr/>
         </p:nvSpPr>
         <p:spPr>
           <a:xfrm>
-            <a:off x="1517904" y="1517904"/>
-            <a:ext cx="9144000" cy="2852737"/>
+            <a:off x="0" y="4917989"/>
+            <a:ext cx="12192000" cy="1940010"/>
+          </a:xfrm>
+          <a:prstGeom prst="rect">
+            <a:avLst/>
+          </a:prstGeom>
+          <a:blipFill dpi="0" rotWithShape="1">
+            <a:blip r:embed="rId2">
+              <a:alphaModFix amt="85000"/>
+              <a:lum bright="70000" contrast="-70000"/>
+              <a:extLst>
+                <a:ext uri="{BEBA8EAE-BF5A-486C-A8C5-ECC9F3942E4B}">
+                  <a14:imgProps xmlns:a14="http://schemas.microsoft.com/office/drawing/2010/main">
+                    <a14:imgLayer r:embed="rId3">
+                      <a14:imgEffect>
+                        <a14:sharpenSoften amount="61000"/>
+                      </a14:imgEffect>
+                    </a14:imgLayer>
+                  </a14:imgProps>
+                </a:ext>
+                <a:ext uri="{28A0092B-C50C-407E-A947-70E740481C1C}">
+                  <a14:useLocalDpi xmlns:a14="http://schemas.microsoft.com/office/drawing/2010/main" val="0"/>
+                </a:ext>
+              </a:extLst>
+            </a:blip>
+            <a:srcRect/>
+            <a:tile tx="0" ty="-704850" sx="92000" sy="89000" flip="xy" algn="ctr"/>
+          </a:blipFill>
+          <a:ln>
+            <a:noFill/>
+          </a:ln>
+        </p:spPr>
+        <p:style>
+          <a:lnRef idx="2">
+            <a:schemeClr val="accent1">
+              <a:shade val="50000"/>
+            </a:schemeClr>
+          </a:lnRef>
+          <a:fillRef idx="1">
+            <a:schemeClr val="accent1"/>
+          </a:fillRef>
+          <a:effectRef idx="0">
+            <a:schemeClr val="accent1"/>
+          </a:effectRef>
+          <a:fontRef idx="minor">
+            <a:schemeClr val="lt1"/>
+          </a:fontRef>
+        </p:style>
+      </p:sp>
+      <p:sp>
+        <p:nvSpPr>
+          <p:cNvPr id="2" name="Title 1"/>
+          <p:cNvSpPr>
+            <a:spLocks noGrp="1"/>
+          </p:cNvSpPr>
+          <p:nvPr>
+            <p:ph type="title"/>
+          </p:nvPr>
+        </p:nvSpPr>
+        <p:spPr>
+          <a:xfrm>
+            <a:off x="2167128" y="1225296"/>
+            <a:ext cx="9281160" cy="3520440"/>
           </a:xfrm>
         </p:spPr>
         <p:txBody>
-          <a:bodyPr anchor="b"/>
+          <a:bodyPr anchor="ctr">
+            <a:normAutofit/>
+          </a:bodyPr>
           <a:lstStyle>
             <a:lvl1pPr>
-              <a:defRPr sz="6000"/>
+              <a:lnSpc>
+                <a:spcPct val="80000"/>
+              </a:lnSpc>
+              <a:defRPr sz="8000" b="0"/>
             </a:lvl1pPr>
           </a:lstStyle>
           <a:p>
@@ -1010,13 +1226,7 @@
       </p:sp>
       <p:sp>
         <p:nvSpPr>
-          <p:cNvPr id="3" name="Text Placeholder 2">
-            <a:extLst>
-              <a:ext uri="{FF2B5EF4-FFF2-40B4-BE49-F238E27FC236}">
-                <a16:creationId xmlns:a16="http://schemas.microsoft.com/office/drawing/2014/main" id="{BDA1270D-CCAE-4437-A0C0-052D111DFC80}"/>
-              </a:ext>
-            </a:extLst>
-          </p:cNvPr>
+          <p:cNvPr id="3" name="Text Placeholder 2"/>
           <p:cNvSpPr>
             <a:spLocks noGrp="1"/>
           </p:cNvSpPr>
@@ -1026,16 +1236,18 @@
         </p:nvSpPr>
         <p:spPr>
           <a:xfrm>
-            <a:off x="1517904" y="4572000"/>
-            <a:ext cx="9144000" cy="1500187"/>
+            <a:off x="2165774" y="5020056"/>
+            <a:ext cx="9052560" cy="1066800"/>
           </a:xfrm>
         </p:spPr>
         <p:txBody>
-          <a:bodyPr/>
+          <a:bodyPr anchor="t">
+            <a:normAutofit/>
+          </a:bodyPr>
           <a:lstStyle>
             <a:lvl1pPr marL="0" indent="0">
               <a:buNone/>
-              <a:defRPr sz="2400">
+              <a:defRPr sz="2000">
                 <a:solidFill>
                   <a:schemeClr val="tx1"/>
                 </a:solidFill>
@@ -1043,7 +1255,7 @@
             </a:lvl1pPr>
             <a:lvl2pPr marL="457200" indent="0">
               <a:buNone/>
-              <a:defRPr sz="2000">
+              <a:defRPr sz="1800">
                 <a:solidFill>
                   <a:schemeClr val="tx1">
                     <a:tint val="75000"/>
@@ -1053,7 +1265,7 @@
             </a:lvl2pPr>
             <a:lvl3pPr marL="914400" indent="0">
               <a:buNone/>
-              <a:defRPr sz="1800">
+              <a:defRPr sz="1600">
                 <a:solidFill>
                   <a:schemeClr val="tx1">
                     <a:tint val="75000"/>
@@ -1063,7 +1275,7 @@
             </a:lvl3pPr>
             <a:lvl4pPr marL="1371600" indent="0">
               <a:buNone/>
-              <a:defRPr sz="1600">
+              <a:defRPr sz="1400">
                 <a:solidFill>
                   <a:schemeClr val="tx1">
                     <a:tint val="75000"/>
@@ -1073,7 +1285,7 @@
             </a:lvl4pPr>
             <a:lvl5pPr marL="1828800" indent="0">
               <a:buNone/>
-              <a:defRPr sz="1600">
+              <a:defRPr sz="1400">
                 <a:solidFill>
                   <a:schemeClr val="tx1">
                     <a:tint val="75000"/>
@@ -1083,7 +1295,7 @@
             </a:lvl5pPr>
             <a:lvl6pPr marL="2286000" indent="0">
               <a:buNone/>
-              <a:defRPr sz="1600">
+              <a:defRPr sz="1400">
                 <a:solidFill>
                   <a:schemeClr val="tx1">
                     <a:tint val="75000"/>
@@ -1093,7 +1305,7 @@
             </a:lvl6pPr>
             <a:lvl7pPr marL="2743200" indent="0">
               <a:buNone/>
-              <a:defRPr sz="1600">
+              <a:defRPr sz="1400">
                 <a:solidFill>
                   <a:schemeClr val="tx1">
                     <a:tint val="75000"/>
@@ -1103,7 +1315,7 @@
             </a:lvl7pPr>
             <a:lvl8pPr marL="3200400" indent="0">
               <a:buNone/>
-              <a:defRPr sz="1600">
+              <a:defRPr sz="1400">
                 <a:solidFill>
                   <a:schemeClr val="tx1">
                     <a:tint val="75000"/>
@@ -1113,7 +1325,7 @@
             </a:lvl8pPr>
             <a:lvl9pPr marL="3657600" indent="0">
               <a:buNone/>
-              <a:defRPr sz="1600">
+              <a:defRPr sz="1400">
                 <a:solidFill>
                   <a:schemeClr val="tx1">
                     <a:tint val="75000"/>
@@ -1133,13 +1345,7 @@
       </p:sp>
       <p:sp>
         <p:nvSpPr>
-          <p:cNvPr id="4" name="Date Placeholder 3">
-            <a:extLst>
-              <a:ext uri="{FF2B5EF4-FFF2-40B4-BE49-F238E27FC236}">
-                <a16:creationId xmlns:a16="http://schemas.microsoft.com/office/drawing/2014/main" id="{CA9F006A-7EEE-4DB0-8F92-D34C0D46C38E}"/>
-              </a:ext>
-            </a:extLst>
-          </p:cNvPr>
+          <p:cNvPr id="4" name="Date Placeholder 3"/>
           <p:cNvSpPr>
             <a:spLocks noGrp="1"/>
           </p:cNvSpPr>
@@ -1147,14 +1353,19 @@
             <p:ph type="dt" sz="half" idx="10"/>
           </p:nvPr>
         </p:nvSpPr>
-        <p:spPr/>
+        <p:spPr>
+          <a:xfrm>
+            <a:off x="8593667" y="6272784"/>
+            <a:ext cx="2644309" cy="365125"/>
+          </a:xfrm>
+        </p:spPr>
         <p:txBody>
           <a:bodyPr/>
           <a:lstStyle/>
           <a:p>
             <a:fld id="{3F9AFA87-1417-4992-ABD9-27C3BC8CC883}" type="datetimeFigureOut">
               <a:rPr lang="en-US" smtClean="0"/>
-              <a:t>1/3/2025</a:t>
+              <a:t>1/7/2025</a:t>
             </a:fld>
             <a:endParaRPr lang="en-US"/>
           </a:p>
@@ -1162,13 +1373,7 @@
       </p:sp>
       <p:sp>
         <p:nvSpPr>
-          <p:cNvPr id="5" name="Footer Placeholder 4">
-            <a:extLst>
-              <a:ext uri="{FF2B5EF4-FFF2-40B4-BE49-F238E27FC236}">
-                <a16:creationId xmlns:a16="http://schemas.microsoft.com/office/drawing/2014/main" id="{FDA3F2ED-2B0E-44A9-8603-286CA06345DB}"/>
-              </a:ext>
-            </a:extLst>
-          </p:cNvPr>
+          <p:cNvPr id="5" name="Footer Placeholder 4"/>
           <p:cNvSpPr>
             <a:spLocks noGrp="1"/>
           </p:cNvSpPr>
@@ -1176,7 +1381,12 @@
             <p:ph type="ftr" sz="quarter" idx="11"/>
           </p:nvPr>
         </p:nvSpPr>
-        <p:spPr/>
+        <p:spPr>
+          <a:xfrm>
+            <a:off x="2182708" y="6272784"/>
+            <a:ext cx="6327648" cy="365125"/>
+          </a:xfrm>
+        </p:spPr>
         <p:txBody>
           <a:bodyPr/>
           <a:lstStyle/>
@@ -1185,15 +1395,93 @@
           </a:p>
         </p:txBody>
       </p:sp>
-      <p:sp>
-        <p:nvSpPr>
-          <p:cNvPr id="6" name="Slide Number Placeholder 5">
-            <a:extLst>
-              <a:ext uri="{FF2B5EF4-FFF2-40B4-BE49-F238E27FC236}">
-                <a16:creationId xmlns:a16="http://schemas.microsoft.com/office/drawing/2014/main" id="{FF4D801C-6B4E-40B6-9D6E-558192264D2E}"/>
-              </a:ext>
-            </a:extLst>
-          </p:cNvPr>
+      <p:grpSp>
+        <p:nvGrpSpPr>
+          <p:cNvPr id="8" name="Group 7"/>
+          <p:cNvGrpSpPr/>
+          <p:nvPr/>
+        </p:nvGrpSpPr>
+        <p:grpSpPr>
+          <a:xfrm>
+            <a:off x="897399" y="2325848"/>
+            <a:ext cx="1080904" cy="1080902"/>
+            <a:chOff x="9685338" y="4460675"/>
+            <a:chExt cx="1080904" cy="1080902"/>
+          </a:xfrm>
+        </p:grpSpPr>
+        <p:sp>
+          <p:nvSpPr>
+            <p:cNvPr id="9" name="Oval 8"/>
+            <p:cNvSpPr/>
+            <p:nvPr/>
+          </p:nvSpPr>
+          <p:spPr>
+            <a:xfrm>
+              <a:off x="9685338" y="4460675"/>
+              <a:ext cx="1080904" cy="1080902"/>
+            </a:xfrm>
+            <a:prstGeom prst="ellipse">
+              <a:avLst/>
+            </a:prstGeom>
+            <a:blipFill dpi="0" rotWithShape="1">
+              <a:blip r:embed="rId4">
+                <a:duotone>
+                  <a:schemeClr val="accent1">
+                    <a:shade val="45000"/>
+                    <a:satMod val="135000"/>
+                  </a:schemeClr>
+                  <a:prstClr val="white"/>
+                </a:duotone>
+                <a:extLst>
+                  <a:ext uri="{BEBA8EAE-BF5A-486C-A8C5-ECC9F3942E4B}">
+                    <a14:imgProps xmlns:a14="http://schemas.microsoft.com/office/drawing/2010/main">
+                      <a14:imgLayer r:embed="rId5">
+                        <a14:imgEffect>
+                          <a14:saturation sat="95000"/>
+                        </a14:imgEffect>
+                      </a14:imgLayer>
+                    </a14:imgProps>
+                  </a:ext>
+                </a:extLst>
+              </a:blip>
+              <a:srcRect/>
+              <a:tile tx="0" ty="0" sx="85000" sy="85000" flip="none" algn="tl"/>
+            </a:blipFill>
+            <a:ln w="25400" cap="flat" cmpd="sng" algn="ctr">
+              <a:noFill/>
+              <a:prstDash val="solid"/>
+            </a:ln>
+            <a:effectLst/>
+          </p:spPr>
+        </p:sp>
+        <p:sp>
+          <p:nvSpPr>
+            <p:cNvPr id="10" name="Oval 9"/>
+            <p:cNvSpPr/>
+            <p:nvPr/>
+          </p:nvSpPr>
+          <p:spPr>
+            <a:xfrm>
+              <a:off x="9793429" y="4568765"/>
+              <a:ext cx="864723" cy="864722"/>
+            </a:xfrm>
+            <a:prstGeom prst="ellipse">
+              <a:avLst/>
+            </a:prstGeom>
+            <a:noFill/>
+            <a:ln w="25400" cap="flat" cmpd="sng" algn="ctr">
+              <a:solidFill>
+                <a:sysClr val="window" lastClr="FFFFFF"/>
+              </a:solidFill>
+              <a:prstDash val="solid"/>
+            </a:ln>
+            <a:effectLst/>
+          </p:spPr>
+        </p:sp>
+      </p:grpSp>
+      <p:sp>
+        <p:nvSpPr>
+          <p:cNvPr id="6" name="Slide Number Placeholder 5"/>
           <p:cNvSpPr>
             <a:spLocks noGrp="1"/>
           </p:cNvSpPr>
@@ -1201,10 +1489,19 @@
             <p:ph type="sldNum" sz="quarter" idx="12"/>
           </p:nvPr>
         </p:nvSpPr>
-        <p:spPr/>
+        <p:spPr>
+          <a:xfrm>
+            <a:off x="843702" y="2506133"/>
+            <a:ext cx="1188298" cy="720332"/>
+          </a:xfrm>
+        </p:spPr>
         <p:txBody>
           <a:bodyPr/>
-          <a:lstStyle/>
+          <a:lstStyle>
+            <a:lvl1pPr>
+              <a:defRPr sz="2800"/>
+            </a:lvl1pPr>
+          </a:lstStyle>
           <a:p>
             <a:fld id="{CB1E4CB7-CB13-4810-BF18-BE31AFC64F93}" type="slidenum">
               <a:rPr lang="en-US" smtClean="0"/>
@@ -1217,7 +1514,7 @@
     </p:spTree>
     <p:extLst>
       <p:ext uri="{BB962C8B-B14F-4D97-AF65-F5344CB8AC3E}">
-        <p14:creationId xmlns:p14="http://schemas.microsoft.com/office/powerpoint/2010/main" val="3535041869"/>
+        <p14:creationId xmlns:p14="http://schemas.microsoft.com/office/powerpoint/2010/main" val="2032302806"/>
       </p:ext>
     </p:extLst>
   </p:cSld>
@@ -1246,13 +1543,7 @@
       </p:grpSpPr>
       <p:sp>
         <p:nvSpPr>
-          <p:cNvPr id="2" name="Title 1">
-            <a:extLst>
-              <a:ext uri="{FF2B5EF4-FFF2-40B4-BE49-F238E27FC236}">
-                <a16:creationId xmlns:a16="http://schemas.microsoft.com/office/drawing/2014/main" id="{4DC446AA-9418-4C3E-901B-8E2806122E17}"/>
-              </a:ext>
-            </a:extLst>
-          </p:cNvPr>
+          <p:cNvPr id="2" name="Title 1"/>
           <p:cNvSpPr>
             <a:spLocks noGrp="1"/>
           </p:cNvSpPr>
@@ -1269,18 +1560,13 @@
               <a:rPr lang="en-US"/>
               <a:t>Click to edit Master title style</a:t>
             </a:r>
-          </a:p>
-        </p:txBody>
-      </p:sp>
-      <p:sp>
-        <p:nvSpPr>
-          <p:cNvPr id="3" name="Content Placeholder 2">
-            <a:extLst>
-              <a:ext uri="{FF2B5EF4-FFF2-40B4-BE49-F238E27FC236}">
-                <a16:creationId xmlns:a16="http://schemas.microsoft.com/office/drawing/2014/main" id="{E5997482-2CA6-4707-976E-6FD4B57BFE66}"/>
-              </a:ext>
-            </a:extLst>
-          </p:cNvPr>
+            <a:endParaRPr lang="en-US" dirty="0"/>
+          </a:p>
+        </p:txBody>
+      </p:sp>
+      <p:sp>
+        <p:nvSpPr>
+          <p:cNvPr id="3" name="Content Placeholder 2"/>
           <p:cNvSpPr>
             <a:spLocks noGrp="1"/>
           </p:cNvSpPr>
@@ -1290,13 +1576,41 @@
         </p:nvSpPr>
         <p:spPr>
           <a:xfrm>
-            <a:off x="1517904" y="2980944"/>
-            <a:ext cx="4334256" cy="3118104"/>
+            <a:off x="1069848" y="2194560"/>
+            <a:ext cx="4754880" cy="3977640"/>
           </a:xfrm>
         </p:spPr>
         <p:txBody>
           <a:bodyPr/>
-          <a:lstStyle/>
+          <a:lstStyle>
+            <a:lvl1pPr>
+              <a:defRPr sz="2000"/>
+            </a:lvl1pPr>
+            <a:lvl2pPr>
+              <a:defRPr sz="1800"/>
+            </a:lvl2pPr>
+            <a:lvl3pPr>
+              <a:defRPr sz="1600"/>
+            </a:lvl3pPr>
+            <a:lvl4pPr>
+              <a:defRPr sz="1600"/>
+            </a:lvl4pPr>
+            <a:lvl5pPr>
+              <a:defRPr sz="1600"/>
+            </a:lvl5pPr>
+            <a:lvl6pPr>
+              <a:defRPr sz="1600"/>
+            </a:lvl6pPr>
+            <a:lvl7pPr>
+              <a:defRPr sz="1600"/>
+            </a:lvl7pPr>
+            <a:lvl8pPr>
+              <a:defRPr sz="1600"/>
+            </a:lvl8pPr>
+            <a:lvl9pPr>
+              <a:defRPr sz="1600"/>
+            </a:lvl9pPr>
+          </a:lstStyle>
           <a:p>
             <a:pPr lvl="0"/>
             <a:r>
@@ -1331,18 +1645,13 @@
               <a:rPr lang="en-US"/>
               <a:t>Fifth level</a:t>
             </a:r>
-          </a:p>
-        </p:txBody>
-      </p:sp>
-      <p:sp>
-        <p:nvSpPr>
-          <p:cNvPr id="4" name="Content Placeholder 3">
-            <a:extLst>
-              <a:ext uri="{FF2B5EF4-FFF2-40B4-BE49-F238E27FC236}">
-                <a16:creationId xmlns:a16="http://schemas.microsoft.com/office/drawing/2014/main" id="{AB909652-DD12-479C-B639-9452CBA8C019}"/>
-              </a:ext>
-            </a:extLst>
-          </p:cNvPr>
+            <a:endParaRPr lang="en-US" dirty="0"/>
+          </a:p>
+        </p:txBody>
+      </p:sp>
+      <p:sp>
+        <p:nvSpPr>
+          <p:cNvPr id="4" name="Content Placeholder 3"/>
           <p:cNvSpPr>
             <a:spLocks noGrp="1"/>
           </p:cNvSpPr>
@@ -1352,13 +1661,41 @@
         </p:nvSpPr>
         <p:spPr>
           <a:xfrm>
-            <a:off x="6336792" y="2980944"/>
-            <a:ext cx="4334256" cy="3118104"/>
+            <a:off x="6364224" y="2194560"/>
+            <a:ext cx="4754880" cy="3977640"/>
           </a:xfrm>
         </p:spPr>
         <p:txBody>
           <a:bodyPr/>
-          <a:lstStyle/>
+          <a:lstStyle>
+            <a:lvl1pPr>
+              <a:defRPr sz="2000"/>
+            </a:lvl1pPr>
+            <a:lvl2pPr>
+              <a:defRPr sz="1800"/>
+            </a:lvl2pPr>
+            <a:lvl3pPr>
+              <a:defRPr sz="1600"/>
+            </a:lvl3pPr>
+            <a:lvl4pPr>
+              <a:defRPr sz="1600"/>
+            </a:lvl4pPr>
+            <a:lvl5pPr>
+              <a:defRPr sz="1600"/>
+            </a:lvl5pPr>
+            <a:lvl6pPr>
+              <a:defRPr sz="1600"/>
+            </a:lvl6pPr>
+            <a:lvl7pPr>
+              <a:defRPr sz="1600"/>
+            </a:lvl7pPr>
+            <a:lvl8pPr>
+              <a:defRPr sz="1600"/>
+            </a:lvl8pPr>
+            <a:lvl9pPr>
+              <a:defRPr sz="1600"/>
+            </a:lvl9pPr>
+          </a:lstStyle>
           <a:p>
             <a:pPr lvl="0"/>
             <a:r>
@@ -1393,18 +1730,13 @@
               <a:rPr lang="en-US"/>
               <a:t>Fifth level</a:t>
             </a:r>
-          </a:p>
-        </p:txBody>
-      </p:sp>
-      <p:sp>
-        <p:nvSpPr>
-          <p:cNvPr id="5" name="Date Placeholder 4">
-            <a:extLst>
-              <a:ext uri="{FF2B5EF4-FFF2-40B4-BE49-F238E27FC236}">
-                <a16:creationId xmlns:a16="http://schemas.microsoft.com/office/drawing/2014/main" id="{AD0EC7A6-AFB1-4989-A0B4-B422D5B2C69C}"/>
-              </a:ext>
-            </a:extLst>
-          </p:cNvPr>
+            <a:endParaRPr lang="en-US" dirty="0"/>
+          </a:p>
+        </p:txBody>
+      </p:sp>
+      <p:sp>
+        <p:nvSpPr>
+          <p:cNvPr id="5" name="Date Placeholder 4"/>
           <p:cNvSpPr>
             <a:spLocks noGrp="1"/>
           </p:cNvSpPr>
@@ -1419,7 +1751,7 @@
           <a:p>
             <a:fld id="{3F9AFA87-1417-4992-ABD9-27C3BC8CC883}" type="datetimeFigureOut">
               <a:rPr lang="en-US" smtClean="0"/>
-              <a:t>1/3/2025</a:t>
+              <a:t>1/7/2025</a:t>
             </a:fld>
             <a:endParaRPr lang="en-US" dirty="0"/>
           </a:p>
@@ -1427,13 +1759,7 @@
       </p:sp>
       <p:sp>
         <p:nvSpPr>
-          <p:cNvPr id="6" name="Footer Placeholder 5">
-            <a:extLst>
-              <a:ext uri="{FF2B5EF4-FFF2-40B4-BE49-F238E27FC236}">
-                <a16:creationId xmlns:a16="http://schemas.microsoft.com/office/drawing/2014/main" id="{F8D2117C-B497-4647-A66B-1887750FB538}"/>
-              </a:ext>
-            </a:extLst>
-          </p:cNvPr>
+          <p:cNvPr id="6" name="Footer Placeholder 5"/>
           <p:cNvSpPr>
             <a:spLocks noGrp="1"/>
           </p:cNvSpPr>
@@ -1452,13 +1778,7 @@
       </p:sp>
       <p:sp>
         <p:nvSpPr>
-          <p:cNvPr id="7" name="Slide Number Placeholder 6">
-            <a:extLst>
-              <a:ext uri="{FF2B5EF4-FFF2-40B4-BE49-F238E27FC236}">
-                <a16:creationId xmlns:a16="http://schemas.microsoft.com/office/drawing/2014/main" id="{79E8C7AF-5092-416B-B61C-F41D3C573E0C}"/>
-              </a:ext>
-            </a:extLst>
-          </p:cNvPr>
+          <p:cNvPr id="7" name="Slide Number Placeholder 6"/>
           <p:cNvSpPr>
             <a:spLocks noGrp="1"/>
           </p:cNvSpPr>
@@ -1482,7 +1802,7 @@
     </p:spTree>
     <p:extLst>
       <p:ext uri="{BB962C8B-B14F-4D97-AF65-F5344CB8AC3E}">
-        <p14:creationId xmlns:p14="http://schemas.microsoft.com/office/powerpoint/2010/main" val="1971824277"/>
+        <p14:creationId xmlns:p14="http://schemas.microsoft.com/office/powerpoint/2010/main" val="1663710180"/>
       </p:ext>
     </p:extLst>
   </p:cSld>
@@ -1493,7 +1813,7 @@
 </file>
 
 <file path=ppt/slideLayouts/slideLayout5.xml><?xml version="1.0" encoding="utf-8"?>
-<p:sldLayout xmlns:a="http://schemas.openxmlformats.org/drawingml/2006/main" xmlns:r="http://schemas.openxmlformats.org/officeDocument/2006/relationships" xmlns:p="http://schemas.openxmlformats.org/presentationml/2006/main" preserve="1">
+<p:sldLayout xmlns:a="http://schemas.openxmlformats.org/drawingml/2006/main" xmlns:r="http://schemas.openxmlformats.org/officeDocument/2006/relationships" xmlns:p="http://schemas.openxmlformats.org/presentationml/2006/main" type="twoTxTwoObj" preserve="1">
   <p:cSld name="Comparison">
     <p:spTree>
       <p:nvGrpSpPr>
@@ -1511,13 +1831,30 @@
       </p:grpSpPr>
       <p:sp>
         <p:nvSpPr>
-          <p:cNvPr id="3" name="Text Placeholder 2">
-            <a:extLst>
-              <a:ext uri="{FF2B5EF4-FFF2-40B4-BE49-F238E27FC236}">
-                <a16:creationId xmlns:a16="http://schemas.microsoft.com/office/drawing/2014/main" id="{EE90CDE0-3FEB-42A0-8BCC-7DADE7D4A621}"/>
-              </a:ext>
-            </a:extLst>
-          </p:cNvPr>
+          <p:cNvPr id="10" name="Title 9"/>
+          <p:cNvSpPr>
+            <a:spLocks noGrp="1"/>
+          </p:cNvSpPr>
+          <p:nvPr>
+            <p:ph type="title"/>
+          </p:nvPr>
+        </p:nvSpPr>
+        <p:spPr/>
+        <p:txBody>
+          <a:bodyPr/>
+          <a:lstStyle/>
+          <a:p>
+            <a:r>
+              <a:rPr lang="en-US"/>
+              <a:t>Click to edit Master title style</a:t>
+            </a:r>
+            <a:endParaRPr lang="en-US" dirty="0"/>
+          </a:p>
+        </p:txBody>
+      </p:sp>
+      <p:sp>
+        <p:nvSpPr>
+          <p:cNvPr id="3" name="Text Placeholder 2"/>
           <p:cNvSpPr>
             <a:spLocks noGrp="1"/>
           </p:cNvSpPr>
@@ -1527,19 +1864,24 @@
         </p:nvSpPr>
         <p:spPr>
           <a:xfrm>
-            <a:off x="1517905" y="2944368"/>
-            <a:ext cx="4334256" cy="606026"/>
+            <a:off x="1066800" y="2048256"/>
+            <a:ext cx="4754880" cy="640080"/>
           </a:xfrm>
         </p:spPr>
         <p:txBody>
-          <a:bodyPr anchor="b"/>
+          <a:bodyPr anchor="ctr">
+            <a:normAutofit/>
+          </a:bodyPr>
           <a:lstStyle>
             <a:lvl1pPr marL="0" indent="0">
-              <a:lnSpc>
-                <a:spcPct val="100000"/>
-              </a:lnSpc>
               <a:buNone/>
-              <a:defRPr sz="2400" b="1"/>
+              <a:defRPr sz="2000" b="1">
+                <a:solidFill>
+                  <a:schemeClr val="accent1">
+                    <a:lumMod val="75000"/>
+                  </a:schemeClr>
+                </a:solidFill>
+              </a:defRPr>
             </a:lvl1pPr>
             <a:lvl2pPr marL="457200" indent="0">
               <a:buNone/>
@@ -1585,13 +1927,7 @@
       </p:sp>
       <p:sp>
         <p:nvSpPr>
-          <p:cNvPr id="4" name="Content Placeholder 3">
-            <a:extLst>
-              <a:ext uri="{FF2B5EF4-FFF2-40B4-BE49-F238E27FC236}">
-                <a16:creationId xmlns:a16="http://schemas.microsoft.com/office/drawing/2014/main" id="{3B778B8B-E9A3-44BE-85A6-3E316659A9B4}"/>
-              </a:ext>
-            </a:extLst>
-          </p:cNvPr>
+          <p:cNvPr id="4" name="Content Placeholder 3"/>
           <p:cNvSpPr>
             <a:spLocks noGrp="1"/>
           </p:cNvSpPr>
@@ -1601,13 +1937,41 @@
         </p:nvSpPr>
         <p:spPr>
           <a:xfrm>
-            <a:off x="1517904" y="3644987"/>
-            <a:ext cx="4334256" cy="2449645"/>
+            <a:off x="1069848" y="2743200"/>
+            <a:ext cx="4754880" cy="3291840"/>
           </a:xfrm>
         </p:spPr>
         <p:txBody>
           <a:bodyPr/>
-          <a:lstStyle/>
+          <a:lstStyle>
+            <a:lvl1pPr>
+              <a:defRPr sz="2000"/>
+            </a:lvl1pPr>
+            <a:lvl2pPr>
+              <a:defRPr sz="1800"/>
+            </a:lvl2pPr>
+            <a:lvl3pPr>
+              <a:defRPr sz="1600"/>
+            </a:lvl3pPr>
+            <a:lvl4pPr>
+              <a:defRPr sz="1600"/>
+            </a:lvl4pPr>
+            <a:lvl5pPr>
+              <a:defRPr sz="1600"/>
+            </a:lvl5pPr>
+            <a:lvl6pPr>
+              <a:defRPr sz="1600"/>
+            </a:lvl6pPr>
+            <a:lvl7pPr>
+              <a:defRPr sz="1600"/>
+            </a:lvl7pPr>
+            <a:lvl8pPr>
+              <a:defRPr sz="1600"/>
+            </a:lvl8pPr>
+            <a:lvl9pPr>
+              <a:defRPr sz="1600"/>
+            </a:lvl9pPr>
+          </a:lstStyle>
           <a:p>
             <a:pPr lvl="0"/>
             <a:r>
@@ -1648,13 +2012,7 @@
       </p:sp>
       <p:sp>
         <p:nvSpPr>
-          <p:cNvPr id="5" name="Text Placeholder 4">
-            <a:extLst>
-              <a:ext uri="{FF2B5EF4-FFF2-40B4-BE49-F238E27FC236}">
-                <a16:creationId xmlns:a16="http://schemas.microsoft.com/office/drawing/2014/main" id="{60BF1BCA-A435-4779-A6FE-15207141F519}"/>
-              </a:ext>
-            </a:extLst>
-          </p:cNvPr>
+          <p:cNvPr id="5" name="Text Placeholder 4"/>
           <p:cNvSpPr>
             <a:spLocks noGrp="1"/>
           </p:cNvSpPr>
@@ -1664,19 +2022,24 @@
         </p:nvSpPr>
         <p:spPr>
           <a:xfrm>
-            <a:off x="6336792" y="2944368"/>
-            <a:ext cx="4334256" cy="606026"/>
+            <a:off x="6364224" y="2048256"/>
+            <a:ext cx="4754880" cy="640080"/>
           </a:xfrm>
         </p:spPr>
         <p:txBody>
-          <a:bodyPr anchor="b"/>
+          <a:bodyPr anchor="ctr">
+            <a:normAutofit/>
+          </a:bodyPr>
           <a:lstStyle>
             <a:lvl1pPr marL="0" indent="0">
-              <a:lnSpc>
-                <a:spcPct val="100000"/>
-              </a:lnSpc>
               <a:buNone/>
-              <a:defRPr sz="2400" b="1"/>
+              <a:defRPr sz="2000" b="1">
+                <a:solidFill>
+                  <a:schemeClr val="accent1">
+                    <a:lumMod val="75000"/>
+                  </a:schemeClr>
+                </a:solidFill>
+              </a:defRPr>
             </a:lvl1pPr>
             <a:lvl2pPr marL="457200" indent="0">
               <a:buNone/>
@@ -1722,13 +2085,7 @@
       </p:sp>
       <p:sp>
         <p:nvSpPr>
-          <p:cNvPr id="6" name="Content Placeholder 5">
-            <a:extLst>
-              <a:ext uri="{FF2B5EF4-FFF2-40B4-BE49-F238E27FC236}">
-                <a16:creationId xmlns:a16="http://schemas.microsoft.com/office/drawing/2014/main" id="{249B1923-9749-49E3-88FA-75C326E6719A}"/>
-              </a:ext>
-            </a:extLst>
-          </p:cNvPr>
+          <p:cNvPr id="6" name="Content Placeholder 5"/>
           <p:cNvSpPr>
             <a:spLocks noGrp="1"/>
           </p:cNvSpPr>
@@ -1738,13 +2095,41 @@
         </p:nvSpPr>
         <p:spPr>
           <a:xfrm>
-            <a:off x="6336792" y="3644987"/>
-            <a:ext cx="4334256" cy="2449645"/>
+            <a:off x="6364224" y="2743200"/>
+            <a:ext cx="4754880" cy="3291840"/>
           </a:xfrm>
         </p:spPr>
         <p:txBody>
           <a:bodyPr/>
-          <a:lstStyle/>
+          <a:lstStyle>
+            <a:lvl1pPr>
+              <a:defRPr sz="2000"/>
+            </a:lvl1pPr>
+            <a:lvl2pPr>
+              <a:defRPr sz="1800"/>
+            </a:lvl2pPr>
+            <a:lvl3pPr>
+              <a:defRPr sz="1600"/>
+            </a:lvl3pPr>
+            <a:lvl4pPr>
+              <a:defRPr sz="1600"/>
+            </a:lvl4pPr>
+            <a:lvl5pPr>
+              <a:defRPr sz="1600"/>
+            </a:lvl5pPr>
+            <a:lvl6pPr>
+              <a:defRPr sz="1600"/>
+            </a:lvl6pPr>
+            <a:lvl7pPr>
+              <a:defRPr sz="1600"/>
+            </a:lvl7pPr>
+            <a:lvl8pPr>
+              <a:defRPr sz="1600"/>
+            </a:lvl8pPr>
+            <a:lvl9pPr>
+              <a:defRPr sz="1600"/>
+            </a:lvl9pPr>
+          </a:lstStyle>
           <a:p>
             <a:pPr lvl="0"/>
             <a:r>
@@ -1785,13 +2170,7 @@
       </p:sp>
       <p:sp>
         <p:nvSpPr>
-          <p:cNvPr id="7" name="Date Placeholder 6">
-            <a:extLst>
-              <a:ext uri="{FF2B5EF4-FFF2-40B4-BE49-F238E27FC236}">
-                <a16:creationId xmlns:a16="http://schemas.microsoft.com/office/drawing/2014/main" id="{7F3A70F0-5AFA-4C5A-812B-220C6A38DB6B}"/>
-              </a:ext>
-            </a:extLst>
-          </p:cNvPr>
+          <p:cNvPr id="7" name="Date Placeholder 6"/>
           <p:cNvSpPr>
             <a:spLocks noGrp="1"/>
           </p:cNvSpPr>
@@ -1806,7 +2185,7 @@
           <a:p>
             <a:fld id="{3F9AFA87-1417-4992-ABD9-27C3BC8CC883}" type="datetimeFigureOut">
               <a:rPr lang="en-US" smtClean="0"/>
-              <a:t>1/3/2025</a:t>
+              <a:t>1/7/2025</a:t>
             </a:fld>
             <a:endParaRPr lang="en-US"/>
           </a:p>
@@ -1814,13 +2193,7 @@
       </p:sp>
       <p:sp>
         <p:nvSpPr>
-          <p:cNvPr id="8" name="Footer Placeholder 7">
-            <a:extLst>
-              <a:ext uri="{FF2B5EF4-FFF2-40B4-BE49-F238E27FC236}">
-                <a16:creationId xmlns:a16="http://schemas.microsoft.com/office/drawing/2014/main" id="{576AF721-83FE-4B57-B910-C395D23FDE31}"/>
-              </a:ext>
-            </a:extLst>
-          </p:cNvPr>
+          <p:cNvPr id="8" name="Footer Placeholder 7"/>
           <p:cNvSpPr>
             <a:spLocks noGrp="1"/>
           </p:cNvSpPr>
@@ -1839,13 +2212,7 @@
       </p:sp>
       <p:sp>
         <p:nvSpPr>
-          <p:cNvPr id="9" name="Slide Number Placeholder 8">
-            <a:extLst>
-              <a:ext uri="{FF2B5EF4-FFF2-40B4-BE49-F238E27FC236}">
-                <a16:creationId xmlns:a16="http://schemas.microsoft.com/office/drawing/2014/main" id="{556A5893-52F1-44A1-AE8E-CF094DB41CFA}"/>
-              </a:ext>
-            </a:extLst>
-          </p:cNvPr>
+          <p:cNvPr id="9" name="Slide Number Placeholder 8"/>
           <p:cNvSpPr>
             <a:spLocks noGrp="1"/>
           </p:cNvSpPr>
@@ -1866,39 +2233,10 @@
           </a:p>
         </p:txBody>
       </p:sp>
-      <p:sp>
-        <p:nvSpPr>
-          <p:cNvPr id="10" name="Title 9">
-            <a:extLst>
-              <a:ext uri="{FF2B5EF4-FFF2-40B4-BE49-F238E27FC236}">
-                <a16:creationId xmlns:a16="http://schemas.microsoft.com/office/drawing/2014/main" id="{D9D22302-83E3-4E22-93DF-1E5D463B64C3}"/>
-              </a:ext>
-            </a:extLst>
-          </p:cNvPr>
-          <p:cNvSpPr>
-            <a:spLocks noGrp="1"/>
-          </p:cNvSpPr>
-          <p:nvPr>
-            <p:ph type="title"/>
-          </p:nvPr>
-        </p:nvSpPr>
-        <p:spPr/>
-        <p:txBody>
-          <a:bodyPr/>
-          <a:lstStyle/>
-          <a:p>
-            <a:r>
-              <a:rPr lang="en-US"/>
-              <a:t>Click to edit Master title style</a:t>
-            </a:r>
-            <a:endParaRPr lang="en-US" dirty="0"/>
-          </a:p>
-        </p:txBody>
-      </p:sp>
     </p:spTree>
     <p:extLst>
       <p:ext uri="{BB962C8B-B14F-4D97-AF65-F5344CB8AC3E}">
-        <p14:creationId xmlns:p14="http://schemas.microsoft.com/office/powerpoint/2010/main" val="2594269513"/>
+        <p14:creationId xmlns:p14="http://schemas.microsoft.com/office/powerpoint/2010/main" val="2083943050"/>
       </p:ext>
     </p:extLst>
   </p:cSld>
@@ -1927,13 +2265,7 @@
       </p:grpSpPr>
       <p:sp>
         <p:nvSpPr>
-          <p:cNvPr id="2" name="Title 1">
-            <a:extLst>
-              <a:ext uri="{FF2B5EF4-FFF2-40B4-BE49-F238E27FC236}">
-                <a16:creationId xmlns:a16="http://schemas.microsoft.com/office/drawing/2014/main" id="{FCED85A6-A4E6-4160-BE43-8146A9894647}"/>
-              </a:ext>
-            </a:extLst>
-          </p:cNvPr>
+          <p:cNvPr id="6" name="Title 5"/>
           <p:cNvSpPr>
             <a:spLocks noGrp="1"/>
           </p:cNvSpPr>
@@ -1950,18 +2282,13 @@
               <a:rPr lang="en-US"/>
               <a:t>Click to edit Master title style</a:t>
             </a:r>
-          </a:p>
-        </p:txBody>
-      </p:sp>
-      <p:sp>
-        <p:nvSpPr>
-          <p:cNvPr id="3" name="Date Placeholder 2">
-            <a:extLst>
-              <a:ext uri="{FF2B5EF4-FFF2-40B4-BE49-F238E27FC236}">
-                <a16:creationId xmlns:a16="http://schemas.microsoft.com/office/drawing/2014/main" id="{EBA24A80-0792-4B3B-BB5A-8B2BD91095A7}"/>
-              </a:ext>
-            </a:extLst>
-          </p:cNvPr>
+            <a:endParaRPr lang="en-US" dirty="0"/>
+          </a:p>
+        </p:txBody>
+      </p:sp>
+      <p:sp>
+        <p:nvSpPr>
+          <p:cNvPr id="3" name="Date Placeholder 2"/>
           <p:cNvSpPr>
             <a:spLocks noGrp="1"/>
           </p:cNvSpPr>
@@ -1976,7 +2303,7 @@
           <a:p>
             <a:fld id="{3F9AFA87-1417-4992-ABD9-27C3BC8CC883}" type="datetimeFigureOut">
               <a:rPr lang="en-US" smtClean="0"/>
-              <a:t>1/3/2025</a:t>
+              <a:t>1/7/2025</a:t>
             </a:fld>
             <a:endParaRPr lang="en-US"/>
           </a:p>
@@ -1984,13 +2311,7 @@
       </p:sp>
       <p:sp>
         <p:nvSpPr>
-          <p:cNvPr id="4" name="Footer Placeholder 3">
-            <a:extLst>
-              <a:ext uri="{FF2B5EF4-FFF2-40B4-BE49-F238E27FC236}">
-                <a16:creationId xmlns:a16="http://schemas.microsoft.com/office/drawing/2014/main" id="{4526116E-7A6D-485F-9FA2-25F94D4F40FB}"/>
-              </a:ext>
-            </a:extLst>
-          </p:cNvPr>
+          <p:cNvPr id="4" name="Footer Placeholder 3"/>
           <p:cNvSpPr>
             <a:spLocks noGrp="1"/>
           </p:cNvSpPr>
@@ -2009,13 +2330,7 @@
       </p:sp>
       <p:sp>
         <p:nvSpPr>
-          <p:cNvPr id="5" name="Slide Number Placeholder 4">
-            <a:extLst>
-              <a:ext uri="{FF2B5EF4-FFF2-40B4-BE49-F238E27FC236}">
-                <a16:creationId xmlns:a16="http://schemas.microsoft.com/office/drawing/2014/main" id="{B309ADCC-C5F2-4D90-B153-93DF55858291}"/>
-              </a:ext>
-            </a:extLst>
-          </p:cNvPr>
+          <p:cNvPr id="5" name="Slide Number Placeholder 4"/>
           <p:cNvSpPr>
             <a:spLocks noGrp="1"/>
           </p:cNvSpPr>
@@ -2039,7 +2354,7 @@
     </p:spTree>
     <p:extLst>
       <p:ext uri="{BB962C8B-B14F-4D97-AF65-F5344CB8AC3E}">
-        <p14:creationId xmlns:p14="http://schemas.microsoft.com/office/powerpoint/2010/main" val="2255205807"/>
+        <p14:creationId xmlns:p14="http://schemas.microsoft.com/office/powerpoint/2010/main" val="1569597518"/>
       </p:ext>
     </p:extLst>
   </p:cSld>
@@ -2068,13 +2383,7 @@
       </p:grpSpPr>
       <p:sp>
         <p:nvSpPr>
-          <p:cNvPr id="2" name="Date Placeholder 1">
-            <a:extLst>
-              <a:ext uri="{FF2B5EF4-FFF2-40B4-BE49-F238E27FC236}">
-                <a16:creationId xmlns:a16="http://schemas.microsoft.com/office/drawing/2014/main" id="{B7862271-51F6-4122-9709-D279042F8846}"/>
-              </a:ext>
-            </a:extLst>
-          </p:cNvPr>
+          <p:cNvPr id="2" name="Date Placeholder 1"/>
           <p:cNvSpPr>
             <a:spLocks noGrp="1"/>
           </p:cNvSpPr>
@@ -2089,7 +2398,7 @@
           <a:p>
             <a:fld id="{3F9AFA87-1417-4992-ABD9-27C3BC8CC883}" type="datetimeFigureOut">
               <a:rPr lang="en-US" smtClean="0"/>
-              <a:t>1/3/2025</a:t>
+              <a:t>1/7/2025</a:t>
             </a:fld>
             <a:endParaRPr lang="en-US"/>
           </a:p>
@@ -2097,13 +2406,7 @@
       </p:sp>
       <p:sp>
         <p:nvSpPr>
-          <p:cNvPr id="3" name="Footer Placeholder 2">
-            <a:extLst>
-              <a:ext uri="{FF2B5EF4-FFF2-40B4-BE49-F238E27FC236}">
-                <a16:creationId xmlns:a16="http://schemas.microsoft.com/office/drawing/2014/main" id="{452CFE08-03FE-487B-8963-9FAD3049CFFA}"/>
-              </a:ext>
-            </a:extLst>
-          </p:cNvPr>
+          <p:cNvPr id="3" name="Footer Placeholder 2"/>
           <p:cNvSpPr>
             <a:spLocks noGrp="1"/>
           </p:cNvSpPr>
@@ -2122,13 +2425,7 @@
       </p:sp>
       <p:sp>
         <p:nvSpPr>
-          <p:cNvPr id="4" name="Slide Number Placeholder 3">
-            <a:extLst>
-              <a:ext uri="{FF2B5EF4-FFF2-40B4-BE49-F238E27FC236}">
-                <a16:creationId xmlns:a16="http://schemas.microsoft.com/office/drawing/2014/main" id="{CA935A50-18AE-4CB1-BB10-1CBDD8A7C2C4}"/>
-              </a:ext>
-            </a:extLst>
-          </p:cNvPr>
+          <p:cNvPr id="4" name="Slide Number Placeholder 3"/>
           <p:cNvSpPr>
             <a:spLocks noGrp="1"/>
           </p:cNvSpPr>
@@ -2152,7 +2449,7 @@
     </p:spTree>
     <p:extLst>
       <p:ext uri="{BB962C8B-B14F-4D97-AF65-F5344CB8AC3E}">
-        <p14:creationId xmlns:p14="http://schemas.microsoft.com/office/powerpoint/2010/main" val="3999371017"/>
+        <p14:creationId xmlns:p14="http://schemas.microsoft.com/office/powerpoint/2010/main" val="800416506"/>
       </p:ext>
     </p:extLst>
   </p:cSld>
@@ -2163,7 +2460,7 @@
 </file>
 
 <file path=ppt/slideLayouts/slideLayout8.xml><?xml version="1.0" encoding="utf-8"?>
-<p:sldLayout xmlns:a="http://schemas.openxmlformats.org/drawingml/2006/main" xmlns:r="http://schemas.openxmlformats.org/officeDocument/2006/relationships" xmlns:p="http://schemas.openxmlformats.org/presentationml/2006/main" type="objTx" preserve="1">
+<p:sldLayout xmlns:a="http://schemas.openxmlformats.org/drawingml/2006/main" xmlns:r="http://schemas.openxmlformats.org/officeDocument/2006/relationships" xmlns:p="http://schemas.openxmlformats.org/presentationml/2006/main" showMasterSp="0" type="objTx" preserve="1">
   <p:cSld name="Content with Caption">
     <p:spTree>
       <p:nvGrpSpPr>
@@ -2181,24 +2478,75 @@
       </p:grpSpPr>
       <p:sp>
         <p:nvSpPr>
-          <p:cNvPr id="2" name="Title 1">
-            <a:extLst>
-              <a:ext uri="{FF2B5EF4-FFF2-40B4-BE49-F238E27FC236}">
-                <a16:creationId xmlns:a16="http://schemas.microsoft.com/office/drawing/2014/main" id="{CE11F683-796D-458C-9B32-A385D604DBFC}"/>
-              </a:ext>
-            </a:extLst>
-          </p:cNvPr>
-          <p:cNvSpPr>
-            <a:spLocks noGrp="1"/>
-          </p:cNvSpPr>
-          <p:nvPr>
-            <p:ph type="title"/>
-          </p:nvPr>
+          <p:cNvPr id="8" name="Rectangle 7"/>
+          <p:cNvSpPr/>
+          <p:nvPr/>
         </p:nvSpPr>
         <p:spPr>
           <a:xfrm>
-            <a:off x="1517904" y="1517904"/>
-            <a:ext cx="3145536" cy="1792224"/>
+            <a:off x="8303740" y="0"/>
+            <a:ext cx="3888259" cy="6857999"/>
+          </a:xfrm>
+          <a:prstGeom prst="rect">
+            <a:avLst/>
+          </a:prstGeom>
+          <a:blipFill dpi="0" rotWithShape="1">
+            <a:blip r:embed="rId2">
+              <a:alphaModFix amt="60000"/>
+              <a:lum bright="70000" contrast="-70000"/>
+              <a:extLst>
+                <a:ext uri="{BEBA8EAE-BF5A-486C-A8C5-ECC9F3942E4B}">
+                  <a14:imgProps xmlns:a14="http://schemas.microsoft.com/office/drawing/2010/main">
+                    <a14:imgLayer r:embed="rId3">
+                      <a14:imgEffect>
+                        <a14:sharpenSoften amount="61000"/>
+                      </a14:imgEffect>
+                    </a14:imgLayer>
+                  </a14:imgProps>
+                </a:ext>
+                <a:ext uri="{28A0092B-C50C-407E-A947-70E740481C1C}">
+                  <a14:useLocalDpi xmlns:a14="http://schemas.microsoft.com/office/drawing/2010/main" val="0"/>
+                </a:ext>
+              </a:extLst>
+            </a:blip>
+            <a:srcRect/>
+            <a:tile tx="0" ty="-704850" sx="92000" sy="89000" flip="xy" algn="ctr"/>
+          </a:blipFill>
+          <a:ln>
+            <a:noFill/>
+          </a:ln>
+        </p:spPr>
+        <p:style>
+          <a:lnRef idx="2">
+            <a:schemeClr val="accent1">
+              <a:shade val="50000"/>
+            </a:schemeClr>
+          </a:lnRef>
+          <a:fillRef idx="1">
+            <a:schemeClr val="accent1"/>
+          </a:fillRef>
+          <a:effectRef idx="0">
+            <a:schemeClr val="accent1"/>
+          </a:effectRef>
+          <a:fontRef idx="minor">
+            <a:schemeClr val="lt1"/>
+          </a:fontRef>
+        </p:style>
+      </p:sp>
+      <p:sp>
+        <p:nvSpPr>
+          <p:cNvPr id="2" name="Title 1"/>
+          <p:cNvSpPr>
+            <a:spLocks noGrp="1"/>
+          </p:cNvSpPr>
+          <p:nvPr>
+            <p:ph type="title"/>
+          </p:nvPr>
+        </p:nvSpPr>
+        <p:spPr>
+          <a:xfrm>
+            <a:off x="8549640" y="685800"/>
+            <a:ext cx="3200400" cy="1737360"/>
           </a:xfrm>
         </p:spPr>
         <p:txBody>
@@ -2207,10 +2555,7 @@
           </a:bodyPr>
           <a:lstStyle>
             <a:lvl1pPr>
-              <a:lnSpc>
-                <a:spcPct val="100000"/>
-              </a:lnSpc>
-              <a:defRPr sz="3600"/>
+              <a:defRPr sz="3200" b="1"/>
             </a:lvl1pPr>
           </a:lstStyle>
           <a:p>
@@ -2224,13 +2569,7 @@
       </p:sp>
       <p:sp>
         <p:nvSpPr>
-          <p:cNvPr id="3" name="Content Placeholder 2">
-            <a:extLst>
-              <a:ext uri="{FF2B5EF4-FFF2-40B4-BE49-F238E27FC236}">
-                <a16:creationId xmlns:a16="http://schemas.microsoft.com/office/drawing/2014/main" id="{8FB1F0BD-641B-4148-BCB3-2704218C80B8}"/>
-              </a:ext>
-            </a:extLst>
-          </p:cNvPr>
+          <p:cNvPr id="3" name="Content Placeholder 2"/>
           <p:cNvSpPr>
             <a:spLocks noGrp="1"/>
           </p:cNvSpPr>
@@ -2240,39 +2579,39 @@
         </p:nvSpPr>
         <p:spPr>
           <a:xfrm>
-            <a:off x="5330952" y="1517904"/>
-            <a:ext cx="5330952" cy="4581144"/>
+            <a:off x="838200" y="685800"/>
+            <a:ext cx="6711696" cy="5020056"/>
           </a:xfrm>
         </p:spPr>
         <p:txBody>
           <a:bodyPr/>
           <a:lstStyle>
             <a:lvl1pPr>
-              <a:defRPr sz="3200"/>
+              <a:defRPr sz="2000"/>
             </a:lvl1pPr>
             <a:lvl2pPr>
-              <a:defRPr sz="2800"/>
+              <a:defRPr sz="1800"/>
             </a:lvl2pPr>
             <a:lvl3pPr>
-              <a:defRPr sz="2400"/>
+              <a:defRPr sz="1600"/>
             </a:lvl3pPr>
             <a:lvl4pPr>
-              <a:defRPr sz="2000"/>
+              <a:defRPr sz="1600"/>
             </a:lvl4pPr>
             <a:lvl5pPr>
-              <a:defRPr sz="2000"/>
+              <a:defRPr sz="1600"/>
             </a:lvl5pPr>
             <a:lvl6pPr>
-              <a:defRPr sz="2000"/>
+              <a:defRPr sz="1600"/>
             </a:lvl6pPr>
             <a:lvl7pPr>
-              <a:defRPr sz="2000"/>
+              <a:defRPr sz="1600"/>
             </a:lvl7pPr>
             <a:lvl8pPr>
-              <a:defRPr sz="2000"/>
+              <a:defRPr sz="1600"/>
             </a:lvl8pPr>
             <a:lvl9pPr>
-              <a:defRPr sz="2000"/>
+              <a:defRPr sz="1600"/>
             </a:lvl9pPr>
           </a:lstStyle>
           <a:p>
@@ -2315,13 +2654,7 @@
       </p:sp>
       <p:sp>
         <p:nvSpPr>
-          <p:cNvPr id="4" name="Text Placeholder 3">
-            <a:extLst>
-              <a:ext uri="{FF2B5EF4-FFF2-40B4-BE49-F238E27FC236}">
-                <a16:creationId xmlns:a16="http://schemas.microsoft.com/office/drawing/2014/main" id="{1B28C843-B846-4456-9720-71B7D4FF4062}"/>
-              </a:ext>
-            </a:extLst>
-          </p:cNvPr>
+          <p:cNvPr id="4" name="Text Placeholder 3"/>
           <p:cNvSpPr>
             <a:spLocks noGrp="1"/>
           </p:cNvSpPr>
@@ -2331,8 +2664,8 @@
         </p:nvSpPr>
         <p:spPr>
           <a:xfrm>
-            <a:off x="1517904" y="3483864"/>
-            <a:ext cx="3145536" cy="2615184"/>
+            <a:off x="8549640" y="2423160"/>
+            <a:ext cx="3200400" cy="3291840"/>
           </a:xfrm>
         </p:spPr>
         <p:txBody>
@@ -2341,40 +2674,52 @@
           </a:bodyPr>
           <a:lstStyle>
             <a:lvl1pPr marL="0" indent="0">
+              <a:lnSpc>
+                <a:spcPct val="100000"/>
+              </a:lnSpc>
+              <a:spcBef>
+                <a:spcPts val="1000"/>
+              </a:spcBef>
               <a:buNone/>
-              <a:defRPr sz="2000"/>
+              <a:defRPr sz="1400">
+                <a:solidFill>
+                  <a:schemeClr val="accent1">
+                    <a:lumMod val="75000"/>
+                  </a:schemeClr>
+                </a:solidFill>
+              </a:defRPr>
             </a:lvl1pPr>
             <a:lvl2pPr marL="457200" indent="0">
               <a:buNone/>
-              <a:defRPr sz="1400"/>
+              <a:defRPr sz="1200"/>
             </a:lvl2pPr>
             <a:lvl3pPr marL="914400" indent="0">
               <a:buNone/>
-              <a:defRPr sz="1200"/>
+              <a:defRPr sz="1000"/>
             </a:lvl3pPr>
             <a:lvl4pPr marL="1371600" indent="0">
               <a:buNone/>
-              <a:defRPr sz="1000"/>
+              <a:defRPr sz="900"/>
             </a:lvl4pPr>
             <a:lvl5pPr marL="1828800" indent="0">
               <a:buNone/>
-              <a:defRPr sz="1000"/>
+              <a:defRPr sz="900"/>
             </a:lvl5pPr>
             <a:lvl6pPr marL="2286000" indent="0">
               <a:buNone/>
-              <a:defRPr sz="1000"/>
+              <a:defRPr sz="900"/>
             </a:lvl6pPr>
             <a:lvl7pPr marL="2743200" indent="0">
               <a:buNone/>
-              <a:defRPr sz="1000"/>
+              <a:defRPr sz="900"/>
             </a:lvl7pPr>
             <a:lvl8pPr marL="3200400" indent="0">
               <a:buNone/>
-              <a:defRPr sz="1000"/>
+              <a:defRPr sz="900"/>
             </a:lvl8pPr>
             <a:lvl9pPr marL="3657600" indent="0">
               <a:buNone/>
-              <a:defRPr sz="1000"/>
+              <a:defRPr sz="900"/>
             </a:lvl9pPr>
           </a:lstStyle>
           <a:p>
@@ -2388,13 +2733,7 @@
       </p:sp>
       <p:sp>
         <p:nvSpPr>
-          <p:cNvPr id="5" name="Date Placeholder 4">
-            <a:extLst>
-              <a:ext uri="{FF2B5EF4-FFF2-40B4-BE49-F238E27FC236}">
-                <a16:creationId xmlns:a16="http://schemas.microsoft.com/office/drawing/2014/main" id="{EA3A3A03-31BD-4E7E-879A-A1C71849703C}"/>
-              </a:ext>
-            </a:extLst>
-          </p:cNvPr>
+          <p:cNvPr id="5" name="Date Placeholder 4"/>
           <p:cNvSpPr>
             <a:spLocks noGrp="1"/>
           </p:cNvSpPr>
@@ -2409,7 +2748,7 @@
           <a:p>
             <a:fld id="{3F9AFA87-1417-4992-ABD9-27C3BC8CC883}" type="datetimeFigureOut">
               <a:rPr lang="en-US" smtClean="0"/>
-              <a:t>1/3/2025</a:t>
+              <a:t>1/7/2025</a:t>
             </a:fld>
             <a:endParaRPr lang="en-US"/>
           </a:p>
@@ -2417,13 +2756,7 @@
       </p:sp>
       <p:sp>
         <p:nvSpPr>
-          <p:cNvPr id="6" name="Footer Placeholder 5">
-            <a:extLst>
-              <a:ext uri="{FF2B5EF4-FFF2-40B4-BE49-F238E27FC236}">
-                <a16:creationId xmlns:a16="http://schemas.microsoft.com/office/drawing/2014/main" id="{4EA39078-7D38-4851-A363-B6BC179A50EE}"/>
-              </a:ext>
-            </a:extLst>
-          </p:cNvPr>
+          <p:cNvPr id="6" name="Footer Placeholder 5"/>
           <p:cNvSpPr>
             <a:spLocks noGrp="1"/>
           </p:cNvSpPr>
@@ -2440,15 +2773,98 @@
           </a:p>
         </p:txBody>
       </p:sp>
-      <p:sp>
-        <p:nvSpPr>
-          <p:cNvPr id="7" name="Slide Number Placeholder 6">
-            <a:extLst>
-              <a:ext uri="{FF2B5EF4-FFF2-40B4-BE49-F238E27FC236}">
-                <a16:creationId xmlns:a16="http://schemas.microsoft.com/office/drawing/2014/main" id="{4E1FF25E-A25D-47AA-94EB-580A74F01F1F}"/>
-              </a:ext>
-            </a:extLst>
-          </p:cNvPr>
+      <p:grpSp>
+        <p:nvGrpSpPr>
+          <p:cNvPr id="9" name="Group 8"/>
+          <p:cNvGrpSpPr>
+            <a:grpSpLocks noChangeAspect="1"/>
+          </p:cNvGrpSpPr>
+          <p:nvPr/>
+        </p:nvGrpSpPr>
+        <p:grpSpPr>
+          <a:xfrm>
+            <a:off x="11401725" y="6229681"/>
+            <a:ext cx="457200" cy="457200"/>
+            <a:chOff x="11361456" y="6195813"/>
+            <a:chExt cx="548640" cy="548640"/>
+          </a:xfrm>
+        </p:grpSpPr>
+        <p:sp>
+          <p:nvSpPr>
+            <p:cNvPr id="10" name="Oval 9"/>
+            <p:cNvSpPr/>
+            <p:nvPr/>
+          </p:nvSpPr>
+          <p:spPr>
+            <a:xfrm>
+              <a:off x="11361456" y="6195813"/>
+              <a:ext cx="548640" cy="548640"/>
+            </a:xfrm>
+            <a:prstGeom prst="ellipse">
+              <a:avLst/>
+            </a:prstGeom>
+            <a:blipFill dpi="0" rotWithShape="1">
+              <a:blip r:embed="rId4">
+                <a:duotone>
+                  <a:schemeClr val="accent1">
+                    <a:shade val="45000"/>
+                    <a:satMod val="135000"/>
+                  </a:schemeClr>
+                  <a:prstClr val="white"/>
+                </a:duotone>
+                <a:extLst>
+                  <a:ext uri="{BEBA8EAE-BF5A-486C-A8C5-ECC9F3942E4B}">
+                    <a14:imgProps xmlns:a14="http://schemas.microsoft.com/office/drawing/2010/main">
+                      <a14:imgLayer r:embed="rId5">
+                        <a14:imgEffect>
+                          <a14:saturation sat="95000"/>
+                        </a14:imgEffect>
+                        <a14:imgEffect>
+                          <a14:brightnessContrast bright="-40000" contrast="20000"/>
+                        </a14:imgEffect>
+                      </a14:imgLayer>
+                    </a14:imgProps>
+                  </a:ext>
+                </a:extLst>
+              </a:blip>
+              <a:srcRect/>
+              <a:tile tx="50800" ty="0" sx="85000" sy="85000" flip="none" algn="tl"/>
+            </a:blipFill>
+            <a:ln w="25400" cap="flat" cmpd="sng" algn="ctr">
+              <a:noFill/>
+              <a:prstDash val="solid"/>
+            </a:ln>
+            <a:effectLst/>
+          </p:spPr>
+        </p:sp>
+        <p:sp>
+          <p:nvSpPr>
+            <p:cNvPr id="11" name="Oval 10"/>
+            <p:cNvSpPr/>
+            <p:nvPr/>
+          </p:nvSpPr>
+          <p:spPr>
+            <a:xfrm>
+              <a:off x="11396488" y="6230844"/>
+              <a:ext cx="478576" cy="478578"/>
+            </a:xfrm>
+            <a:prstGeom prst="ellipse">
+              <a:avLst/>
+            </a:prstGeom>
+            <a:noFill/>
+            <a:ln w="12700" cap="flat" cmpd="sng" algn="ctr">
+              <a:solidFill>
+                <a:sysClr val="window" lastClr="FFFFFF"/>
+              </a:solidFill>
+              <a:prstDash val="solid"/>
+            </a:ln>
+            <a:effectLst/>
+          </p:spPr>
+        </p:sp>
+      </p:grpSp>
+      <p:sp>
+        <p:nvSpPr>
+          <p:cNvPr id="7" name="Slide Number Placeholder 6"/>
           <p:cNvSpPr>
             <a:spLocks noGrp="1"/>
           </p:cNvSpPr>
@@ -2472,7 +2888,7 @@
     </p:spTree>
     <p:extLst>
       <p:ext uri="{BB962C8B-B14F-4D97-AF65-F5344CB8AC3E}">
-        <p14:creationId xmlns:p14="http://schemas.microsoft.com/office/powerpoint/2010/main" val="3217150903"/>
+        <p14:creationId xmlns:p14="http://schemas.microsoft.com/office/powerpoint/2010/main" val="877471350"/>
       </p:ext>
     </p:extLst>
   </p:cSld>
@@ -2483,7 +2899,7 @@
 </file>
 
 <file path=ppt/slideLayouts/slideLayout9.xml><?xml version="1.0" encoding="utf-8"?>
-<p:sldLayout xmlns:a="http://schemas.openxmlformats.org/drawingml/2006/main" xmlns:r="http://schemas.openxmlformats.org/officeDocument/2006/relationships" xmlns:p="http://schemas.openxmlformats.org/presentationml/2006/main" type="picTx" preserve="1">
+<p:sldLayout xmlns:a="http://schemas.openxmlformats.org/drawingml/2006/main" xmlns:r="http://schemas.openxmlformats.org/officeDocument/2006/relationships" xmlns:p="http://schemas.openxmlformats.org/presentationml/2006/main" showMasterSp="0" type="picTx" preserve="1">
   <p:cSld name="Picture with Caption">
     <p:spTree>
       <p:nvGrpSpPr>
@@ -2501,24 +2917,75 @@
       </p:grpSpPr>
       <p:sp>
         <p:nvSpPr>
-          <p:cNvPr id="2" name="Title 1">
-            <a:extLst>
-              <a:ext uri="{FF2B5EF4-FFF2-40B4-BE49-F238E27FC236}">
-                <a16:creationId xmlns:a16="http://schemas.microsoft.com/office/drawing/2014/main" id="{D8EE83B4-9B31-4F73-9767-163636522F3A}"/>
-              </a:ext>
-            </a:extLst>
-          </p:cNvPr>
-          <p:cNvSpPr>
-            <a:spLocks noGrp="1"/>
-          </p:cNvSpPr>
-          <p:nvPr>
-            <p:ph type="title"/>
-          </p:nvPr>
+          <p:cNvPr id="11" name="Rectangle 10"/>
+          <p:cNvSpPr/>
+          <p:nvPr/>
         </p:nvSpPr>
         <p:spPr>
           <a:xfrm>
-            <a:off x="1517904" y="1517904"/>
-            <a:ext cx="3145536" cy="1792224"/>
+            <a:off x="8303740" y="0"/>
+            <a:ext cx="3888259" cy="6857999"/>
+          </a:xfrm>
+          <a:prstGeom prst="rect">
+            <a:avLst/>
+          </a:prstGeom>
+          <a:blipFill dpi="0" rotWithShape="1">
+            <a:blip r:embed="rId2">
+              <a:alphaModFix amt="60000"/>
+              <a:lum bright="70000" contrast="-70000"/>
+              <a:extLst>
+                <a:ext uri="{BEBA8EAE-BF5A-486C-A8C5-ECC9F3942E4B}">
+                  <a14:imgProps xmlns:a14="http://schemas.microsoft.com/office/drawing/2010/main">
+                    <a14:imgLayer r:embed="rId3">
+                      <a14:imgEffect>
+                        <a14:sharpenSoften amount="61000"/>
+                      </a14:imgEffect>
+                    </a14:imgLayer>
+                  </a14:imgProps>
+                </a:ext>
+                <a:ext uri="{28A0092B-C50C-407E-A947-70E740481C1C}">
+                  <a14:useLocalDpi xmlns:a14="http://schemas.microsoft.com/office/drawing/2010/main" val="0"/>
+                </a:ext>
+              </a:extLst>
+            </a:blip>
+            <a:srcRect/>
+            <a:tile tx="0" ty="-704850" sx="92000" sy="89000" flip="xy" algn="ctr"/>
+          </a:blipFill>
+          <a:ln>
+            <a:noFill/>
+          </a:ln>
+        </p:spPr>
+        <p:style>
+          <a:lnRef idx="2">
+            <a:schemeClr val="accent1">
+              <a:shade val="50000"/>
+            </a:schemeClr>
+          </a:lnRef>
+          <a:fillRef idx="1">
+            <a:schemeClr val="accent1"/>
+          </a:fillRef>
+          <a:effectRef idx="0">
+            <a:schemeClr val="accent1"/>
+          </a:effectRef>
+          <a:fontRef idx="minor">
+            <a:schemeClr val="lt1"/>
+          </a:fontRef>
+        </p:style>
+      </p:sp>
+      <p:sp>
+        <p:nvSpPr>
+          <p:cNvPr id="2" name="Title 1"/>
+          <p:cNvSpPr>
+            <a:spLocks noGrp="1"/>
+          </p:cNvSpPr>
+          <p:nvPr>
+            <p:ph type="title"/>
+          </p:nvPr>
+        </p:nvSpPr>
+        <p:spPr>
+          <a:xfrm>
+            <a:off x="8549640" y="685800"/>
+            <a:ext cx="3200400" cy="1737360"/>
           </a:xfrm>
         </p:spPr>
         <p:txBody>
@@ -2527,10 +2994,7 @@
           </a:bodyPr>
           <a:lstStyle>
             <a:lvl1pPr>
-              <a:lnSpc>
-                <a:spcPct val="100000"/>
-              </a:lnSpc>
-              <a:defRPr sz="3600"/>
+              <a:defRPr sz="3200" b="1"/>
             </a:lvl1pPr>
           </a:lstStyle>
           <a:p>
@@ -2544,15 +3008,9 @@
       </p:sp>
       <p:sp>
         <p:nvSpPr>
-          <p:cNvPr id="3" name="Picture Placeholder 2">
-            <a:extLst>
-              <a:ext uri="{FF2B5EF4-FFF2-40B4-BE49-F238E27FC236}">
-                <a16:creationId xmlns:a16="http://schemas.microsoft.com/office/drawing/2014/main" id="{BC7CFC30-8163-47A0-A97F-3F2C3A3BE73A}"/>
-              </a:ext>
-            </a:extLst>
-          </p:cNvPr>
-          <p:cNvSpPr>
-            <a:spLocks noGrp="1"/>
+          <p:cNvPr id="3" name="Picture Placeholder 2"/>
+          <p:cNvSpPr>
+            <a:spLocks noGrp="1" noChangeAspect="1"/>
           </p:cNvSpPr>
           <p:nvPr>
             <p:ph type="pic" idx="1"/>
@@ -2560,17 +3018,18 @@
         </p:nvSpPr>
         <p:spPr>
           <a:xfrm>
-            <a:off x="5349240" y="764032"/>
-            <a:ext cx="6089904" cy="5330952"/>
+            <a:off x="0" y="0"/>
+            <a:ext cx="8303740" cy="6858000"/>
           </a:xfrm>
           <a:solidFill>
-            <a:schemeClr val="bg1">
-              <a:lumMod val="95000"/>
+            <a:schemeClr val="tx2">
+              <a:lumMod val="20000"/>
+              <a:lumOff val="80000"/>
             </a:schemeClr>
           </a:solidFill>
         </p:spPr>
         <p:txBody>
-          <a:bodyPr/>
+          <a:bodyPr anchor="t"/>
           <a:lstStyle>
             <a:lvl1pPr marL="0" indent="0">
               <a:buNone/>
@@ -2620,13 +3079,7 @@
       </p:sp>
       <p:sp>
         <p:nvSpPr>
-          <p:cNvPr id="4" name="Text Placeholder 3">
-            <a:extLst>
-              <a:ext uri="{FF2B5EF4-FFF2-40B4-BE49-F238E27FC236}">
-                <a16:creationId xmlns:a16="http://schemas.microsoft.com/office/drawing/2014/main" id="{0AF1B390-0C23-466E-987C-26420A5F098D}"/>
-              </a:ext>
-            </a:extLst>
-          </p:cNvPr>
+          <p:cNvPr id="4" name="Text Placeholder 3"/>
           <p:cNvSpPr>
             <a:spLocks noGrp="1"/>
           </p:cNvSpPr>
@@ -2636,8 +3089,8 @@
         </p:nvSpPr>
         <p:spPr>
           <a:xfrm>
-            <a:off x="1517904" y="3483864"/>
-            <a:ext cx="3145536" cy="2615184"/>
+            <a:off x="8549640" y="2423160"/>
+            <a:ext cx="3200400" cy="3291840"/>
           </a:xfrm>
         </p:spPr>
         <p:txBody>
@@ -2646,40 +3099,52 @@
           </a:bodyPr>
           <a:lstStyle>
             <a:lvl1pPr marL="0" indent="0">
+              <a:lnSpc>
+                <a:spcPct val="100000"/>
+              </a:lnSpc>
+              <a:spcBef>
+                <a:spcPts val="1000"/>
+              </a:spcBef>
               <a:buNone/>
-              <a:defRPr sz="2000"/>
+              <a:defRPr sz="1400">
+                <a:solidFill>
+                  <a:schemeClr val="accent1">
+                    <a:lumMod val="75000"/>
+                  </a:schemeClr>
+                </a:solidFill>
+              </a:defRPr>
             </a:lvl1pPr>
             <a:lvl2pPr marL="457200" indent="0">
               <a:buNone/>
-              <a:defRPr sz="1400"/>
+              <a:defRPr sz="1200"/>
             </a:lvl2pPr>
             <a:lvl3pPr marL="914400" indent="0">
               <a:buNone/>
-              <a:defRPr sz="1200"/>
+              <a:defRPr sz="1000"/>
             </a:lvl3pPr>
             <a:lvl4pPr marL="1371600" indent="0">
               <a:buNone/>
-              <a:defRPr sz="1000"/>
+              <a:defRPr sz="900"/>
             </a:lvl4pPr>
             <a:lvl5pPr marL="1828800" indent="0">
               <a:buNone/>
-              <a:defRPr sz="1000"/>
+              <a:defRPr sz="900"/>
             </a:lvl5pPr>
             <a:lvl6pPr marL="2286000" indent="0">
               <a:buNone/>
-              <a:defRPr sz="1000"/>
+              <a:defRPr sz="900"/>
             </a:lvl6pPr>
             <a:lvl7pPr marL="2743200" indent="0">
               <a:buNone/>
-              <a:defRPr sz="1000"/>
+              <a:defRPr sz="900"/>
             </a:lvl7pPr>
             <a:lvl8pPr marL="3200400" indent="0">
               <a:buNone/>
-              <a:defRPr sz="1000"/>
+              <a:defRPr sz="900"/>
             </a:lvl8pPr>
             <a:lvl9pPr marL="3657600" indent="0">
               <a:buNone/>
-              <a:defRPr sz="1000"/>
+              <a:defRPr sz="900"/>
             </a:lvl9pPr>
           </a:lstStyle>
           <a:p>
@@ -2693,13 +3158,7 @@
       </p:sp>
       <p:sp>
         <p:nvSpPr>
-          <p:cNvPr id="5" name="Date Placeholder 4">
-            <a:extLst>
-              <a:ext uri="{FF2B5EF4-FFF2-40B4-BE49-F238E27FC236}">
-                <a16:creationId xmlns:a16="http://schemas.microsoft.com/office/drawing/2014/main" id="{CAC9CA7C-B9D0-4A72-8061-1E02AA15FE86}"/>
-              </a:ext>
-            </a:extLst>
-          </p:cNvPr>
+          <p:cNvPr id="5" name="Date Placeholder 4"/>
           <p:cNvSpPr>
             <a:spLocks noGrp="1"/>
           </p:cNvSpPr>
@@ -2714,46 +3173,104 @@
           <a:p>
             <a:fld id="{3F9AFA87-1417-4992-ABD9-27C3BC8CC883}" type="datetimeFigureOut">
               <a:rPr lang="en-US" smtClean="0"/>
-              <a:t>1/3/2025</a:t>
+              <a:t>1/7/2025</a:t>
             </a:fld>
             <a:endParaRPr lang="en-US"/>
           </a:p>
         </p:txBody>
       </p:sp>
-      <p:sp>
-        <p:nvSpPr>
-          <p:cNvPr id="6" name="Footer Placeholder 5">
-            <a:extLst>
-              <a:ext uri="{FF2B5EF4-FFF2-40B4-BE49-F238E27FC236}">
-                <a16:creationId xmlns:a16="http://schemas.microsoft.com/office/drawing/2014/main" id="{C53EFC84-C9FE-4BFA-9B4E-4516A1362550}"/>
-              </a:ext>
-            </a:extLst>
-          </p:cNvPr>
-          <p:cNvSpPr>
-            <a:spLocks noGrp="1"/>
-          </p:cNvSpPr>
-          <p:nvPr>
-            <p:ph type="ftr" sz="quarter" idx="11"/>
-          </p:nvPr>
-        </p:nvSpPr>
-        <p:spPr/>
-        <p:txBody>
-          <a:bodyPr/>
-          <a:lstStyle/>
-          <a:p>
-            <a:endParaRPr lang="en-US"/>
-          </a:p>
-        </p:txBody>
-      </p:sp>
-      <p:sp>
-        <p:nvSpPr>
-          <p:cNvPr id="7" name="Slide Number Placeholder 6">
-            <a:extLst>
-              <a:ext uri="{FF2B5EF4-FFF2-40B4-BE49-F238E27FC236}">
-                <a16:creationId xmlns:a16="http://schemas.microsoft.com/office/drawing/2014/main" id="{C801A469-3EFC-4F94-8482-378582E1C14F}"/>
-              </a:ext>
-            </a:extLst>
-          </p:cNvPr>
+      <p:grpSp>
+        <p:nvGrpSpPr>
+          <p:cNvPr id="8" name="Group 7"/>
+          <p:cNvGrpSpPr>
+            <a:grpSpLocks noChangeAspect="1"/>
+          </p:cNvGrpSpPr>
+          <p:nvPr/>
+        </p:nvGrpSpPr>
+        <p:grpSpPr>
+          <a:xfrm>
+            <a:off x="11401725" y="6229681"/>
+            <a:ext cx="457200" cy="457200"/>
+            <a:chOff x="11361456" y="6195813"/>
+            <a:chExt cx="548640" cy="548640"/>
+          </a:xfrm>
+        </p:grpSpPr>
+        <p:sp>
+          <p:nvSpPr>
+            <p:cNvPr id="9" name="Oval 8"/>
+            <p:cNvSpPr/>
+            <p:nvPr/>
+          </p:nvSpPr>
+          <p:spPr>
+            <a:xfrm>
+              <a:off x="11361456" y="6195813"/>
+              <a:ext cx="548640" cy="548640"/>
+            </a:xfrm>
+            <a:prstGeom prst="ellipse">
+              <a:avLst/>
+            </a:prstGeom>
+            <a:blipFill dpi="0" rotWithShape="1">
+              <a:blip r:embed="rId4">
+                <a:duotone>
+                  <a:schemeClr val="accent1">
+                    <a:shade val="45000"/>
+                    <a:satMod val="135000"/>
+                  </a:schemeClr>
+                  <a:prstClr val="white"/>
+                </a:duotone>
+                <a:extLst>
+                  <a:ext uri="{BEBA8EAE-BF5A-486C-A8C5-ECC9F3942E4B}">
+                    <a14:imgProps xmlns:a14="http://schemas.microsoft.com/office/drawing/2010/main">
+                      <a14:imgLayer r:embed="rId5">
+                        <a14:imgEffect>
+                          <a14:saturation sat="95000"/>
+                        </a14:imgEffect>
+                        <a14:imgEffect>
+                          <a14:brightnessContrast bright="-40000" contrast="20000"/>
+                        </a14:imgEffect>
+                      </a14:imgLayer>
+                    </a14:imgProps>
+                  </a:ext>
+                </a:extLst>
+              </a:blip>
+              <a:srcRect/>
+              <a:tile tx="50800" ty="0" sx="85000" sy="85000" flip="none" algn="tl"/>
+            </a:blipFill>
+            <a:ln w="25400" cap="flat" cmpd="sng" algn="ctr">
+              <a:noFill/>
+              <a:prstDash val="solid"/>
+            </a:ln>
+            <a:effectLst/>
+          </p:spPr>
+        </p:sp>
+        <p:sp>
+          <p:nvSpPr>
+            <p:cNvPr id="10" name="Oval 9"/>
+            <p:cNvSpPr/>
+            <p:nvPr/>
+          </p:nvSpPr>
+          <p:spPr>
+            <a:xfrm>
+              <a:off x="11396488" y="6230844"/>
+              <a:ext cx="478576" cy="478578"/>
+            </a:xfrm>
+            <a:prstGeom prst="ellipse">
+              <a:avLst/>
+            </a:prstGeom>
+            <a:noFill/>
+            <a:ln w="12700" cap="flat" cmpd="sng" algn="ctr">
+              <a:solidFill>
+                <a:sysClr val="window" lastClr="FFFFFF"/>
+              </a:solidFill>
+              <a:prstDash val="solid"/>
+            </a:ln>
+            <a:effectLst/>
+          </p:spPr>
+        </p:sp>
+      </p:grpSp>
+      <p:sp>
+        <p:nvSpPr>
+          <p:cNvPr id="7" name="Slide Number Placeholder 6"/>
           <p:cNvSpPr>
             <a:spLocks noGrp="1"/>
           </p:cNvSpPr>
@@ -2777,7 +3294,7 @@
     </p:spTree>
     <p:extLst>
       <p:ext uri="{BB962C8B-B14F-4D97-AF65-F5344CB8AC3E}">
-        <p14:creationId xmlns:p14="http://schemas.microsoft.com/office/powerpoint/2010/main" val="4285593802"/>
+        <p14:creationId xmlns:p14="http://schemas.microsoft.com/office/powerpoint/2010/main" val="2844588563"/>
       </p:ext>
     </p:extLst>
   </p:cSld>
@@ -2811,13 +3328,7 @@
       </p:grpSpPr>
       <p:sp>
         <p:nvSpPr>
-          <p:cNvPr id="2" name="Title Placeholder 1">
-            <a:extLst>
-              <a:ext uri="{FF2B5EF4-FFF2-40B4-BE49-F238E27FC236}">
-                <a16:creationId xmlns:a16="http://schemas.microsoft.com/office/drawing/2014/main" id="{FFB1D84C-7934-4E5B-B6E4-A1D6EC299551}"/>
-              </a:ext>
-            </a:extLst>
-          </p:cNvPr>
+          <p:cNvPr id="2" name="Title Placeholder 1"/>
           <p:cNvSpPr>
             <a:spLocks noGrp="1"/>
           </p:cNvSpPr>
@@ -2827,15 +3338,15 @@
         </p:nvSpPr>
         <p:spPr>
           <a:xfrm>
-            <a:off x="1517904" y="1517904"/>
-            <a:ext cx="9144000" cy="1344168"/>
+            <a:off x="1069848" y="484632"/>
+            <a:ext cx="10058400" cy="1609344"/>
           </a:xfrm>
           <a:prstGeom prst="rect">
             <a:avLst/>
           </a:prstGeom>
         </p:spPr>
         <p:txBody>
-          <a:bodyPr vert="horz" lIns="91440" tIns="45720" rIns="91440" bIns="45720" rtlCol="0" anchor="t">
+          <a:bodyPr vert="horz" lIns="91440" tIns="45720" rIns="91440" bIns="45720" rtlCol="0" anchor="ctr">
             <a:normAutofit/>
           </a:bodyPr>
           <a:lstStyle/>
@@ -2850,13 +3361,7 @@
       </p:sp>
       <p:sp>
         <p:nvSpPr>
-          <p:cNvPr id="3" name="Text Placeholder 2">
-            <a:extLst>
-              <a:ext uri="{FF2B5EF4-FFF2-40B4-BE49-F238E27FC236}">
-                <a16:creationId xmlns:a16="http://schemas.microsoft.com/office/drawing/2014/main" id="{5F6A990F-40AC-447A-964A-840C94A6471A}"/>
-              </a:ext>
-            </a:extLst>
-          </p:cNvPr>
+          <p:cNvPr id="3" name="Text Placeholder 2"/>
           <p:cNvSpPr>
             <a:spLocks noGrp="1"/>
           </p:cNvSpPr>
@@ -2866,8 +3371,8 @@
         </p:nvSpPr>
         <p:spPr>
           <a:xfrm>
-            <a:off x="1517904" y="2971800"/>
-            <a:ext cx="9144000" cy="3127248"/>
+            <a:off x="1069848" y="2121408"/>
+            <a:ext cx="10058400" cy="4050792"/>
           </a:xfrm>
           <a:prstGeom prst="rect">
             <a:avLst/>
@@ -2918,13 +3423,7 @@
       </p:sp>
       <p:sp>
         <p:nvSpPr>
-          <p:cNvPr id="4" name="Date Placeholder 3">
-            <a:extLst>
-              <a:ext uri="{FF2B5EF4-FFF2-40B4-BE49-F238E27FC236}">
-                <a16:creationId xmlns:a16="http://schemas.microsoft.com/office/drawing/2014/main" id="{07D832A1-FFBA-48B6-B2D0-E5414F12838B}"/>
-              </a:ext>
-            </a:extLst>
-          </p:cNvPr>
+          <p:cNvPr id="4" name="Date Placeholder 3"/>
           <p:cNvSpPr>
             <a:spLocks noGrp="1"/>
           </p:cNvSpPr>
@@ -2934,8 +3433,8 @@
         </p:nvSpPr>
         <p:spPr>
           <a:xfrm>
-            <a:off x="8805672" y="6400800"/>
-            <a:ext cx="1865376" cy="365125"/>
+            <a:off x="7964424" y="6272784"/>
+            <a:ext cx="3273552" cy="365125"/>
           </a:xfrm>
           <a:prstGeom prst="rect">
             <a:avLst/>
@@ -2945,9 +3444,9 @@
           <a:bodyPr vert="horz" lIns="91440" tIns="45720" rIns="91440" bIns="45720" rtlCol="0" anchor="ctr"/>
           <a:lstStyle>
             <a:lvl1pPr algn="r">
-              <a:defRPr sz="1000">
+              <a:defRPr sz="1100">
                 <a:solidFill>
-                  <a:schemeClr val="tx1"/>
+                  <a:schemeClr val="tx2"/>
                 </a:solidFill>
               </a:defRPr>
             </a:lvl1pPr>
@@ -2957,7 +3456,7 @@
             <a:fld id="{3F9AFA87-1417-4992-ABD9-27C3BC8CC883}" type="datetimeFigureOut">
               <a:rPr lang="en-US" smtClean="0"/>
               <a:pPr algn="r"/>
-              <a:t>1/3/2025</a:t>
+              <a:t>1/7/2025</a:t>
             </a:fld>
             <a:endParaRPr lang="en-US" dirty="0"/>
           </a:p>
@@ -2965,13 +3464,7 @@
       </p:sp>
       <p:sp>
         <p:nvSpPr>
-          <p:cNvPr id="5" name="Footer Placeholder 4">
-            <a:extLst>
-              <a:ext uri="{FF2B5EF4-FFF2-40B4-BE49-F238E27FC236}">
-                <a16:creationId xmlns:a16="http://schemas.microsoft.com/office/drawing/2014/main" id="{0F933EC1-4EE2-4453-841C-CFDFE708948E}"/>
-              </a:ext>
-            </a:extLst>
-          </p:cNvPr>
+          <p:cNvPr id="5" name="Footer Placeholder 4"/>
           <p:cNvSpPr>
             <a:spLocks noGrp="1"/>
           </p:cNvSpPr>
@@ -2981,8 +3474,8 @@
         </p:nvSpPr>
         <p:spPr>
           <a:xfrm>
-            <a:off x="758952" y="6400800"/>
-            <a:ext cx="6099048" cy="365125"/>
+            <a:off x="1088136" y="6272784"/>
+            <a:ext cx="6327648" cy="365125"/>
           </a:xfrm>
           <a:prstGeom prst="rect">
             <a:avLst/>
@@ -2992,9 +3485,9 @@
           <a:bodyPr vert="horz" lIns="91440" tIns="45720" rIns="91440" bIns="45720" rtlCol="0" anchor="ctr"/>
           <a:lstStyle>
             <a:lvl1pPr algn="l">
-              <a:defRPr sz="1000">
+              <a:defRPr sz="1100">
                 <a:solidFill>
-                  <a:schemeClr val="tx1"/>
+                  <a:schemeClr val="tx2"/>
                 </a:solidFill>
               </a:defRPr>
             </a:lvl1pPr>
@@ -3004,15 +3497,98 @@
           </a:p>
         </p:txBody>
       </p:sp>
-      <p:sp>
-        <p:nvSpPr>
-          <p:cNvPr id="6" name="Slide Number Placeholder 5">
-            <a:extLst>
-              <a:ext uri="{FF2B5EF4-FFF2-40B4-BE49-F238E27FC236}">
-                <a16:creationId xmlns:a16="http://schemas.microsoft.com/office/drawing/2014/main" id="{C3CEBA78-E732-44EF-BA0B-FC42F7931311}"/>
-              </a:ext>
-            </a:extLst>
-          </p:cNvPr>
+      <p:grpSp>
+        <p:nvGrpSpPr>
+          <p:cNvPr id="7" name="Group 6"/>
+          <p:cNvGrpSpPr>
+            <a:grpSpLocks noChangeAspect="1"/>
+          </p:cNvGrpSpPr>
+          <p:nvPr/>
+        </p:nvGrpSpPr>
+        <p:grpSpPr>
+          <a:xfrm>
+            <a:off x="11401725" y="6229681"/>
+            <a:ext cx="457200" cy="457200"/>
+            <a:chOff x="11361456" y="6195813"/>
+            <a:chExt cx="548640" cy="548640"/>
+          </a:xfrm>
+        </p:grpSpPr>
+        <p:sp>
+          <p:nvSpPr>
+            <p:cNvPr id="8" name="Oval 7"/>
+            <p:cNvSpPr/>
+            <p:nvPr/>
+          </p:nvSpPr>
+          <p:spPr>
+            <a:xfrm>
+              <a:off x="11361456" y="6195813"/>
+              <a:ext cx="548640" cy="548640"/>
+            </a:xfrm>
+            <a:prstGeom prst="ellipse">
+              <a:avLst/>
+            </a:prstGeom>
+            <a:blipFill dpi="0" rotWithShape="1">
+              <a:blip r:embed="rId13">
+                <a:duotone>
+                  <a:schemeClr val="accent1">
+                    <a:shade val="45000"/>
+                    <a:satMod val="135000"/>
+                  </a:schemeClr>
+                  <a:prstClr val="white"/>
+                </a:duotone>
+                <a:extLst>
+                  <a:ext uri="{BEBA8EAE-BF5A-486C-A8C5-ECC9F3942E4B}">
+                    <a14:imgProps xmlns:a14="http://schemas.microsoft.com/office/drawing/2010/main">
+                      <a14:imgLayer r:embed="rId14">
+                        <a14:imgEffect>
+                          <a14:saturation sat="95000"/>
+                        </a14:imgEffect>
+                        <a14:imgEffect>
+                          <a14:brightnessContrast bright="-40000" contrast="20000"/>
+                        </a14:imgEffect>
+                      </a14:imgLayer>
+                    </a14:imgProps>
+                  </a:ext>
+                </a:extLst>
+              </a:blip>
+              <a:srcRect/>
+              <a:tile tx="50800" ty="0" sx="85000" sy="85000" flip="none" algn="tl"/>
+            </a:blipFill>
+            <a:ln w="25400" cap="flat" cmpd="sng" algn="ctr">
+              <a:noFill/>
+              <a:prstDash val="solid"/>
+            </a:ln>
+            <a:effectLst/>
+          </p:spPr>
+        </p:sp>
+        <p:sp>
+          <p:nvSpPr>
+            <p:cNvPr id="9" name="Oval 8"/>
+            <p:cNvSpPr/>
+            <p:nvPr/>
+          </p:nvSpPr>
+          <p:spPr>
+            <a:xfrm>
+              <a:off x="11396488" y="6230844"/>
+              <a:ext cx="478576" cy="478578"/>
+            </a:xfrm>
+            <a:prstGeom prst="ellipse">
+              <a:avLst/>
+            </a:prstGeom>
+            <a:noFill/>
+            <a:ln w="12700" cap="flat" cmpd="sng" algn="ctr">
+              <a:solidFill>
+                <a:srgbClr val="FFFFFF"/>
+              </a:solidFill>
+              <a:prstDash val="solid"/>
+            </a:ln>
+            <a:effectLst/>
+          </p:spPr>
+        </p:sp>
+      </p:grpSp>
+      <p:sp>
+        <p:nvSpPr>
+          <p:cNvPr id="6" name="Slide Number Placeholder 5"/>
           <p:cNvSpPr>
             <a:spLocks noGrp="1"/>
           </p:cNvSpPr>
@@ -3022,8 +3598,8 @@
         </p:nvSpPr>
         <p:spPr>
           <a:xfrm>
-            <a:off x="10899648" y="6400800"/>
-            <a:ext cx="530352" cy="365125"/>
+            <a:off x="11311128" y="6272784"/>
+            <a:ext cx="640080" cy="365125"/>
           </a:xfrm>
           <a:prstGeom prst="rect">
             <a:avLst/>
@@ -3032,11 +3608,12 @@
         <p:txBody>
           <a:bodyPr vert="horz" lIns="91440" tIns="45720" rIns="91440" bIns="45720" rtlCol="0" anchor="ctr"/>
           <a:lstStyle>
-            <a:lvl1pPr algn="r">
-              <a:defRPr sz="1000" b="1">
+            <a:lvl1pPr algn="ctr">
+              <a:defRPr sz="1400" b="1">
                 <a:solidFill>
-                  <a:schemeClr val="tx1"/>
+                  <a:srgbClr val="FFFFFF"/>
                 </a:solidFill>
+                <a:latin typeface="+mj-lt"/>
               </a:defRPr>
             </a:lvl1pPr>
           </a:lstStyle>
@@ -3050,191 +3627,48 @@
           </a:p>
         </p:txBody>
       </p:sp>
-      <p:sp>
-        <p:nvSpPr>
-          <p:cNvPr id="8" name="Freeform: Shape 7">
-            <a:extLst>
-              <a:ext uri="{FF2B5EF4-FFF2-40B4-BE49-F238E27FC236}">
-                <a16:creationId xmlns:a16="http://schemas.microsoft.com/office/drawing/2014/main" id="{49306479-8C4D-4E4A-A330-DFC80A8A01BE}"/>
-              </a:ext>
-            </a:extLst>
-          </p:cNvPr>
-          <p:cNvSpPr/>
-          <p:nvPr/>
-        </p:nvSpPr>
-        <p:spPr>
-          <a:xfrm>
-            <a:off x="0" y="0"/>
-            <a:ext cx="12192000" cy="6105524"/>
-          </a:xfrm>
-          <a:custGeom>
-            <a:avLst/>
-            <a:gdLst>
-              <a:gd name="connsiteX0" fmla="*/ 0 w 12192000"/>
-              <a:gd name="connsiteY0" fmla="*/ 0 h 6105524"/>
-              <a:gd name="connsiteX1" fmla="*/ 12192000 w 12192000"/>
-              <a:gd name="connsiteY1" fmla="*/ 0 h 6105524"/>
-              <a:gd name="connsiteX2" fmla="*/ 12192000 w 12192000"/>
-              <a:gd name="connsiteY2" fmla="*/ 6105524 h 6105524"/>
-              <a:gd name="connsiteX3" fmla="*/ 11435080 w 12192000"/>
-              <a:gd name="connsiteY3" fmla="*/ 6105524 h 6105524"/>
-              <a:gd name="connsiteX4" fmla="*/ 11435080 w 12192000"/>
-              <a:gd name="connsiteY4" fmla="*/ 771523 h 6105524"/>
-              <a:gd name="connsiteX5" fmla="*/ 767080 w 12192000"/>
-              <a:gd name="connsiteY5" fmla="*/ 771523 h 6105524"/>
-              <a:gd name="connsiteX6" fmla="*/ 767080 w 12192000"/>
-              <a:gd name="connsiteY6" fmla="*/ 6105524 h 6105524"/>
-              <a:gd name="connsiteX7" fmla="*/ 0 w 12192000"/>
-              <a:gd name="connsiteY7" fmla="*/ 6105524 h 6105524"/>
-            </a:gdLst>
-            <a:ahLst/>
-            <a:cxnLst>
-              <a:cxn ang="0">
-                <a:pos x="connsiteX0" y="connsiteY0"/>
-              </a:cxn>
-              <a:cxn ang="0">
-                <a:pos x="connsiteX1" y="connsiteY1"/>
-              </a:cxn>
-              <a:cxn ang="0">
-                <a:pos x="connsiteX2" y="connsiteY2"/>
-              </a:cxn>
-              <a:cxn ang="0">
-                <a:pos x="connsiteX3" y="connsiteY3"/>
-              </a:cxn>
-              <a:cxn ang="0">
-                <a:pos x="connsiteX4" y="connsiteY4"/>
-              </a:cxn>
-              <a:cxn ang="0">
-                <a:pos x="connsiteX5" y="connsiteY5"/>
-              </a:cxn>
-              <a:cxn ang="0">
-                <a:pos x="connsiteX6" y="connsiteY6"/>
-              </a:cxn>
-              <a:cxn ang="0">
-                <a:pos x="connsiteX7" y="connsiteY7"/>
-              </a:cxn>
-            </a:cxnLst>
-            <a:rect l="l" t="t" r="r" b="b"/>
-            <a:pathLst>
-              <a:path w="12192000" h="6105524">
-                <a:moveTo>
-                  <a:pt x="0" y="0"/>
-                </a:moveTo>
-                <a:lnTo>
-                  <a:pt x="12192000" y="0"/>
-                </a:lnTo>
-                <a:lnTo>
-                  <a:pt x="12192000" y="6105524"/>
-                </a:lnTo>
-                <a:lnTo>
-                  <a:pt x="11435080" y="6105524"/>
-                </a:lnTo>
-                <a:lnTo>
-                  <a:pt x="11435080" y="771523"/>
-                </a:lnTo>
-                <a:lnTo>
-                  <a:pt x="767080" y="771523"/>
-                </a:lnTo>
-                <a:lnTo>
-                  <a:pt x="767080" y="6105524"/>
-                </a:lnTo>
-                <a:lnTo>
-                  <a:pt x="0" y="6105524"/>
-                </a:lnTo>
-                <a:close/>
-              </a:path>
-            </a:pathLst>
-          </a:custGeom>
-          <a:gradFill flip="none" rotWithShape="1">
-            <a:gsLst>
-              <a:gs pos="10000">
-                <a:schemeClr val="accent5"/>
-              </a:gs>
-              <a:gs pos="90000">
-                <a:schemeClr val="accent1"/>
-              </a:gs>
-              <a:gs pos="70000">
-                <a:schemeClr val="accent2"/>
-              </a:gs>
-              <a:gs pos="30000">
-                <a:schemeClr val="accent4"/>
-              </a:gs>
-              <a:gs pos="50000">
-                <a:schemeClr val="accent3">
-                  <a:lumMod val="60000"/>
-                  <a:lumOff val="40000"/>
-                </a:schemeClr>
-              </a:gs>
-            </a:gsLst>
-            <a:lin ang="7200000" scaled="0"/>
-            <a:tileRect/>
-          </a:gradFill>
-          <a:ln>
-            <a:noFill/>
-          </a:ln>
-        </p:spPr>
-        <p:style>
-          <a:lnRef idx="2">
-            <a:schemeClr val="accent1">
-              <a:shade val="50000"/>
-            </a:schemeClr>
-          </a:lnRef>
-          <a:fillRef idx="1">
-            <a:schemeClr val="accent1"/>
-          </a:fillRef>
-          <a:effectRef idx="0">
-            <a:schemeClr val="accent1"/>
-          </a:effectRef>
-          <a:fontRef idx="minor">
-            <a:schemeClr val="lt1"/>
-          </a:fontRef>
-        </p:style>
-        <p:txBody>
-          <a:bodyPr wrap="square" rtlCol="0" anchor="ctr">
-            <a:noAutofit/>
-          </a:bodyPr>
-          <a:lstStyle/>
-          <a:p>
-            <a:pPr algn="ctr"/>
-            <a:endParaRPr lang="en-US"/>
-          </a:p>
-        </p:txBody>
-      </p:sp>
     </p:spTree>
     <p:extLst>
       <p:ext uri="{BB962C8B-B14F-4D97-AF65-F5344CB8AC3E}">
-        <p14:creationId xmlns:p14="http://schemas.microsoft.com/office/powerpoint/2010/main" val="2921425488"/>
+        <p14:creationId xmlns:p14="http://schemas.microsoft.com/office/powerpoint/2010/main" val="697246908"/>
       </p:ext>
     </p:extLst>
   </p:cSld>
   <p:clrMap bg1="lt1" tx1="dk1" bg2="lt2" tx2="dk2" accent1="accent1" accent2="accent2" accent3="accent3" accent4="accent4" accent5="accent5" accent6="accent6" hlink="hlink" folHlink="folHlink"/>
   <p:sldLayoutIdLst>
-    <p:sldLayoutId id="2147483714" r:id="rId1"/>
-    <p:sldLayoutId id="2147483715" r:id="rId2"/>
-    <p:sldLayoutId id="2147483716" r:id="rId3"/>
-    <p:sldLayoutId id="2147483717" r:id="rId4"/>
-    <p:sldLayoutId id="2147483718" r:id="rId5"/>
-    <p:sldLayoutId id="2147483719" r:id="rId6"/>
-    <p:sldLayoutId id="2147483720" r:id="rId7"/>
-    <p:sldLayoutId id="2147483721" r:id="rId8"/>
-    <p:sldLayoutId id="2147483722" r:id="rId9"/>
-    <p:sldLayoutId id="2147483723" r:id="rId10"/>
-    <p:sldLayoutId id="2147483724" r:id="rId11"/>
+    <p:sldLayoutId id="2147483982" r:id="rId1"/>
+    <p:sldLayoutId id="2147483983" r:id="rId2"/>
+    <p:sldLayoutId id="2147483984" r:id="rId3"/>
+    <p:sldLayoutId id="2147483985" r:id="rId4"/>
+    <p:sldLayoutId id="2147483986" r:id="rId5"/>
+    <p:sldLayoutId id="2147483987" r:id="rId6"/>
+    <p:sldLayoutId id="2147483988" r:id="rId7"/>
+    <p:sldLayoutId id="2147483989" r:id="rId8"/>
+    <p:sldLayoutId id="2147483990" r:id="rId9"/>
+    <p:sldLayoutId id="2147483991" r:id="rId10"/>
+    <p:sldLayoutId id="2147483992" r:id="rId11"/>
   </p:sldLayoutIdLst>
   <p:txStyles>
     <p:titleStyle>
       <a:lvl1pPr algn="l" defTabSz="914400" rtl="0" eaLnBrk="1" latinLnBrk="0" hangingPunct="1">
         <a:lnSpc>
-          <a:spcPct val="95000"/>
+          <a:spcPct val="90000"/>
         </a:lnSpc>
         <a:spcBef>
           <a:spcPct val="0"/>
         </a:spcBef>
         <a:buNone/>
-        <a:defRPr sz="4200" kern="1200" spc="-50" baseline="0">
-          <a:solidFill>
-            <a:schemeClr val="tx1"/>
-          </a:solidFill>
+        <a:defRPr sz="5400" kern="1200" cap="all" baseline="0">
+          <a:blipFill>
+            <a:blip r:embed="rId15">
+              <a:extLst>
+                <a:ext uri="{28A0092B-C50C-407E-A947-70E740481C1C}">
+                  <a14:useLocalDpi xmlns:a14="http://schemas.microsoft.com/office/drawing/2010/main" val="0"/>
+                </a:ext>
+              </a:extLst>
+            </a:blip>
+            <a:tile tx="6350" ty="-127000" sx="65000" sy="64000" flip="none" algn="tl"/>
+          </a:blipFill>
           <a:latin typeface="+mj-lt"/>
           <a:ea typeface="+mj-ea"/>
           <a:cs typeface="+mj-cs"/>
@@ -3242,19 +3676,22 @@
       </a:lvl1pPr>
     </p:titleStyle>
     <p:bodyStyle>
-      <a:lvl1pPr marL="365760" indent="-365760" algn="l" defTabSz="914400" rtl="0" eaLnBrk="1" latinLnBrk="0" hangingPunct="1">
+      <a:lvl1pPr marL="182880" indent="-182880" algn="l" defTabSz="914400" rtl="0" eaLnBrk="1" latinLnBrk="0" hangingPunct="1">
         <a:lnSpc>
-          <a:spcPct val="105000"/>
+          <a:spcPct val="90000"/>
         </a:lnSpc>
         <a:spcBef>
-          <a:spcPts val="900"/>
+          <a:spcPts val="1200"/>
         </a:spcBef>
         <a:buClr>
-          <a:schemeClr val="accent5"/>
+          <a:schemeClr val="accent1">
+            <a:lumMod val="75000"/>
+          </a:schemeClr>
         </a:buClr>
-        <a:buFont typeface="Avenir Next LT Pro" panose="020B0504020202020204" pitchFamily="34" charset="0"/>
-        <a:buChar char="+"/>
-        <a:defRPr sz="2600" kern="1200">
+        <a:buSzPct val="85000"/>
+        <a:buFont typeface="Wingdings" pitchFamily="2" charset="2"/>
+        <a:buChar char="§"/>
+        <a:defRPr sz="2000" kern="1200">
           <a:solidFill>
             <a:schemeClr val="tx1"/>
           </a:solidFill>
@@ -3263,40 +3700,52 @@
           <a:cs typeface="+mn-cs"/>
         </a:defRPr>
       </a:lvl1pPr>
-      <a:lvl2pPr marL="365760" indent="0" algn="l" defTabSz="914400" rtl="0" eaLnBrk="1" latinLnBrk="0" hangingPunct="1">
+      <a:lvl2pPr marL="457200" indent="-182880" algn="l" defTabSz="914400" rtl="0" eaLnBrk="1" latinLnBrk="0" hangingPunct="1">
         <a:lnSpc>
-          <a:spcPct val="105000"/>
+          <a:spcPct val="90000"/>
         </a:lnSpc>
         <a:spcBef>
-          <a:spcPts val="900"/>
+          <a:spcPts val="400"/>
         </a:spcBef>
-        <a:buFont typeface="Arial" panose="020B0604020202020204" pitchFamily="34" charset="0"/>
-        <a:buNone/>
-        <a:defRPr sz="2000" kern="1200">
+        <a:spcAft>
+          <a:spcPts val="200"/>
+        </a:spcAft>
+        <a:buClr>
+          <a:schemeClr val="accent1">
+            <a:lumMod val="75000"/>
+          </a:schemeClr>
+        </a:buClr>
+        <a:buSzPct val="85000"/>
+        <a:buFont typeface="Wingdings" pitchFamily="2" charset="2"/>
+        <a:buChar char="§"/>
+        <a:defRPr sz="1800" kern="1200">
           <a:solidFill>
-            <a:schemeClr val="tx1">
-              <a:lumMod val="75000"/>
-              <a:lumOff val="25000"/>
-            </a:schemeClr>
+            <a:schemeClr val="tx1"/>
           </a:solidFill>
           <a:latin typeface="+mn-lt"/>
           <a:ea typeface="+mn-ea"/>
           <a:cs typeface="+mn-cs"/>
         </a:defRPr>
       </a:lvl2pPr>
-      <a:lvl3pPr marL="640080" indent="-274320" algn="l" defTabSz="914400" rtl="0" eaLnBrk="1" latinLnBrk="0" hangingPunct="1">
+      <a:lvl3pPr marL="731520" indent="-182880" algn="l" defTabSz="914400" rtl="0" eaLnBrk="1" latinLnBrk="0" hangingPunct="1">
         <a:lnSpc>
-          <a:spcPct val="105000"/>
+          <a:spcPct val="90000"/>
         </a:lnSpc>
         <a:spcBef>
-          <a:spcPts val="600"/>
+          <a:spcPts val="400"/>
         </a:spcBef>
+        <a:spcAft>
+          <a:spcPts val="200"/>
+        </a:spcAft>
         <a:buClr>
-          <a:schemeClr val="accent5"/>
+          <a:schemeClr val="accent1">
+            <a:lumMod val="75000"/>
+          </a:schemeClr>
         </a:buClr>
-        <a:buFont typeface="Avenir Next LT Pro" panose="020B0504020202020204" pitchFamily="34" charset="0"/>
-        <a:buChar char="+"/>
-        <a:defRPr sz="2000" kern="1200">
+        <a:buSzPct val="85000"/>
+        <a:buFont typeface="Wingdings" pitchFamily="2" charset="2"/>
+        <a:buChar char="§"/>
+        <a:defRPr sz="1600" kern="1200">
           <a:solidFill>
             <a:schemeClr val="tx1"/>
           </a:solidFill>
@@ -3305,40 +3754,52 @@
           <a:cs typeface="+mn-cs"/>
         </a:defRPr>
       </a:lvl3pPr>
-      <a:lvl4pPr marL="640080" indent="0" algn="l" defTabSz="914400" rtl="0" eaLnBrk="1" latinLnBrk="0" hangingPunct="1">
+      <a:lvl4pPr marL="1005840" indent="-182880" algn="l" defTabSz="914400" rtl="0" eaLnBrk="1" latinLnBrk="0" hangingPunct="1">
         <a:lnSpc>
-          <a:spcPct val="105000"/>
+          <a:spcPct val="90000"/>
         </a:lnSpc>
         <a:spcBef>
-          <a:spcPts val="600"/>
+          <a:spcPts val="400"/>
         </a:spcBef>
-        <a:buFontTx/>
-        <a:buNone/>
-        <a:defRPr sz="1800" i="1" kern="1200">
+        <a:spcAft>
+          <a:spcPts val="200"/>
+        </a:spcAft>
+        <a:buClr>
+          <a:schemeClr val="accent1">
+            <a:lumMod val="75000"/>
+          </a:schemeClr>
+        </a:buClr>
+        <a:buSzPct val="85000"/>
+        <a:buFont typeface="Wingdings" pitchFamily="2" charset="2"/>
+        <a:buChar char="§"/>
+        <a:defRPr sz="1600" kern="1200">
           <a:solidFill>
-            <a:schemeClr val="tx1">
-              <a:lumMod val="75000"/>
-              <a:lumOff val="25000"/>
-            </a:schemeClr>
+            <a:schemeClr val="tx1"/>
           </a:solidFill>
           <a:latin typeface="+mn-lt"/>
           <a:ea typeface="+mn-ea"/>
           <a:cs typeface="+mn-cs"/>
         </a:defRPr>
       </a:lvl4pPr>
-      <a:lvl5pPr marL="886968" indent="-274320" algn="l" defTabSz="914400" rtl="0" eaLnBrk="1" latinLnBrk="0" hangingPunct="1">
+      <a:lvl5pPr marL="1280160" indent="-182880" algn="l" defTabSz="914400" rtl="0" eaLnBrk="1" latinLnBrk="0" hangingPunct="1">
         <a:lnSpc>
-          <a:spcPct val="105000"/>
+          <a:spcPct val="90000"/>
         </a:lnSpc>
         <a:spcBef>
-          <a:spcPts val="600"/>
+          <a:spcPts val="400"/>
         </a:spcBef>
+        <a:spcAft>
+          <a:spcPts val="200"/>
+        </a:spcAft>
         <a:buClr>
-          <a:schemeClr val="accent5"/>
+          <a:schemeClr val="accent1">
+            <a:lumMod val="75000"/>
+          </a:schemeClr>
         </a:buClr>
-        <a:buFont typeface="Avenir Next LT Pro" panose="020B0504020202020204" pitchFamily="34" charset="0"/>
-        <a:buChar char="+"/>
-        <a:defRPr sz="1800" kern="1200">
+        <a:buSzPct val="85000"/>
+        <a:buFont typeface="Wingdings" pitchFamily="2" charset="2"/>
+        <a:buChar char="§"/>
+        <a:defRPr sz="1600" kern="1200">
           <a:solidFill>
             <a:schemeClr val="tx1"/>
           </a:solidFill>
@@ -3347,16 +3808,25 @@
           <a:cs typeface="+mn-cs"/>
         </a:defRPr>
       </a:lvl5pPr>
-      <a:lvl6pPr marL="2514600" indent="-228600" algn="l" defTabSz="914400" rtl="0" eaLnBrk="1" latinLnBrk="0" hangingPunct="1">
+      <a:lvl6pPr marL="1600000" indent="-228600" algn="l" defTabSz="914400" rtl="0" eaLnBrk="1" latinLnBrk="0" hangingPunct="1">
         <a:lnSpc>
           <a:spcPct val="90000"/>
         </a:lnSpc>
         <a:spcBef>
-          <a:spcPts val="500"/>
+          <a:spcPts val="400"/>
         </a:spcBef>
-        <a:buFont typeface="Arial" panose="020B0604020202020204" pitchFamily="34" charset="0"/>
-        <a:buChar char="•"/>
-        <a:defRPr sz="1800" kern="1200">
+        <a:spcAft>
+          <a:spcPts val="200"/>
+        </a:spcAft>
+        <a:buClr>
+          <a:schemeClr val="accent1">
+            <a:lumMod val="75000"/>
+          </a:schemeClr>
+        </a:buClr>
+        <a:buSzPct val="85000"/>
+        <a:buFont typeface="Wingdings" pitchFamily="2" charset="2"/>
+        <a:buChar char="§"/>
+        <a:defRPr sz="1600" kern="1200">
           <a:solidFill>
             <a:schemeClr val="tx1"/>
           </a:solidFill>
@@ -3365,16 +3835,25 @@
           <a:cs typeface="+mn-cs"/>
         </a:defRPr>
       </a:lvl6pPr>
-      <a:lvl7pPr marL="2971800" indent="-228600" algn="l" defTabSz="914400" rtl="0" eaLnBrk="1" latinLnBrk="0" hangingPunct="1">
+      <a:lvl7pPr marL="1900000" indent="-228600" algn="l" defTabSz="914400" rtl="0" eaLnBrk="1" latinLnBrk="0" hangingPunct="1">
         <a:lnSpc>
           <a:spcPct val="90000"/>
         </a:lnSpc>
         <a:spcBef>
-          <a:spcPts val="500"/>
+          <a:spcPts val="400"/>
         </a:spcBef>
-        <a:buFont typeface="Arial" panose="020B0604020202020204" pitchFamily="34" charset="0"/>
-        <a:buChar char="•"/>
-        <a:defRPr sz="1800" kern="1200">
+        <a:spcAft>
+          <a:spcPts val="200"/>
+        </a:spcAft>
+        <a:buClr>
+          <a:schemeClr val="accent1">
+            <a:lumMod val="75000"/>
+          </a:schemeClr>
+        </a:buClr>
+        <a:buSzPct val="85000"/>
+        <a:buFont typeface="Wingdings" pitchFamily="2" charset="2"/>
+        <a:buChar char="§"/>
+        <a:defRPr sz="1600" kern="1200">
           <a:solidFill>
             <a:schemeClr val="tx1"/>
           </a:solidFill>
@@ -3383,16 +3862,25 @@
           <a:cs typeface="+mn-cs"/>
         </a:defRPr>
       </a:lvl7pPr>
-      <a:lvl8pPr marL="3429000" indent="-228600" algn="l" defTabSz="914400" rtl="0" eaLnBrk="1" latinLnBrk="0" hangingPunct="1">
+      <a:lvl8pPr marL="2200000" indent="-228600" algn="l" defTabSz="914400" rtl="0" eaLnBrk="1" latinLnBrk="0" hangingPunct="1">
         <a:lnSpc>
           <a:spcPct val="90000"/>
         </a:lnSpc>
         <a:spcBef>
-          <a:spcPts val="500"/>
+          <a:spcPts val="400"/>
         </a:spcBef>
-        <a:buFont typeface="Arial" panose="020B0604020202020204" pitchFamily="34" charset="0"/>
-        <a:buChar char="•"/>
-        <a:defRPr sz="1800" kern="1200">
+        <a:spcAft>
+          <a:spcPts val="200"/>
+        </a:spcAft>
+        <a:buClr>
+          <a:schemeClr val="accent1">
+            <a:lumMod val="75000"/>
+          </a:schemeClr>
+        </a:buClr>
+        <a:buSzPct val="85000"/>
+        <a:buFont typeface="Wingdings" pitchFamily="2" charset="2"/>
+        <a:buChar char="§"/>
+        <a:defRPr sz="1600" kern="1200">
           <a:solidFill>
             <a:schemeClr val="tx1"/>
           </a:solidFill>
@@ -3401,16 +3889,25 @@
           <a:cs typeface="+mn-cs"/>
         </a:defRPr>
       </a:lvl8pPr>
-      <a:lvl9pPr marL="3886200" indent="-228600" algn="l" defTabSz="914400" rtl="0" eaLnBrk="1" latinLnBrk="0" hangingPunct="1">
+      <a:lvl9pPr marL="2500000" indent="-228600" algn="l" defTabSz="914400" rtl="0" eaLnBrk="1" latinLnBrk="0" hangingPunct="1">
         <a:lnSpc>
           <a:spcPct val="90000"/>
         </a:lnSpc>
         <a:spcBef>
-          <a:spcPts val="500"/>
+          <a:spcPts val="400"/>
         </a:spcBef>
-        <a:buFont typeface="Arial" panose="020B0604020202020204" pitchFamily="34" charset="0"/>
-        <a:buChar char="•"/>
-        <a:defRPr sz="1800" kern="1200">
+        <a:spcAft>
+          <a:spcPts val="200"/>
+        </a:spcAft>
+        <a:buClr>
+          <a:schemeClr val="accent1">
+            <a:lumMod val="75000"/>
+          </a:schemeClr>
+        </a:buClr>
+        <a:buSzPct val="85000"/>
+        <a:buFont typeface="Wingdings" pitchFamily="2" charset="2"/>
+        <a:buChar char="§"/>
+        <a:defRPr sz="1600" kern="1200">
           <a:solidFill>
             <a:schemeClr val="tx1"/>
           </a:solidFill>
@@ -3544,12 +4041,262 @@
           <a:chExt cx="0" cy="0"/>
         </a:xfrm>
       </p:grpSpPr>
-      <p:sp useBgFill="1">
-        <p:nvSpPr>
-          <p:cNvPr id="9" name="Rectangle 8">
+      <p:pic>
+        <p:nvPicPr>
+          <p:cNvPr id="4" name="Picture 3" descr="Abstract design of flower petals in pastel">
             <a:extLst>
               <a:ext uri="{FF2B5EF4-FFF2-40B4-BE49-F238E27FC236}">
-                <a16:creationId xmlns:a16="http://schemas.microsoft.com/office/drawing/2014/main" id="{9B45BA4C-9B54-4496-821F-9E0985CA984D}"/>
+                <a16:creationId xmlns:a16="http://schemas.microsoft.com/office/drawing/2014/main" id="{77CD9D79-31E8-9AE7-246C-E836BD406A6A}"/>
+              </a:ext>
+            </a:extLst>
+          </p:cNvPr>
+          <p:cNvPicPr>
+            <a:picLocks noChangeAspect="1"/>
+          </p:cNvPicPr>
+          <p:nvPr/>
+        </p:nvPicPr>
+        <p:blipFill>
+          <a:blip r:embed="rId2">
+            <a:duotone>
+              <a:prstClr val="black"/>
+              <a:schemeClr val="bg1">
+                <a:tint val="45000"/>
+                <a:satMod val="400000"/>
+              </a:schemeClr>
+            </a:duotone>
+            <a:alphaModFix amt="10000"/>
+          </a:blip>
+          <a:srcRect t="14122"/>
+          <a:stretch/>
+        </p:blipFill>
+        <p:spPr>
+          <a:xfrm>
+            <a:off x="20" y="-1"/>
+            <a:ext cx="12191980" cy="6858000"/>
+          </a:xfrm>
+          <a:prstGeom prst="rect">
+            <a:avLst/>
+          </a:prstGeom>
+        </p:spPr>
+      </p:pic>
+      <p:sp>
+        <p:nvSpPr>
+          <p:cNvPr id="2" name="Title 1">
+            <a:extLst>
+              <a:ext uri="{FF2B5EF4-FFF2-40B4-BE49-F238E27FC236}">
+                <a16:creationId xmlns:a16="http://schemas.microsoft.com/office/drawing/2014/main" id="{64091235-27AB-F472-CFB8-62EE45AFC0E4}"/>
+              </a:ext>
+            </a:extLst>
+          </p:cNvPr>
+          <p:cNvSpPr>
+            <a:spLocks noGrp="1"/>
+          </p:cNvSpPr>
+          <p:nvPr>
+            <p:ph type="ctrTitle"/>
+          </p:nvPr>
+        </p:nvSpPr>
+        <p:spPr>
+          <a:xfrm>
+            <a:off x="1438738" y="822335"/>
+            <a:ext cx="10530318" cy="2736390"/>
+          </a:xfrm>
+        </p:spPr>
+        <p:txBody>
+          <a:bodyPr anchor="b">
+            <a:normAutofit/>
+          </a:bodyPr>
+          <a:lstStyle/>
+          <a:p>
+            <a:pPr algn="l"/>
+            <a:r>
+              <a:rPr lang="en-MY" sz="8800" dirty="0">
+                <a:solidFill>
+                  <a:schemeClr val="tx2"/>
+                </a:solidFill>
+              </a:rPr>
+              <a:t>HEAVY METAL TESTING</a:t>
+            </a:r>
+            <a:endParaRPr lang="en-US" sz="8800" dirty="0">
+              <a:solidFill>
+                <a:schemeClr val="tx2"/>
+              </a:solidFill>
+            </a:endParaRPr>
+          </a:p>
+        </p:txBody>
+      </p:sp>
+      <p:sp>
+        <p:nvSpPr>
+          <p:cNvPr id="3" name="Subtitle 2">
+            <a:extLst>
+              <a:ext uri="{FF2B5EF4-FFF2-40B4-BE49-F238E27FC236}">
+                <a16:creationId xmlns:a16="http://schemas.microsoft.com/office/drawing/2014/main" id="{53D2B236-293E-E389-F2F6-3EE175E4A1EF}"/>
+              </a:ext>
+            </a:extLst>
+          </p:cNvPr>
+          <p:cNvSpPr>
+            <a:spLocks noGrp="1"/>
+          </p:cNvSpPr>
+          <p:nvPr>
+            <p:ph type="subTitle" idx="1"/>
+          </p:nvPr>
+        </p:nvSpPr>
+        <p:spPr>
+          <a:xfrm>
+            <a:off x="830841" y="4085852"/>
+            <a:ext cx="10530318" cy="1949813"/>
+          </a:xfrm>
+        </p:spPr>
+        <p:txBody>
+          <a:bodyPr anchor="t">
+            <a:normAutofit/>
+          </a:bodyPr>
+          <a:lstStyle/>
+          <a:p>
+            <a:pPr algn="l"/>
+            <a:endParaRPr lang="en-US" sz="2200" dirty="0">
+              <a:solidFill>
+                <a:schemeClr val="tx2"/>
+              </a:solidFill>
+            </a:endParaRPr>
+          </a:p>
+        </p:txBody>
+      </p:sp>
+    </p:spTree>
+    <p:extLst>
+      <p:ext uri="{BB962C8B-B14F-4D97-AF65-F5344CB8AC3E}">
+        <p14:creationId xmlns:p14="http://schemas.microsoft.com/office/powerpoint/2010/main" val="1942898488"/>
+      </p:ext>
+    </p:extLst>
+  </p:cSld>
+  <p:clrMapOvr>
+    <a:masterClrMapping/>
+  </p:clrMapOvr>
+  <p:timing>
+    <p:tnLst>
+      <p:par>
+        <p:cTn id="1" dur="indefinite" restart="never" nodeType="tmRoot">
+          <p:childTnLst>
+            <p:seq concurrent="1" nextAc="seek">
+              <p:cTn id="2" dur="indefinite" nodeType="mainSeq">
+                <p:childTnLst>
+                  <p:par>
+                    <p:cTn id="3" fill="hold">
+                      <p:stCondLst>
+                        <p:cond delay="indefinite"/>
+                        <p:cond evt="onBegin" delay="0">
+                          <p:tn val="2"/>
+                        </p:cond>
+                      </p:stCondLst>
+                      <p:childTnLst>
+                        <p:par>
+                          <p:cTn id="4" fill="hold">
+                            <p:stCondLst>
+                              <p:cond delay="0"/>
+                            </p:stCondLst>
+                            <p:childTnLst>
+                              <p:par>
+                                <p:cTn id="5" presetID="10" presetClass="entr" presetSubtype="0" fill="hold" grpId="0" nodeType="withEffect">
+                                  <p:stCondLst>
+                                    <p:cond delay="1000"/>
+                                  </p:stCondLst>
+                                  <p:iterate>
+                                    <p:tmPct val="10000"/>
+                                  </p:iterate>
+                                  <p:childTnLst>
+                                    <p:set>
+                                      <p:cBhvr>
+                                        <p:cTn id="6" dur="1" fill="hold">
+                                          <p:stCondLst>
+                                            <p:cond delay="0"/>
+                                          </p:stCondLst>
+                                        </p:cTn>
+                                        <p:tgtEl>
+                                          <p:spTgt spid="2"/>
+                                        </p:tgtEl>
+                                        <p:attrNameLst>
+                                          <p:attrName>style.visibility</p:attrName>
+                                        </p:attrNameLst>
+                                      </p:cBhvr>
+                                      <p:to>
+                                        <p:strVal val="visible"/>
+                                      </p:to>
+                                    </p:set>
+                                    <p:animEffect transition="in" filter="fade">
+                                      <p:cBhvr>
+                                        <p:cTn id="7" dur="700"/>
+                                        <p:tgtEl>
+                                          <p:spTgt spid="2"/>
+                                        </p:tgtEl>
+                                      </p:cBhvr>
+                                    </p:animEffect>
+                                  </p:childTnLst>
+                                </p:cTn>
+                              </p:par>
+                            </p:childTnLst>
+                          </p:cTn>
+                        </p:par>
+                      </p:childTnLst>
+                    </p:cTn>
+                  </p:par>
+                </p:childTnLst>
+              </p:cTn>
+              <p:prevCondLst>
+                <p:cond evt="onPrev" delay="0">
+                  <p:tgtEl>
+                    <p:sldTgt/>
+                  </p:tgtEl>
+                </p:cond>
+              </p:prevCondLst>
+              <p:nextCondLst>
+                <p:cond evt="onNext" delay="0">
+                  <p:tgtEl>
+                    <p:sldTgt/>
+                  </p:tgtEl>
+                </p:cond>
+              </p:nextCondLst>
+            </p:seq>
+          </p:childTnLst>
+        </p:cTn>
+      </p:par>
+    </p:tnLst>
+    <p:bldLst>
+      <p:bldP spid="2" grpId="0"/>
+    </p:bldLst>
+  </p:timing>
+</p:sld>
+</file>
+
+<file path=ppt/slides/slide2.xml><?xml version="1.0" encoding="utf-8"?>
+<p:sld xmlns:a="http://schemas.openxmlformats.org/drawingml/2006/main" xmlns:r="http://schemas.openxmlformats.org/officeDocument/2006/relationships" xmlns:p="http://schemas.openxmlformats.org/presentationml/2006/main">
+  <p:cSld>
+    <p:bg>
+      <p:bgPr>
+        <a:solidFill>
+          <a:schemeClr val="bg1"/>
+        </a:solidFill>
+        <a:effectLst/>
+      </p:bgPr>
+    </p:bg>
+    <p:spTree>
+      <p:nvGrpSpPr>
+        <p:cNvPr id="1" name=""/>
+        <p:cNvGrpSpPr/>
+        <p:nvPr/>
+      </p:nvGrpSpPr>
+      <p:grpSpPr>
+        <a:xfrm>
+          <a:off x="0" y="0"/>
+          <a:ext cx="0" cy="0"/>
+          <a:chOff x="0" y="0"/>
+          <a:chExt cx="0" cy="0"/>
+        </a:xfrm>
+      </p:grpSpPr>
+      <p:sp useBgFill="1">
+        <p:nvSpPr>
+          <p:cNvPr id="8" name="Rectangle 7">
+            <a:extLst>
+              <a:ext uri="{FF2B5EF4-FFF2-40B4-BE49-F238E27FC236}">
+                <a16:creationId xmlns:a16="http://schemas.microsoft.com/office/drawing/2014/main" id="{E009DD9B-5EE2-4C0D-8B2B-351C8C102205}"/>
               </a:ext>
               <a:ext uri="{C183D7F6-B498-43B3-948B-1728B52AA6E4}">
                 <adec:decorative xmlns:adec="http://schemas.microsoft.com/office/drawing/2017/decorative" val="1"/>
@@ -3606,10 +4353,253 @@
       </p:sp>
       <p:sp>
         <p:nvSpPr>
+          <p:cNvPr id="10" name="Rectangle 9">
+            <a:extLst>
+              <a:ext uri="{FF2B5EF4-FFF2-40B4-BE49-F238E27FC236}">
+                <a16:creationId xmlns:a16="http://schemas.microsoft.com/office/drawing/2014/main" id="{E720DB99-7745-4E75-9D96-AAB6D55C531E}"/>
+              </a:ext>
+              <a:ext uri="{C183D7F6-B498-43B3-948B-1728B52AA6E4}">
+                <adec:decorative xmlns:adec="http://schemas.microsoft.com/office/drawing/2017/decorative" val="1"/>
+              </a:ext>
+            </a:extLst>
+          </p:cNvPr>
+          <p:cNvSpPr>
+            <a:spLocks noGrp="1" noRot="1" noChangeAspect="1" noMove="1" noResize="1" noEditPoints="1" noAdjustHandles="1" noChangeArrowheads="1" noChangeShapeType="1" noTextEdit="1"/>
+          </p:cNvSpPr>
+          <p:nvPr>
+            <p:extLst>
+              <p:ext uri="{386F3935-93C4-4BCD-93E2-E3B085C9AB24}">
+                <p16:designElem xmlns:p16="http://schemas.microsoft.com/office/powerpoint/2015/main" val="1"/>
+              </p:ext>
+            </p:extLst>
+          </p:nvPr>
+        </p:nvSpPr>
+        <p:spPr>
+          <a:xfrm>
+            <a:off x="984504" y="464119"/>
+            <a:ext cx="10222992" cy="80683"/>
+          </a:xfrm>
+          <a:prstGeom prst="rect">
+            <a:avLst/>
+          </a:prstGeom>
+          <a:blipFill dpi="0" rotWithShape="1">
+            <a:blip r:embed="rId2">
+              <a:alphaModFix amt="85000"/>
+              <a:lum bright="70000" contrast="-70000"/>
+              <a:extLst>
+                <a:ext uri="{BEBA8EAE-BF5A-486C-A8C5-ECC9F3942E4B}">
+                  <a14:imgProps xmlns:a14="http://schemas.microsoft.com/office/drawing/2010/main">
+                    <a14:imgLayer r:embed="rId3">
+                      <a14:imgEffect>
+                        <a14:sharpenSoften amount="61000"/>
+                      </a14:imgEffect>
+                    </a14:imgLayer>
+                  </a14:imgProps>
+                </a:ext>
+                <a:ext uri="{28A0092B-C50C-407E-A947-70E740481C1C}">
+                  <a14:useLocalDpi xmlns:a14="http://schemas.microsoft.com/office/drawing/2010/main" val="0"/>
+                </a:ext>
+              </a:extLst>
+            </a:blip>
+            <a:srcRect/>
+            <a:tile tx="0" ty="-762000" sx="92000" sy="89000" flip="xy" algn="ctr"/>
+          </a:blipFill>
+          <a:ln>
+            <a:noFill/>
+          </a:ln>
+        </p:spPr>
+        <p:style>
+          <a:lnRef idx="2">
+            <a:schemeClr val="accent1">
+              <a:shade val="50000"/>
+            </a:schemeClr>
+          </a:lnRef>
+          <a:fillRef idx="1">
+            <a:schemeClr val="accent1"/>
+          </a:fillRef>
+          <a:effectRef idx="0">
+            <a:schemeClr val="accent1"/>
+          </a:effectRef>
+          <a:fontRef idx="minor">
+            <a:schemeClr val="lt1"/>
+          </a:fontRef>
+        </p:style>
+        <p:txBody>
+          <a:bodyPr/>
+          <a:lstStyle/>
+          <a:p>
+            <a:endParaRPr lang="en-US"/>
+          </a:p>
+        </p:txBody>
+      </p:sp>
+      <p:sp>
+        <p:nvSpPr>
+          <p:cNvPr id="12" name="Rectangle 11">
+            <a:extLst>
+              <a:ext uri="{FF2B5EF4-FFF2-40B4-BE49-F238E27FC236}">
+                <a16:creationId xmlns:a16="http://schemas.microsoft.com/office/drawing/2014/main" id="{D68803C4-E159-4360-B7BB-74205C8F782D}"/>
+              </a:ext>
+              <a:ext uri="{C183D7F6-B498-43B3-948B-1728B52AA6E4}">
+                <adec:decorative xmlns:adec="http://schemas.microsoft.com/office/drawing/2017/decorative" val="1"/>
+              </a:ext>
+            </a:extLst>
+          </p:cNvPr>
+          <p:cNvSpPr>
+            <a:spLocks noGrp="1" noRot="1" noChangeAspect="1" noMove="1" noResize="1" noEditPoints="1" noAdjustHandles="1" noChangeArrowheads="1" noChangeShapeType="1" noTextEdit="1"/>
+          </p:cNvSpPr>
+          <p:nvPr>
+            <p:extLst>
+              <p:ext uri="{386F3935-93C4-4BCD-93E2-E3B085C9AB24}">
+                <p16:designElem xmlns:p16="http://schemas.microsoft.com/office/powerpoint/2015/main" val="1"/>
+              </p:ext>
+            </p:extLst>
+          </p:nvPr>
+        </p:nvSpPr>
+        <p:spPr>
+          <a:xfrm>
+            <a:off x="984504" y="601952"/>
+            <a:ext cx="10222992" cy="1385874"/>
+          </a:xfrm>
+          <a:prstGeom prst="rect">
+            <a:avLst/>
+          </a:prstGeom>
+          <a:blipFill dpi="0" rotWithShape="1">
+            <a:blip r:embed="rId2">
+              <a:alphaModFix amt="85000"/>
+              <a:lum bright="70000" contrast="-70000"/>
+              <a:extLst>
+                <a:ext uri="{BEBA8EAE-BF5A-486C-A8C5-ECC9F3942E4B}">
+                  <a14:imgProps xmlns:a14="http://schemas.microsoft.com/office/drawing/2010/main">
+                    <a14:imgLayer r:embed="rId3">
+                      <a14:imgEffect>
+                        <a14:sharpenSoften amount="61000"/>
+                      </a14:imgEffect>
+                    </a14:imgLayer>
+                  </a14:imgProps>
+                </a:ext>
+                <a:ext uri="{28A0092B-C50C-407E-A947-70E740481C1C}">
+                  <a14:useLocalDpi xmlns:a14="http://schemas.microsoft.com/office/drawing/2010/main" val="0"/>
+                </a:ext>
+              </a:extLst>
+            </a:blip>
+            <a:srcRect/>
+            <a:tile tx="0" ty="-704850" sx="92000" sy="89000" flip="xy" algn="ctr"/>
+          </a:blipFill>
+          <a:ln>
+            <a:noFill/>
+          </a:ln>
+        </p:spPr>
+        <p:style>
+          <a:lnRef idx="2">
+            <a:schemeClr val="accent1">
+              <a:shade val="50000"/>
+            </a:schemeClr>
+          </a:lnRef>
+          <a:fillRef idx="1">
+            <a:schemeClr val="accent1"/>
+          </a:fillRef>
+          <a:effectRef idx="0">
+            <a:schemeClr val="accent1"/>
+          </a:effectRef>
+          <a:fontRef idx="minor">
+            <a:schemeClr val="lt1"/>
+          </a:fontRef>
+        </p:style>
+        <p:txBody>
+          <a:bodyPr/>
+          <a:lstStyle/>
+          <a:p>
+            <a:endParaRPr lang="en-US"/>
+          </a:p>
+        </p:txBody>
+      </p:sp>
+      <p:sp>
+        <p:nvSpPr>
+          <p:cNvPr id="14" name="Rectangle 13">
+            <a:extLst>
+              <a:ext uri="{FF2B5EF4-FFF2-40B4-BE49-F238E27FC236}">
+                <a16:creationId xmlns:a16="http://schemas.microsoft.com/office/drawing/2014/main" id="{504B0465-3B07-49BF-BEA7-D81476246293}"/>
+              </a:ext>
+              <a:ext uri="{C183D7F6-B498-43B3-948B-1728B52AA6E4}">
+                <adec:decorative xmlns:adec="http://schemas.microsoft.com/office/drawing/2017/decorative" val="1"/>
+              </a:ext>
+            </a:extLst>
+          </p:cNvPr>
+          <p:cNvSpPr>
+            <a:spLocks noGrp="1" noRot="1" noChangeAspect="1" noMove="1" noResize="1" noEditPoints="1" noAdjustHandles="1" noChangeArrowheads="1" noChangeShapeType="1" noTextEdit="1"/>
+          </p:cNvSpPr>
+          <p:nvPr>
+            <p:extLst>
+              <p:ext uri="{386F3935-93C4-4BCD-93E2-E3B085C9AB24}">
+                <p16:designElem xmlns:p16="http://schemas.microsoft.com/office/powerpoint/2015/main" val="1"/>
+              </p:ext>
+            </p:extLst>
+          </p:nvPr>
+        </p:nvSpPr>
+        <p:spPr>
+          <a:xfrm>
+            <a:off x="984504" y="2038655"/>
+            <a:ext cx="10222992" cy="80683"/>
+          </a:xfrm>
+          <a:prstGeom prst="rect">
+            <a:avLst/>
+          </a:prstGeom>
+          <a:blipFill dpi="0" rotWithShape="1">
+            <a:blip r:embed="rId2">
+              <a:alphaModFix amt="85000"/>
+              <a:lum bright="70000" contrast="-70000"/>
+              <a:extLst>
+                <a:ext uri="{BEBA8EAE-BF5A-486C-A8C5-ECC9F3942E4B}">
+                  <a14:imgProps xmlns:a14="http://schemas.microsoft.com/office/drawing/2010/main">
+                    <a14:imgLayer r:embed="rId3">
+                      <a14:imgEffect>
+                        <a14:sharpenSoften amount="61000"/>
+                      </a14:imgEffect>
+                    </a14:imgLayer>
+                  </a14:imgProps>
+                </a:ext>
+                <a:ext uri="{28A0092B-C50C-407E-A947-70E740481C1C}">
+                  <a14:useLocalDpi xmlns:a14="http://schemas.microsoft.com/office/drawing/2010/main" val="0"/>
+                </a:ext>
+              </a:extLst>
+            </a:blip>
+            <a:srcRect/>
+            <a:tile tx="0" ty="-717550" sx="92000" sy="89000" flip="xy" algn="ctr"/>
+          </a:blipFill>
+          <a:ln>
+            <a:noFill/>
+          </a:ln>
+        </p:spPr>
+        <p:style>
+          <a:lnRef idx="2">
+            <a:schemeClr val="accent1">
+              <a:shade val="50000"/>
+            </a:schemeClr>
+          </a:lnRef>
+          <a:fillRef idx="1">
+            <a:schemeClr val="accent1"/>
+          </a:fillRef>
+          <a:effectRef idx="0">
+            <a:schemeClr val="accent1"/>
+          </a:effectRef>
+          <a:fontRef idx="minor">
+            <a:schemeClr val="lt1"/>
+          </a:fontRef>
+        </p:style>
+        <p:txBody>
+          <a:bodyPr/>
+          <a:lstStyle/>
+          <a:p>
+            <a:endParaRPr lang="en-US"/>
+          </a:p>
+        </p:txBody>
+      </p:sp>
+      <p:sp>
+        <p:nvSpPr>
           <p:cNvPr id="2" name="Title 1">
             <a:extLst>
               <a:ext uri="{FF2B5EF4-FFF2-40B4-BE49-F238E27FC236}">
-                <a16:creationId xmlns:a16="http://schemas.microsoft.com/office/drawing/2014/main" id="{64091235-27AB-F472-CFB8-62EE45AFC0E4}"/>
+                <a16:creationId xmlns:a16="http://schemas.microsoft.com/office/drawing/2014/main" id="{E277CF38-EBD2-CF19-255D-22558754B223}"/>
               </a:ext>
             </a:extLst>
           </p:cNvPr>
@@ -3617,50 +4607,13 @@
             <a:spLocks noGrp="1"/>
           </p:cNvSpPr>
           <p:nvPr>
-            <p:ph type="ctrTitle"/>
+            <p:ph type="title"/>
           </p:nvPr>
         </p:nvSpPr>
         <p:spPr>
           <a:xfrm>
-            <a:off x="762000" y="743804"/>
-            <a:ext cx="4102609" cy="3793482"/>
-          </a:xfrm>
-        </p:spPr>
-        <p:txBody>
-          <a:bodyPr anchor="ctr">
-            <a:normAutofit/>
-          </a:bodyPr>
-          <a:lstStyle/>
-          <a:p>
-            <a:pPr algn="l"/>
-            <a:r>
-              <a:rPr lang="en-MY" dirty="0"/>
-              <a:t>HEAVY METAL TESTING</a:t>
-            </a:r>
-            <a:endParaRPr lang="en-US" dirty="0"/>
-          </a:p>
-        </p:txBody>
-      </p:sp>
-      <p:sp>
-        <p:nvSpPr>
-          <p:cNvPr id="3" name="Subtitle 2">
-            <a:extLst>
-              <a:ext uri="{FF2B5EF4-FFF2-40B4-BE49-F238E27FC236}">
-                <a16:creationId xmlns:a16="http://schemas.microsoft.com/office/drawing/2014/main" id="{53D2B236-293E-E389-F2F6-3EE175E4A1EF}"/>
-              </a:ext>
-            </a:extLst>
-          </p:cNvPr>
-          <p:cNvSpPr>
-            <a:spLocks noGrp="1"/>
-          </p:cNvSpPr>
-          <p:nvPr>
-            <p:ph type="subTitle" idx="1"/>
-          </p:nvPr>
-        </p:nvSpPr>
-        <p:spPr>
-          <a:xfrm>
-            <a:off x="762000" y="4691564"/>
-            <a:ext cx="4102609" cy="1422631"/>
+            <a:off x="1069848" y="484632"/>
+            <a:ext cx="10058400" cy="1609344"/>
           </a:xfrm>
         </p:spPr>
         <p:txBody>
@@ -3669,44 +4622,842 @@
           </a:bodyPr>
           <a:lstStyle/>
           <a:p>
-            <a:pPr algn="l"/>
-            <a:endParaRPr lang="en-US" dirty="0"/>
-          </a:p>
-        </p:txBody>
-      </p:sp>
-      <p:pic>
-        <p:nvPicPr>
-          <p:cNvPr id="4" name="Picture 3" descr="Abstract design of flower petals in pastel">
+            <a:r>
+              <a:rPr lang="en-MY" sz="6600" dirty="0"/>
+              <a:t>Ahli </a:t>
+            </a:r>
+            <a:r>
+              <a:rPr lang="en-MY" sz="6600" dirty="0" err="1"/>
+              <a:t>Anggota</a:t>
+            </a:r>
+            <a:endParaRPr lang="en-US" sz="6600" dirty="0"/>
+          </a:p>
+        </p:txBody>
+      </p:sp>
+      <p:sp>
+        <p:nvSpPr>
+          <p:cNvPr id="3" name="Content Placeholder 2">
             <a:extLst>
               <a:ext uri="{FF2B5EF4-FFF2-40B4-BE49-F238E27FC236}">
-                <a16:creationId xmlns:a16="http://schemas.microsoft.com/office/drawing/2014/main" id="{77CD9D79-31E8-9AE7-246C-E836BD406A6A}"/>
+                <a16:creationId xmlns:a16="http://schemas.microsoft.com/office/drawing/2014/main" id="{75C310FE-CAC1-74D3-14EB-5A31B77C3C97}"/>
               </a:ext>
             </a:extLst>
           </p:cNvPr>
-          <p:cNvPicPr>
-            <a:picLocks noChangeAspect="1"/>
-          </p:cNvPicPr>
-          <p:nvPr/>
-        </p:nvPicPr>
-        <p:blipFill>
-          <a:blip r:embed="rId2"/>
-          <a:srcRect l="27648" r="6998" b="2"/>
-          <a:stretch/>
-        </p:blipFill>
+          <p:cNvSpPr>
+            <a:spLocks noGrp="1"/>
+          </p:cNvSpPr>
+          <p:nvPr>
+            <p:ph idx="1"/>
+          </p:nvPr>
+        </p:nvSpPr>
         <p:spPr>
           <a:xfrm>
-            <a:off x="5349241" y="10"/>
-            <a:ext cx="6842759" cy="6857990"/>
+            <a:off x="1069848" y="2320412"/>
+            <a:ext cx="10058400" cy="3851787"/>
           </a:xfrm>
-          <a:prstGeom prst="rect">
+        </p:spPr>
+        <p:txBody>
+          <a:bodyPr>
+            <a:normAutofit/>
+          </a:bodyPr>
+          <a:lstStyle/>
+          <a:p>
+            <a:r>
+              <a:rPr lang="en-US" sz="1200" b="1" i="0" dirty="0">
+                <a:effectLst/>
+                <a:latin typeface="Arial" panose="020B0604020202020204" pitchFamily="34" charset="0"/>
+              </a:rPr>
+              <a:t>SITI NASOHA BINTI ARAS			(</a:t>
+            </a:r>
+            <a:r>
+              <a:rPr lang="en-US" sz="1200" b="1" i="0" dirty="0" err="1">
+                <a:effectLst/>
+                <a:latin typeface="Arial" panose="020B0604020202020204" pitchFamily="34" charset="0"/>
+              </a:rPr>
+              <a:t>Pegawai</a:t>
+            </a:r>
+            <a:r>
+              <a:rPr lang="en-US" sz="1200" b="1" i="0" dirty="0">
+                <a:effectLst/>
+                <a:latin typeface="Arial" panose="020B0604020202020204" pitchFamily="34" charset="0"/>
+              </a:rPr>
+              <a:t> </a:t>
+            </a:r>
+            <a:r>
+              <a:rPr lang="en-US" sz="1200" b="1" i="0" dirty="0" err="1">
+                <a:effectLst/>
+                <a:latin typeface="Arial" panose="020B0604020202020204" pitchFamily="34" charset="0"/>
+              </a:rPr>
+              <a:t>Farmasi</a:t>
+            </a:r>
+            <a:r>
+              <a:rPr lang="en-US" sz="1200" b="1" i="0" dirty="0">
+                <a:effectLst/>
+                <a:latin typeface="Arial" panose="020B0604020202020204" pitchFamily="34" charset="0"/>
+              </a:rPr>
+              <a:t> U13)</a:t>
+            </a:r>
+          </a:p>
+          <a:p>
+            <a:r>
+              <a:rPr lang="en-US" sz="1200" b="1" i="0" dirty="0">
+                <a:effectLst/>
+                <a:latin typeface="Arial" panose="020B0604020202020204" pitchFamily="34" charset="0"/>
+              </a:rPr>
+              <a:t>MUHAMMAD FAUZI BIN MOHD NOR</a:t>
+            </a:r>
+            <a:r>
+              <a:rPr lang="en-US" sz="1200" b="1" dirty="0">
+                <a:latin typeface="Arial" panose="020B0604020202020204" pitchFamily="34" charset="0"/>
+              </a:rPr>
+              <a:t>		</a:t>
+            </a:r>
+            <a:r>
+              <a:rPr lang="en-US" sz="1200" b="1" i="0" dirty="0">
+                <a:effectLst/>
+                <a:latin typeface="Arial" panose="020B0604020202020204" pitchFamily="34" charset="0"/>
+              </a:rPr>
+              <a:t>(</a:t>
+            </a:r>
+            <a:r>
+              <a:rPr lang="en-US" sz="1200" b="1" i="0" dirty="0" err="1">
+                <a:effectLst/>
+                <a:latin typeface="Arial" panose="020B0604020202020204" pitchFamily="34" charset="0"/>
+              </a:rPr>
+              <a:t>Pegawai</a:t>
+            </a:r>
+            <a:r>
+              <a:rPr lang="en-US" sz="1200" b="1" i="0" dirty="0">
+                <a:effectLst/>
+                <a:latin typeface="Arial" panose="020B0604020202020204" pitchFamily="34" charset="0"/>
+              </a:rPr>
+              <a:t> </a:t>
+            </a:r>
+            <a:r>
+              <a:rPr lang="en-US" sz="1200" b="1" i="0" dirty="0" err="1">
+                <a:effectLst/>
+                <a:latin typeface="Arial" panose="020B0604020202020204" pitchFamily="34" charset="0"/>
+              </a:rPr>
+              <a:t>Farmasi</a:t>
+            </a:r>
+            <a:r>
+              <a:rPr lang="en-US" sz="1200" b="1" i="0" dirty="0">
+                <a:effectLst/>
+                <a:latin typeface="Arial" panose="020B0604020202020204" pitchFamily="34" charset="0"/>
+              </a:rPr>
+              <a:t> U12)</a:t>
+            </a:r>
+            <a:endParaRPr lang="en-US" sz="1200" b="1" dirty="0">
+              <a:latin typeface="Arial" panose="020B0604020202020204" pitchFamily="34" charset="0"/>
+            </a:endParaRPr>
+          </a:p>
+          <a:p>
+            <a:r>
+              <a:rPr lang="en-US" sz="1200" b="1" i="0" dirty="0">
+                <a:effectLst/>
+                <a:latin typeface="Arial" panose="020B0604020202020204" pitchFamily="34" charset="0"/>
+              </a:rPr>
+              <a:t>SHAMALA A/P ARUMUGAM	 		(</a:t>
+            </a:r>
+            <a:r>
+              <a:rPr lang="en-US" sz="1200" b="1" i="0" dirty="0" err="1">
+                <a:effectLst/>
+                <a:latin typeface="Arial" panose="020B0604020202020204" pitchFamily="34" charset="0"/>
+              </a:rPr>
+              <a:t>Penolong</a:t>
+            </a:r>
+            <a:r>
+              <a:rPr lang="en-US" sz="1200" b="1" i="0" dirty="0">
+                <a:effectLst/>
+                <a:latin typeface="Arial" panose="020B0604020202020204" pitchFamily="34" charset="0"/>
+              </a:rPr>
+              <a:t> </a:t>
+            </a:r>
+            <a:r>
+              <a:rPr lang="en-US" sz="1200" b="1" i="0" dirty="0" err="1">
+                <a:effectLst/>
+                <a:latin typeface="Arial" panose="020B0604020202020204" pitchFamily="34" charset="0"/>
+              </a:rPr>
+              <a:t>Pegawai</a:t>
+            </a:r>
+            <a:r>
+              <a:rPr lang="en-US" sz="1200" b="1" i="0" dirty="0">
+                <a:effectLst/>
+                <a:latin typeface="Arial" panose="020B0604020202020204" pitchFamily="34" charset="0"/>
+              </a:rPr>
+              <a:t> </a:t>
+            </a:r>
+            <a:r>
+              <a:rPr lang="en-US" sz="1200" b="1" i="0" dirty="0" err="1">
+                <a:effectLst/>
+                <a:latin typeface="Arial" panose="020B0604020202020204" pitchFamily="34" charset="0"/>
+              </a:rPr>
+              <a:t>Farmasi</a:t>
+            </a:r>
+            <a:r>
+              <a:rPr lang="en-US" sz="1200" b="1" i="0" dirty="0">
+                <a:effectLst/>
+                <a:latin typeface="Arial" panose="020B0604020202020204" pitchFamily="34" charset="0"/>
+              </a:rPr>
+              <a:t> U7)</a:t>
+            </a:r>
+          </a:p>
+          <a:p>
+            <a:r>
+              <a:rPr lang="en-US" sz="1200" b="1" i="0" dirty="0">
+                <a:effectLst/>
+                <a:latin typeface="Arial" panose="020B0604020202020204" pitchFamily="34" charset="0"/>
+              </a:rPr>
+              <a:t>NOR HANANI LAMRI		 		(</a:t>
+            </a:r>
+            <a:r>
+              <a:rPr lang="en-US" sz="1200" b="1" i="0" dirty="0" err="1">
+                <a:effectLst/>
+                <a:latin typeface="Arial" panose="020B0604020202020204" pitchFamily="34" charset="0"/>
+              </a:rPr>
+              <a:t>Penolong</a:t>
+            </a:r>
+            <a:r>
+              <a:rPr lang="en-US" sz="1200" b="1" i="0" dirty="0">
+                <a:effectLst/>
+                <a:latin typeface="Arial" panose="020B0604020202020204" pitchFamily="34" charset="0"/>
+              </a:rPr>
+              <a:t> </a:t>
+            </a:r>
+            <a:r>
+              <a:rPr lang="en-US" sz="1200" b="1" i="0" dirty="0" err="1">
+                <a:effectLst/>
+                <a:latin typeface="Arial" panose="020B0604020202020204" pitchFamily="34" charset="0"/>
+              </a:rPr>
+              <a:t>Pegawai</a:t>
+            </a:r>
+            <a:r>
+              <a:rPr lang="en-US" sz="1200" b="1" i="0" dirty="0">
+                <a:effectLst/>
+                <a:latin typeface="Arial" panose="020B0604020202020204" pitchFamily="34" charset="0"/>
+              </a:rPr>
+              <a:t> </a:t>
+            </a:r>
+            <a:r>
+              <a:rPr lang="en-US" sz="1200" b="1" i="0" dirty="0" err="1">
+                <a:effectLst/>
+                <a:latin typeface="Arial" panose="020B0604020202020204" pitchFamily="34" charset="0"/>
+              </a:rPr>
+              <a:t>Farmasi</a:t>
+            </a:r>
+            <a:r>
+              <a:rPr lang="en-US" sz="1200" b="1" i="0" dirty="0">
+                <a:effectLst/>
+                <a:latin typeface="Arial" panose="020B0604020202020204" pitchFamily="34" charset="0"/>
+              </a:rPr>
+              <a:t> U6) </a:t>
+            </a:r>
+          </a:p>
+          <a:p>
+            <a:r>
+              <a:rPr lang="de-DE" sz="1200" b="1" i="0" dirty="0">
+                <a:effectLst/>
+                <a:latin typeface="Arial" panose="020B0604020202020204" pitchFamily="34" charset="0"/>
+              </a:rPr>
+              <a:t>PERMIT KAUR A/P MEHINDER SINGH		</a:t>
+            </a:r>
+            <a:r>
+              <a:rPr lang="en-US" sz="1200" b="1" i="0" dirty="0">
+                <a:effectLst/>
+                <a:latin typeface="Arial" panose="020B0604020202020204" pitchFamily="34" charset="0"/>
+              </a:rPr>
+              <a:t>(</a:t>
+            </a:r>
+            <a:r>
+              <a:rPr lang="en-US" sz="1200" b="1" i="0" dirty="0" err="1">
+                <a:effectLst/>
+                <a:latin typeface="Arial" panose="020B0604020202020204" pitchFamily="34" charset="0"/>
+              </a:rPr>
+              <a:t>Penolong</a:t>
+            </a:r>
+            <a:r>
+              <a:rPr lang="en-US" sz="1200" b="1" i="0" dirty="0">
+                <a:effectLst/>
+                <a:latin typeface="Arial" panose="020B0604020202020204" pitchFamily="34" charset="0"/>
+              </a:rPr>
+              <a:t> </a:t>
+            </a:r>
+            <a:r>
+              <a:rPr lang="en-US" sz="1200" b="1" i="0" dirty="0" err="1">
+                <a:effectLst/>
+                <a:latin typeface="Arial" panose="020B0604020202020204" pitchFamily="34" charset="0"/>
+              </a:rPr>
+              <a:t>Pegawai</a:t>
+            </a:r>
+            <a:r>
+              <a:rPr lang="en-US" sz="1200" b="1" i="0" dirty="0">
+                <a:effectLst/>
+                <a:latin typeface="Arial" panose="020B0604020202020204" pitchFamily="34" charset="0"/>
+              </a:rPr>
+              <a:t> </a:t>
+            </a:r>
+            <a:r>
+              <a:rPr lang="en-US" sz="1200" b="1" i="0" dirty="0" err="1">
+                <a:effectLst/>
+                <a:latin typeface="Arial" panose="020B0604020202020204" pitchFamily="34" charset="0"/>
+              </a:rPr>
+              <a:t>Farmasi</a:t>
+            </a:r>
+            <a:r>
+              <a:rPr lang="en-US" sz="1200" b="1" i="0" dirty="0">
+                <a:effectLst/>
+                <a:latin typeface="Arial" panose="020B0604020202020204" pitchFamily="34" charset="0"/>
+              </a:rPr>
+              <a:t> U5)</a:t>
+            </a:r>
+            <a:endParaRPr lang="de-DE" sz="1200" b="1" i="0" dirty="0">
+              <a:effectLst/>
+              <a:latin typeface="Arial" panose="020B0604020202020204" pitchFamily="34" charset="0"/>
+            </a:endParaRPr>
+          </a:p>
+          <a:p>
+            <a:r>
+              <a:rPr lang="en-US" sz="1200" b="1" i="0" dirty="0">
+                <a:effectLst/>
+                <a:latin typeface="Arial" panose="020B0604020202020204" pitchFamily="34" charset="0"/>
+              </a:rPr>
+              <a:t>NORDIYANA BINTI SAMSUDIN	 		(</a:t>
+            </a:r>
+            <a:r>
+              <a:rPr lang="en-US" sz="1200" b="1" i="0" dirty="0" err="1">
+                <a:effectLst/>
+                <a:latin typeface="Arial" panose="020B0604020202020204" pitchFamily="34" charset="0"/>
+              </a:rPr>
+              <a:t>Penolong</a:t>
+            </a:r>
+            <a:r>
+              <a:rPr lang="en-US" sz="1200" b="1" i="0" dirty="0">
+                <a:effectLst/>
+                <a:latin typeface="Arial" panose="020B0604020202020204" pitchFamily="34" charset="0"/>
+              </a:rPr>
+              <a:t> </a:t>
+            </a:r>
+            <a:r>
+              <a:rPr lang="en-US" sz="1200" b="1" i="0" dirty="0" err="1">
+                <a:effectLst/>
+                <a:latin typeface="Arial" panose="020B0604020202020204" pitchFamily="34" charset="0"/>
+              </a:rPr>
+              <a:t>Pegawai</a:t>
+            </a:r>
+            <a:r>
+              <a:rPr lang="en-US" sz="1200" b="1" i="0" dirty="0">
+                <a:effectLst/>
+                <a:latin typeface="Arial" panose="020B0604020202020204" pitchFamily="34" charset="0"/>
+              </a:rPr>
+              <a:t> </a:t>
+            </a:r>
+            <a:r>
+              <a:rPr lang="en-US" sz="1200" b="1" i="0" dirty="0" err="1">
+                <a:effectLst/>
+                <a:latin typeface="Arial" panose="020B0604020202020204" pitchFamily="34" charset="0"/>
+              </a:rPr>
+              <a:t>Farmasi</a:t>
+            </a:r>
+            <a:r>
+              <a:rPr lang="en-US" sz="1200" b="1" i="0" dirty="0">
+                <a:effectLst/>
+                <a:latin typeface="Arial" panose="020B0604020202020204" pitchFamily="34" charset="0"/>
+              </a:rPr>
+              <a:t> U6)</a:t>
+            </a:r>
+            <a:endParaRPr lang="de-DE" sz="1200" b="1" dirty="0">
+              <a:latin typeface="Arial" panose="020B0604020202020204" pitchFamily="34" charset="0"/>
+            </a:endParaRPr>
+          </a:p>
+          <a:p>
+            <a:r>
+              <a:rPr lang="en-US" sz="1200" b="1" i="0" dirty="0">
+                <a:effectLst/>
+                <a:latin typeface="Arial" panose="020B0604020202020204" pitchFamily="34" charset="0"/>
+              </a:rPr>
+              <a:t>MOHD IQBAL FARIQ BIN IBRAHIM</a:t>
+            </a:r>
+            <a:r>
+              <a:rPr lang="en-US" sz="1200" b="1" dirty="0">
+                <a:latin typeface="Arial" panose="020B0604020202020204" pitchFamily="34" charset="0"/>
+              </a:rPr>
+              <a:t>			</a:t>
+            </a:r>
+            <a:r>
+              <a:rPr lang="en-US" sz="1200" b="1" i="0" dirty="0">
+                <a:effectLst/>
+                <a:latin typeface="Arial" panose="020B0604020202020204" pitchFamily="34" charset="0"/>
+              </a:rPr>
+              <a:t>(</a:t>
+            </a:r>
+            <a:r>
+              <a:rPr lang="en-US" sz="1200" b="1" i="0" dirty="0" err="1">
+                <a:effectLst/>
+                <a:latin typeface="Arial" panose="020B0604020202020204" pitchFamily="34" charset="0"/>
+              </a:rPr>
+              <a:t>Penolong</a:t>
+            </a:r>
+            <a:r>
+              <a:rPr lang="en-US" sz="1200" b="1" i="0" dirty="0">
+                <a:effectLst/>
+                <a:latin typeface="Arial" panose="020B0604020202020204" pitchFamily="34" charset="0"/>
+              </a:rPr>
+              <a:t> </a:t>
+            </a:r>
+            <a:r>
+              <a:rPr lang="en-US" sz="1200" b="1" i="0" dirty="0" err="1">
+                <a:effectLst/>
+                <a:latin typeface="Arial" panose="020B0604020202020204" pitchFamily="34" charset="0"/>
+              </a:rPr>
+              <a:t>Pegawai</a:t>
+            </a:r>
+            <a:r>
+              <a:rPr lang="en-US" sz="1200" b="1" i="0" dirty="0">
+                <a:effectLst/>
+                <a:latin typeface="Arial" panose="020B0604020202020204" pitchFamily="34" charset="0"/>
+              </a:rPr>
+              <a:t> </a:t>
+            </a:r>
+            <a:r>
+              <a:rPr lang="en-US" sz="1200" b="1" i="0" dirty="0" err="1">
+                <a:effectLst/>
+                <a:latin typeface="Arial" panose="020B0604020202020204" pitchFamily="34" charset="0"/>
+              </a:rPr>
+              <a:t>Farmasi</a:t>
+            </a:r>
+            <a:r>
+              <a:rPr lang="en-US" sz="1200" b="1" i="0" dirty="0">
+                <a:effectLst/>
+                <a:latin typeface="Arial" panose="020B0604020202020204" pitchFamily="34" charset="0"/>
+              </a:rPr>
+              <a:t> U5)</a:t>
+            </a:r>
+            <a:endParaRPr lang="de-DE" sz="1200" b="1" i="0" dirty="0">
+              <a:effectLst/>
+              <a:latin typeface="Arial" panose="020B0604020202020204" pitchFamily="34" charset="0"/>
+            </a:endParaRPr>
+          </a:p>
+          <a:p>
+            <a:r>
+              <a:rPr lang="en-US" sz="1200" b="1" i="0" dirty="0">
+                <a:effectLst/>
+                <a:latin typeface="Arial" panose="020B0604020202020204" pitchFamily="34" charset="0"/>
+              </a:rPr>
+              <a:t>MOHD AMIR SYARIFUDDIN BIN AZMI		(</a:t>
+            </a:r>
+            <a:r>
+              <a:rPr lang="en-US" sz="1200" b="1" i="0" dirty="0" err="1">
+                <a:effectLst/>
+                <a:latin typeface="Arial" panose="020B0604020202020204" pitchFamily="34" charset="0"/>
+              </a:rPr>
+              <a:t>Penolong</a:t>
+            </a:r>
+            <a:r>
+              <a:rPr lang="en-US" sz="1200" b="1" i="0" dirty="0">
+                <a:effectLst/>
+                <a:latin typeface="Arial" panose="020B0604020202020204" pitchFamily="34" charset="0"/>
+              </a:rPr>
+              <a:t> </a:t>
+            </a:r>
+            <a:r>
+              <a:rPr lang="en-US" sz="1200" b="1" i="0" dirty="0" err="1">
+                <a:effectLst/>
+                <a:latin typeface="Arial" panose="020B0604020202020204" pitchFamily="34" charset="0"/>
+              </a:rPr>
+              <a:t>Pegawai</a:t>
+            </a:r>
+            <a:r>
+              <a:rPr lang="en-US" sz="1200" b="1" i="0" dirty="0">
+                <a:effectLst/>
+                <a:latin typeface="Arial" panose="020B0604020202020204" pitchFamily="34" charset="0"/>
+              </a:rPr>
+              <a:t> </a:t>
+            </a:r>
+            <a:r>
+              <a:rPr lang="en-US" sz="1200" b="1" i="0" dirty="0" err="1">
+                <a:effectLst/>
+                <a:latin typeface="Arial" panose="020B0604020202020204" pitchFamily="34" charset="0"/>
+              </a:rPr>
+              <a:t>Farmasi</a:t>
+            </a:r>
+            <a:r>
+              <a:rPr lang="en-US" sz="1200" b="1" i="0" dirty="0">
+                <a:effectLst/>
+                <a:latin typeface="Arial" panose="020B0604020202020204" pitchFamily="34" charset="0"/>
+              </a:rPr>
+              <a:t> U6)</a:t>
+            </a:r>
+            <a:endParaRPr lang="de-DE" sz="1200" b="1" dirty="0">
+              <a:latin typeface="Arial" panose="020B0604020202020204" pitchFamily="34" charset="0"/>
+            </a:endParaRPr>
+          </a:p>
+          <a:p>
+            <a:r>
+              <a:rPr lang="en-US" sz="1200" b="1" i="0" dirty="0">
+                <a:effectLst/>
+                <a:latin typeface="Arial" panose="020B0604020202020204" pitchFamily="34" charset="0"/>
+              </a:rPr>
+              <a:t>NURUL ASYIKIN BINTI ABD RAHIM			(</a:t>
+            </a:r>
+            <a:r>
+              <a:rPr lang="en-US" sz="1200" b="1" i="0" dirty="0" err="1">
+                <a:effectLst/>
+                <a:latin typeface="Arial" panose="020B0604020202020204" pitchFamily="34" charset="0"/>
+              </a:rPr>
+              <a:t>Penolong</a:t>
+            </a:r>
+            <a:r>
+              <a:rPr lang="en-US" sz="1200" b="1" i="0" dirty="0">
+                <a:effectLst/>
+                <a:latin typeface="Arial" panose="020B0604020202020204" pitchFamily="34" charset="0"/>
+              </a:rPr>
+              <a:t> </a:t>
+            </a:r>
+            <a:r>
+              <a:rPr lang="en-US" sz="1200" b="1" i="0" dirty="0" err="1">
+                <a:effectLst/>
+                <a:latin typeface="Arial" panose="020B0604020202020204" pitchFamily="34" charset="0"/>
+              </a:rPr>
+              <a:t>Pegawai</a:t>
+            </a:r>
+            <a:r>
+              <a:rPr lang="en-US" sz="1200" b="1" i="0" dirty="0">
+                <a:effectLst/>
+                <a:latin typeface="Arial" panose="020B0604020202020204" pitchFamily="34" charset="0"/>
+              </a:rPr>
+              <a:t> </a:t>
+            </a:r>
+            <a:r>
+              <a:rPr lang="en-US" sz="1200" b="1" i="0" dirty="0" err="1">
+                <a:effectLst/>
+                <a:latin typeface="Arial" panose="020B0604020202020204" pitchFamily="34" charset="0"/>
+              </a:rPr>
+              <a:t>Farmasi</a:t>
+            </a:r>
+            <a:r>
+              <a:rPr lang="en-US" sz="1200" b="1" i="0" dirty="0">
+                <a:effectLst/>
+                <a:latin typeface="Arial" panose="020B0604020202020204" pitchFamily="34" charset="0"/>
+              </a:rPr>
+              <a:t> U6)</a:t>
+            </a:r>
+            <a:endParaRPr lang="de-DE" sz="1200" b="1" i="0" dirty="0">
+              <a:effectLst/>
+              <a:latin typeface="Arial" panose="020B0604020202020204" pitchFamily="34" charset="0"/>
+            </a:endParaRPr>
+          </a:p>
+          <a:p>
+            <a:r>
+              <a:rPr lang="en-US" sz="1200" b="1" i="0" dirty="0">
+                <a:effectLst/>
+                <a:latin typeface="Arial" panose="020B0604020202020204" pitchFamily="34" charset="0"/>
+              </a:rPr>
+              <a:t>SYARIEF AZMAN BIN ROSLI	 		(</a:t>
+            </a:r>
+            <a:r>
+              <a:rPr lang="en-US" sz="1200" b="1" i="0" dirty="0" err="1">
+                <a:effectLst/>
+                <a:latin typeface="Arial" panose="020B0604020202020204" pitchFamily="34" charset="0"/>
+              </a:rPr>
+              <a:t>Penolong</a:t>
+            </a:r>
+            <a:r>
+              <a:rPr lang="en-US" sz="1200" b="1" i="0" dirty="0">
+                <a:effectLst/>
+                <a:latin typeface="Arial" panose="020B0604020202020204" pitchFamily="34" charset="0"/>
+              </a:rPr>
+              <a:t> </a:t>
+            </a:r>
+            <a:r>
+              <a:rPr lang="en-US" sz="1200" b="1" i="0" dirty="0" err="1">
+                <a:effectLst/>
+                <a:latin typeface="Arial" panose="020B0604020202020204" pitchFamily="34" charset="0"/>
+              </a:rPr>
+              <a:t>Pegawai</a:t>
+            </a:r>
+            <a:r>
+              <a:rPr lang="en-US" sz="1200" b="1" i="0" dirty="0">
+                <a:effectLst/>
+                <a:latin typeface="Arial" panose="020B0604020202020204" pitchFamily="34" charset="0"/>
+              </a:rPr>
+              <a:t> </a:t>
+            </a:r>
+            <a:r>
+              <a:rPr lang="en-US" sz="1200" b="1" i="0" dirty="0" err="1">
+                <a:effectLst/>
+                <a:latin typeface="Arial" panose="020B0604020202020204" pitchFamily="34" charset="0"/>
+              </a:rPr>
+              <a:t>Farmasi</a:t>
+            </a:r>
+            <a:r>
+              <a:rPr lang="en-US" sz="1200" b="1" i="0" dirty="0">
+                <a:effectLst/>
+                <a:latin typeface="Arial" panose="020B0604020202020204" pitchFamily="34" charset="0"/>
+              </a:rPr>
+              <a:t> U5)</a:t>
+            </a:r>
+          </a:p>
+          <a:p>
+            <a:r>
+              <a:rPr lang="en-US" sz="1200" b="1" i="0" dirty="0">
+                <a:effectLst/>
+                <a:latin typeface="Arial" panose="020B0604020202020204" pitchFamily="34" charset="0"/>
+              </a:rPr>
+              <a:t>SITI MAISARAH ALIYAH BINTI MD.KHAIRUDDIN 	(</a:t>
+            </a:r>
+            <a:r>
+              <a:rPr lang="en-US" sz="1200" b="1" i="0" dirty="0" err="1">
+                <a:effectLst/>
+                <a:latin typeface="Arial" panose="020B0604020202020204" pitchFamily="34" charset="0"/>
+              </a:rPr>
+              <a:t>Penolong</a:t>
+            </a:r>
+            <a:r>
+              <a:rPr lang="en-US" sz="1200" b="1" i="0" dirty="0">
+                <a:effectLst/>
+                <a:latin typeface="Arial" panose="020B0604020202020204" pitchFamily="34" charset="0"/>
+              </a:rPr>
+              <a:t> </a:t>
+            </a:r>
+            <a:r>
+              <a:rPr lang="en-US" sz="1200" b="1" i="0" dirty="0" err="1">
+                <a:effectLst/>
+                <a:latin typeface="Arial" panose="020B0604020202020204" pitchFamily="34" charset="0"/>
+              </a:rPr>
+              <a:t>Pegawai</a:t>
+            </a:r>
+            <a:r>
+              <a:rPr lang="en-US" sz="1200" b="1" i="0" dirty="0">
+                <a:effectLst/>
+                <a:latin typeface="Arial" panose="020B0604020202020204" pitchFamily="34" charset="0"/>
+              </a:rPr>
+              <a:t> </a:t>
+            </a:r>
+            <a:r>
+              <a:rPr lang="en-US" sz="1200" b="1" i="0" dirty="0" err="1">
+                <a:effectLst/>
+                <a:latin typeface="Arial" panose="020B0604020202020204" pitchFamily="34" charset="0"/>
+              </a:rPr>
+              <a:t>Farmasi</a:t>
+            </a:r>
+            <a:r>
+              <a:rPr lang="en-US" sz="1200" b="1" i="0" dirty="0">
+                <a:effectLst/>
+                <a:latin typeface="Arial" panose="020B0604020202020204" pitchFamily="34" charset="0"/>
+              </a:rPr>
+              <a:t> U5)</a:t>
+            </a:r>
+          </a:p>
+          <a:p>
+            <a:r>
+              <a:rPr lang="en-US" sz="1200" b="1" i="0" dirty="0">
+                <a:effectLst/>
+                <a:latin typeface="Arial" panose="020B0604020202020204" pitchFamily="34" charset="0"/>
+              </a:rPr>
+              <a:t>MOHD SHAHIR BIN OTHMAN			(</a:t>
+            </a:r>
+            <a:r>
+              <a:rPr lang="en-US" sz="1200" b="1" i="0" dirty="0" err="1">
+                <a:effectLst/>
+                <a:latin typeface="Arial" panose="020B0604020202020204" pitchFamily="34" charset="0"/>
+              </a:rPr>
+              <a:t>Pembantu</a:t>
+            </a:r>
+            <a:r>
+              <a:rPr lang="en-US" sz="1200" b="1" i="0" dirty="0">
+                <a:effectLst/>
+                <a:latin typeface="Arial" panose="020B0604020202020204" pitchFamily="34" charset="0"/>
+              </a:rPr>
+              <a:t> </a:t>
+            </a:r>
+            <a:r>
+              <a:rPr lang="en-US" sz="1200" b="1" i="0" dirty="0" err="1">
+                <a:effectLst/>
+                <a:latin typeface="Arial" panose="020B0604020202020204" pitchFamily="34" charset="0"/>
+              </a:rPr>
+              <a:t>Perawatan</a:t>
+            </a:r>
+            <a:r>
+              <a:rPr lang="en-US" sz="1200" b="1" i="0" dirty="0">
+                <a:effectLst/>
+                <a:latin typeface="Arial" panose="020B0604020202020204" pitchFamily="34" charset="0"/>
+              </a:rPr>
+              <a:t> Kesihatan U1)</a:t>
+            </a:r>
+            <a:endParaRPr lang="en-US" sz="1200" dirty="0"/>
+          </a:p>
+        </p:txBody>
+      </p:sp>
+      <p:sp>
+        <p:nvSpPr>
+          <p:cNvPr id="16" name="Oval 15">
+            <a:extLst>
+              <a:ext uri="{FF2B5EF4-FFF2-40B4-BE49-F238E27FC236}">
+                <a16:creationId xmlns:a16="http://schemas.microsoft.com/office/drawing/2014/main" id="{49B7FFA5-14CB-4A4F-9BCC-CA3AA5D9D276}"/>
+              </a:ext>
+              <a:ext uri="{C183D7F6-B498-43B3-948B-1728B52AA6E4}">
+                <adec:decorative xmlns:adec="http://schemas.microsoft.com/office/drawing/2017/decorative" val="1"/>
+              </a:ext>
+            </a:extLst>
+          </p:cNvPr>
+          <p:cNvSpPr>
+            <a:spLocks noGrp="1" noRot="1" noChangeAspect="1" noMove="1" noResize="1" noEditPoints="1" noAdjustHandles="1" noChangeArrowheads="1" noChangeShapeType="1" noTextEdit="1"/>
+          </p:cNvSpPr>
+          <p:nvPr>
+            <p:extLst>
+              <p:ext uri="{386F3935-93C4-4BCD-93E2-E3B085C9AB24}">
+                <p16:designElem xmlns:p16="http://schemas.microsoft.com/office/powerpoint/2015/main" val="1"/>
+              </p:ext>
+            </p:extLst>
+          </p:nvPr>
+        </p:nvSpPr>
+        <p:spPr>
+          <a:xfrm>
+            <a:off x="11401725" y="6229681"/>
+            <a:ext cx="457200" cy="457200"/>
+          </a:xfrm>
+          <a:prstGeom prst="ellipse">
             <a:avLst/>
           </a:prstGeom>
+          <a:blipFill dpi="0" rotWithShape="1">
+            <a:blip r:embed="rId4">
+              <a:duotone>
+                <a:schemeClr val="accent1">
+                  <a:shade val="45000"/>
+                  <a:satMod val="135000"/>
+                </a:schemeClr>
+                <a:prstClr val="white"/>
+              </a:duotone>
+            </a:blip>
+            <a:srcRect/>
+            <a:tile tx="50800" ty="0" sx="85000" sy="85000" flip="none" algn="tl"/>
+          </a:blipFill>
+          <a:ln w="25400" cap="flat" cmpd="sng" algn="ctr">
+            <a:noFill/>
+            <a:prstDash val="solid"/>
+          </a:ln>
+          <a:effectLst/>
         </p:spPr>
-      </p:pic>
+        <p:txBody>
+          <a:bodyPr lIns="0" tIns="0" rIns="0" bIns="0" rtlCol="0" anchor="ctr"/>
+          <a:lstStyle/>
+          <a:p>
+            <a:pPr marL="0" marR="0" lvl="0" indent="0" algn="ctr" defTabSz="914400" eaLnBrk="1" fontAlgn="auto" latinLnBrk="0" hangingPunct="1">
+              <a:lnSpc>
+                <a:spcPct val="100000"/>
+              </a:lnSpc>
+              <a:spcBef>
+                <a:spcPts val="0"/>
+              </a:spcBef>
+              <a:spcAft>
+                <a:spcPts val="0"/>
+              </a:spcAft>
+              <a:buClrTx/>
+              <a:buSzTx/>
+              <a:buFontTx/>
+              <a:buNone/>
+              <a:tabLst/>
+              <a:defRPr/>
+            </a:pPr>
+            <a:endParaRPr kumimoji="0" lang="en-US" sz="2000" b="0" i="0" u="none" strike="noStrike" kern="0" cap="none" spc="0" normalizeH="0" baseline="0" noProof="0" dirty="0">
+              <a:ln>
+                <a:noFill/>
+              </a:ln>
+              <a:solidFill>
+                <a:prstClr val="white"/>
+              </a:solidFill>
+              <a:effectLst/>
+              <a:uLnTx/>
+              <a:uFillTx/>
+              <a:latin typeface="Rockwell Extra Bold" pitchFamily="18" charset="0"/>
+              <a:ea typeface="+mn-ea"/>
+              <a:cs typeface="+mn-cs"/>
+            </a:endParaRPr>
+          </a:p>
+        </p:txBody>
+      </p:sp>
+      <p:sp>
+        <p:nvSpPr>
+          <p:cNvPr id="18" name="Oval 17">
+            <a:extLst>
+              <a:ext uri="{FF2B5EF4-FFF2-40B4-BE49-F238E27FC236}">
+                <a16:creationId xmlns:a16="http://schemas.microsoft.com/office/drawing/2014/main" id="{04E48745-7512-4EC2-9E20-9092D12150CA}"/>
+              </a:ext>
+              <a:ext uri="{C183D7F6-B498-43B3-948B-1728B52AA6E4}">
+                <adec:decorative xmlns:adec="http://schemas.microsoft.com/office/drawing/2017/decorative" val="1"/>
+              </a:ext>
+            </a:extLst>
+          </p:cNvPr>
+          <p:cNvSpPr>
+            <a:spLocks noGrp="1" noRot="1" noChangeAspect="1" noMove="1" noResize="1" noEditPoints="1" noAdjustHandles="1" noChangeArrowheads="1" noChangeShapeType="1" noTextEdit="1"/>
+          </p:cNvSpPr>
+          <p:nvPr>
+            <p:extLst>
+              <p:ext uri="{386F3935-93C4-4BCD-93E2-E3B085C9AB24}">
+                <p16:designElem xmlns:p16="http://schemas.microsoft.com/office/powerpoint/2015/main" val="1"/>
+              </p:ext>
+            </p:extLst>
+          </p:nvPr>
+        </p:nvSpPr>
+        <p:spPr>
+          <a:xfrm>
+            <a:off x="11430918" y="6258874"/>
+            <a:ext cx="398813" cy="398815"/>
+          </a:xfrm>
+          <a:prstGeom prst="ellipse">
+            <a:avLst/>
+          </a:prstGeom>
+          <a:noFill/>
+          <a:ln w="12700" cap="flat" cmpd="sng" algn="ctr">
+            <a:solidFill>
+              <a:srgbClr val="FFFFFF"/>
+            </a:solidFill>
+            <a:prstDash val="solid"/>
+          </a:ln>
+          <a:effectLst/>
+        </p:spPr>
+        <p:txBody>
+          <a:bodyPr rtlCol="0" anchor="ctr"/>
+          <a:lstStyle/>
+          <a:p>
+            <a:pPr marL="0" marR="0" lvl="0" indent="0" algn="ctr" defTabSz="914400" eaLnBrk="1" fontAlgn="auto" latinLnBrk="0" hangingPunct="1">
+              <a:lnSpc>
+                <a:spcPct val="100000"/>
+              </a:lnSpc>
+              <a:spcBef>
+                <a:spcPts val="0"/>
+              </a:spcBef>
+              <a:spcAft>
+                <a:spcPts val="0"/>
+              </a:spcAft>
+              <a:buClrTx/>
+              <a:buSzTx/>
+              <a:buFontTx/>
+              <a:buNone/>
+              <a:tabLst/>
+              <a:defRPr/>
+            </a:pPr>
+            <a:endParaRPr kumimoji="0" lang="en-US" sz="1800" b="0" i="0" u="none" strike="noStrike" kern="0" cap="none" spc="0" normalizeH="0" baseline="0" noProof="0" dirty="0">
+              <a:ln>
+                <a:noFill/>
+              </a:ln>
+              <a:solidFill>
+                <a:prstClr val="white"/>
+              </a:solidFill>
+              <a:effectLst/>
+              <a:uLnTx/>
+              <a:uFillTx/>
+              <a:latin typeface="Calibri"/>
+              <a:ea typeface="+mn-ea"/>
+              <a:cs typeface="+mn-cs"/>
+            </a:endParaRPr>
+          </a:p>
+        </p:txBody>
+      </p:sp>
     </p:spTree>
     <p:extLst>
       <p:ext uri="{BB962C8B-B14F-4D97-AF65-F5344CB8AC3E}">
-        <p14:creationId xmlns:p14="http://schemas.microsoft.com/office/powerpoint/2010/main" val="1942898488"/>
+        <p14:creationId xmlns:p14="http://schemas.microsoft.com/office/powerpoint/2010/main" val="3424378000"/>
       </p:ext>
     </p:extLst>
   </p:cSld>
@@ -3716,9 +5467,17 @@
 </p:sld>
 </file>
 
-<file path=ppt/slides/slide2.xml><?xml version="1.0" encoding="utf-8"?>
+<file path=ppt/slides/slide3.xml><?xml version="1.0" encoding="utf-8"?>
 <p:sld xmlns:a="http://schemas.openxmlformats.org/drawingml/2006/main" xmlns:r="http://schemas.openxmlformats.org/officeDocument/2006/relationships" xmlns:p="http://schemas.openxmlformats.org/presentationml/2006/main">
   <p:cSld>
+    <p:bg>
+      <p:bgPr>
+        <a:solidFill>
+          <a:schemeClr val="bg1"/>
+        </a:solidFill>
+        <a:effectLst/>
+      </p:bgPr>
+    </p:bg>
     <p:spTree>
       <p:nvGrpSpPr>
         <p:cNvPr id="1" name=""/>
@@ -3733,6 +5492,891 @@
           <a:chExt cx="0" cy="0"/>
         </a:xfrm>
       </p:grpSpPr>
+      <p:sp useBgFill="1">
+        <p:nvSpPr>
+          <p:cNvPr id="8" name="Rectangle 7">
+            <a:extLst>
+              <a:ext uri="{FF2B5EF4-FFF2-40B4-BE49-F238E27FC236}">
+                <a16:creationId xmlns:a16="http://schemas.microsoft.com/office/drawing/2014/main" id="{E009DD9B-5EE2-4C0D-8B2B-351C8C102205}"/>
+              </a:ext>
+              <a:ext uri="{C183D7F6-B498-43B3-948B-1728B52AA6E4}">
+                <adec:decorative xmlns:adec="http://schemas.microsoft.com/office/drawing/2017/decorative" val="1"/>
+              </a:ext>
+            </a:extLst>
+          </p:cNvPr>
+          <p:cNvSpPr>
+            <a:spLocks noGrp="1" noRot="1" noChangeAspect="1" noMove="1" noResize="1" noEditPoints="1" noAdjustHandles="1" noChangeArrowheads="1" noChangeShapeType="1" noTextEdit="1"/>
+          </p:cNvSpPr>
+          <p:nvPr>
+            <p:extLst>
+              <p:ext uri="{386F3935-93C4-4BCD-93E2-E3B085C9AB24}">
+                <p16:designElem xmlns:p16="http://schemas.microsoft.com/office/powerpoint/2015/main" val="1"/>
+              </p:ext>
+            </p:extLst>
+          </p:nvPr>
+        </p:nvSpPr>
+        <p:spPr>
+          <a:xfrm>
+            <a:off x="0" y="0"/>
+            <a:ext cx="12192000" cy="6858000"/>
+          </a:xfrm>
+          <a:prstGeom prst="rect">
+            <a:avLst/>
+          </a:prstGeom>
+          <a:ln>
+            <a:noFill/>
+          </a:ln>
+        </p:spPr>
+        <p:style>
+          <a:lnRef idx="2">
+            <a:schemeClr val="accent1">
+              <a:shade val="50000"/>
+            </a:schemeClr>
+          </a:lnRef>
+          <a:fillRef idx="1">
+            <a:schemeClr val="accent1"/>
+          </a:fillRef>
+          <a:effectRef idx="0">
+            <a:schemeClr val="accent1"/>
+          </a:effectRef>
+          <a:fontRef idx="minor">
+            <a:schemeClr val="lt1"/>
+          </a:fontRef>
+        </p:style>
+        <p:txBody>
+          <a:bodyPr rtlCol="0" anchor="ctr"/>
+          <a:lstStyle/>
+          <a:p>
+            <a:pPr algn="ctr"/>
+            <a:endParaRPr lang="en-US"/>
+          </a:p>
+        </p:txBody>
+      </p:sp>
+      <p:sp>
+        <p:nvSpPr>
+          <p:cNvPr id="10" name="Rectangle 9">
+            <a:extLst>
+              <a:ext uri="{FF2B5EF4-FFF2-40B4-BE49-F238E27FC236}">
+                <a16:creationId xmlns:a16="http://schemas.microsoft.com/office/drawing/2014/main" id="{E720DB99-7745-4E75-9D96-AAB6D55C531E}"/>
+              </a:ext>
+              <a:ext uri="{C183D7F6-B498-43B3-948B-1728B52AA6E4}">
+                <adec:decorative xmlns:adec="http://schemas.microsoft.com/office/drawing/2017/decorative" val="1"/>
+              </a:ext>
+            </a:extLst>
+          </p:cNvPr>
+          <p:cNvSpPr>
+            <a:spLocks noGrp="1" noRot="1" noChangeAspect="1" noMove="1" noResize="1" noEditPoints="1" noAdjustHandles="1" noChangeArrowheads="1" noChangeShapeType="1" noTextEdit="1"/>
+          </p:cNvSpPr>
+          <p:nvPr>
+            <p:extLst>
+              <p:ext uri="{386F3935-93C4-4BCD-93E2-E3B085C9AB24}">
+                <p16:designElem xmlns:p16="http://schemas.microsoft.com/office/powerpoint/2015/main" val="1"/>
+              </p:ext>
+            </p:extLst>
+          </p:nvPr>
+        </p:nvSpPr>
+        <p:spPr>
+          <a:xfrm>
+            <a:off x="984504" y="464119"/>
+            <a:ext cx="10222992" cy="80683"/>
+          </a:xfrm>
+          <a:prstGeom prst="rect">
+            <a:avLst/>
+          </a:prstGeom>
+          <a:blipFill dpi="0" rotWithShape="1">
+            <a:blip r:embed="rId2">
+              <a:alphaModFix amt="85000"/>
+              <a:lum bright="70000" contrast="-70000"/>
+              <a:extLst>
+                <a:ext uri="{BEBA8EAE-BF5A-486C-A8C5-ECC9F3942E4B}">
+                  <a14:imgProps xmlns:a14="http://schemas.microsoft.com/office/drawing/2010/main">
+                    <a14:imgLayer r:embed="rId3">
+                      <a14:imgEffect>
+                        <a14:sharpenSoften amount="61000"/>
+                      </a14:imgEffect>
+                    </a14:imgLayer>
+                  </a14:imgProps>
+                </a:ext>
+                <a:ext uri="{28A0092B-C50C-407E-A947-70E740481C1C}">
+                  <a14:useLocalDpi xmlns:a14="http://schemas.microsoft.com/office/drawing/2010/main" val="0"/>
+                </a:ext>
+              </a:extLst>
+            </a:blip>
+            <a:srcRect/>
+            <a:tile tx="0" ty="-762000" sx="92000" sy="89000" flip="xy" algn="ctr"/>
+          </a:blipFill>
+          <a:ln>
+            <a:noFill/>
+          </a:ln>
+        </p:spPr>
+        <p:style>
+          <a:lnRef idx="2">
+            <a:schemeClr val="accent1">
+              <a:shade val="50000"/>
+            </a:schemeClr>
+          </a:lnRef>
+          <a:fillRef idx="1">
+            <a:schemeClr val="accent1"/>
+          </a:fillRef>
+          <a:effectRef idx="0">
+            <a:schemeClr val="accent1"/>
+          </a:effectRef>
+          <a:fontRef idx="minor">
+            <a:schemeClr val="lt1"/>
+          </a:fontRef>
+        </p:style>
+        <p:txBody>
+          <a:bodyPr/>
+          <a:lstStyle/>
+          <a:p>
+            <a:endParaRPr lang="en-US"/>
+          </a:p>
+        </p:txBody>
+      </p:sp>
+      <p:sp>
+        <p:nvSpPr>
+          <p:cNvPr id="12" name="Rectangle 11">
+            <a:extLst>
+              <a:ext uri="{FF2B5EF4-FFF2-40B4-BE49-F238E27FC236}">
+                <a16:creationId xmlns:a16="http://schemas.microsoft.com/office/drawing/2014/main" id="{D68803C4-E159-4360-B7BB-74205C8F782D}"/>
+              </a:ext>
+              <a:ext uri="{C183D7F6-B498-43B3-948B-1728B52AA6E4}">
+                <adec:decorative xmlns:adec="http://schemas.microsoft.com/office/drawing/2017/decorative" val="1"/>
+              </a:ext>
+            </a:extLst>
+          </p:cNvPr>
+          <p:cNvSpPr>
+            <a:spLocks noGrp="1" noRot="1" noChangeAspect="1" noMove="1" noResize="1" noEditPoints="1" noAdjustHandles="1" noChangeArrowheads="1" noChangeShapeType="1" noTextEdit="1"/>
+          </p:cNvSpPr>
+          <p:nvPr>
+            <p:extLst>
+              <p:ext uri="{386F3935-93C4-4BCD-93E2-E3B085C9AB24}">
+                <p16:designElem xmlns:p16="http://schemas.microsoft.com/office/powerpoint/2015/main" val="1"/>
+              </p:ext>
+            </p:extLst>
+          </p:nvPr>
+        </p:nvSpPr>
+        <p:spPr>
+          <a:xfrm>
+            <a:off x="984504" y="601952"/>
+            <a:ext cx="10222992" cy="1385874"/>
+          </a:xfrm>
+          <a:prstGeom prst="rect">
+            <a:avLst/>
+          </a:prstGeom>
+          <a:blipFill dpi="0" rotWithShape="1">
+            <a:blip r:embed="rId2">
+              <a:alphaModFix amt="85000"/>
+              <a:lum bright="70000" contrast="-70000"/>
+              <a:extLst>
+                <a:ext uri="{BEBA8EAE-BF5A-486C-A8C5-ECC9F3942E4B}">
+                  <a14:imgProps xmlns:a14="http://schemas.microsoft.com/office/drawing/2010/main">
+                    <a14:imgLayer r:embed="rId3">
+                      <a14:imgEffect>
+                        <a14:sharpenSoften amount="61000"/>
+                      </a14:imgEffect>
+                    </a14:imgLayer>
+                  </a14:imgProps>
+                </a:ext>
+                <a:ext uri="{28A0092B-C50C-407E-A947-70E740481C1C}">
+                  <a14:useLocalDpi xmlns:a14="http://schemas.microsoft.com/office/drawing/2010/main" val="0"/>
+                </a:ext>
+              </a:extLst>
+            </a:blip>
+            <a:srcRect/>
+            <a:tile tx="0" ty="-704850" sx="92000" sy="89000" flip="xy" algn="ctr"/>
+          </a:blipFill>
+          <a:ln>
+            <a:noFill/>
+          </a:ln>
+        </p:spPr>
+        <p:style>
+          <a:lnRef idx="2">
+            <a:schemeClr val="accent1">
+              <a:shade val="50000"/>
+            </a:schemeClr>
+          </a:lnRef>
+          <a:fillRef idx="1">
+            <a:schemeClr val="accent1"/>
+          </a:fillRef>
+          <a:effectRef idx="0">
+            <a:schemeClr val="accent1"/>
+          </a:effectRef>
+          <a:fontRef idx="minor">
+            <a:schemeClr val="lt1"/>
+          </a:fontRef>
+        </p:style>
+        <p:txBody>
+          <a:bodyPr/>
+          <a:lstStyle/>
+          <a:p>
+            <a:endParaRPr lang="en-US"/>
+          </a:p>
+        </p:txBody>
+      </p:sp>
+      <p:sp>
+        <p:nvSpPr>
+          <p:cNvPr id="14" name="Rectangle 13">
+            <a:extLst>
+              <a:ext uri="{FF2B5EF4-FFF2-40B4-BE49-F238E27FC236}">
+                <a16:creationId xmlns:a16="http://schemas.microsoft.com/office/drawing/2014/main" id="{504B0465-3B07-49BF-BEA7-D81476246293}"/>
+              </a:ext>
+              <a:ext uri="{C183D7F6-B498-43B3-948B-1728B52AA6E4}">
+                <adec:decorative xmlns:adec="http://schemas.microsoft.com/office/drawing/2017/decorative" val="1"/>
+              </a:ext>
+            </a:extLst>
+          </p:cNvPr>
+          <p:cNvSpPr>
+            <a:spLocks noGrp="1" noRot="1" noChangeAspect="1" noMove="1" noResize="1" noEditPoints="1" noAdjustHandles="1" noChangeArrowheads="1" noChangeShapeType="1" noTextEdit="1"/>
+          </p:cNvSpPr>
+          <p:nvPr>
+            <p:extLst>
+              <p:ext uri="{386F3935-93C4-4BCD-93E2-E3B085C9AB24}">
+                <p16:designElem xmlns:p16="http://schemas.microsoft.com/office/powerpoint/2015/main" val="1"/>
+              </p:ext>
+            </p:extLst>
+          </p:nvPr>
+        </p:nvSpPr>
+        <p:spPr>
+          <a:xfrm>
+            <a:off x="984504" y="2038655"/>
+            <a:ext cx="10222992" cy="80683"/>
+          </a:xfrm>
+          <a:prstGeom prst="rect">
+            <a:avLst/>
+          </a:prstGeom>
+          <a:blipFill dpi="0" rotWithShape="1">
+            <a:blip r:embed="rId2">
+              <a:alphaModFix amt="85000"/>
+              <a:lum bright="70000" contrast="-70000"/>
+              <a:extLst>
+                <a:ext uri="{BEBA8EAE-BF5A-486C-A8C5-ECC9F3942E4B}">
+                  <a14:imgProps xmlns:a14="http://schemas.microsoft.com/office/drawing/2010/main">
+                    <a14:imgLayer r:embed="rId3">
+                      <a14:imgEffect>
+                        <a14:sharpenSoften amount="61000"/>
+                      </a14:imgEffect>
+                    </a14:imgLayer>
+                  </a14:imgProps>
+                </a:ext>
+                <a:ext uri="{28A0092B-C50C-407E-A947-70E740481C1C}">
+                  <a14:useLocalDpi xmlns:a14="http://schemas.microsoft.com/office/drawing/2010/main" val="0"/>
+                </a:ext>
+              </a:extLst>
+            </a:blip>
+            <a:srcRect/>
+            <a:tile tx="0" ty="-717550" sx="92000" sy="89000" flip="xy" algn="ctr"/>
+          </a:blipFill>
+          <a:ln>
+            <a:noFill/>
+          </a:ln>
+        </p:spPr>
+        <p:style>
+          <a:lnRef idx="2">
+            <a:schemeClr val="accent1">
+              <a:shade val="50000"/>
+            </a:schemeClr>
+          </a:lnRef>
+          <a:fillRef idx="1">
+            <a:schemeClr val="accent1"/>
+          </a:fillRef>
+          <a:effectRef idx="0">
+            <a:schemeClr val="accent1"/>
+          </a:effectRef>
+          <a:fontRef idx="minor">
+            <a:schemeClr val="lt1"/>
+          </a:fontRef>
+        </p:style>
+        <p:txBody>
+          <a:bodyPr/>
+          <a:lstStyle/>
+          <a:p>
+            <a:endParaRPr lang="en-US"/>
+          </a:p>
+        </p:txBody>
+      </p:sp>
+      <p:sp>
+        <p:nvSpPr>
+          <p:cNvPr id="2" name="Title 1">
+            <a:extLst>
+              <a:ext uri="{FF2B5EF4-FFF2-40B4-BE49-F238E27FC236}">
+                <a16:creationId xmlns:a16="http://schemas.microsoft.com/office/drawing/2014/main" id="{F3480C6C-6724-42B4-BCA7-7DEA3F529276}"/>
+              </a:ext>
+            </a:extLst>
+          </p:cNvPr>
+          <p:cNvSpPr>
+            <a:spLocks noGrp="1"/>
+          </p:cNvSpPr>
+          <p:nvPr>
+            <p:ph type="title"/>
+          </p:nvPr>
+        </p:nvSpPr>
+        <p:spPr>
+          <a:xfrm>
+            <a:off x="1069848" y="484632"/>
+            <a:ext cx="10058400" cy="1609344"/>
+          </a:xfrm>
+        </p:spPr>
+        <p:txBody>
+          <a:bodyPr>
+            <a:normAutofit/>
+          </a:bodyPr>
+          <a:lstStyle/>
+          <a:p>
+            <a:r>
+              <a:rPr lang="en-MY" sz="6600" dirty="0"/>
+              <a:t>Workflow </a:t>
+            </a:r>
+            <a:r>
+              <a:rPr lang="en-MY" sz="6600" dirty="0" err="1"/>
+              <a:t>hmt</a:t>
+            </a:r>
+            <a:endParaRPr lang="en-US" sz="6600" dirty="0"/>
+          </a:p>
+        </p:txBody>
+      </p:sp>
+      <p:sp>
+        <p:nvSpPr>
+          <p:cNvPr id="3" name="Content Placeholder 2">
+            <a:extLst>
+              <a:ext uri="{FF2B5EF4-FFF2-40B4-BE49-F238E27FC236}">
+                <a16:creationId xmlns:a16="http://schemas.microsoft.com/office/drawing/2014/main" id="{BC9D584E-5640-F19E-ECF4-ADF5464A09C8}"/>
+              </a:ext>
+            </a:extLst>
+          </p:cNvPr>
+          <p:cNvSpPr>
+            <a:spLocks noGrp="1"/>
+          </p:cNvSpPr>
+          <p:nvPr>
+            <p:ph idx="1"/>
+          </p:nvPr>
+        </p:nvSpPr>
+        <p:spPr>
+          <a:xfrm>
+            <a:off x="1069848" y="2320412"/>
+            <a:ext cx="10058400" cy="3851787"/>
+          </a:xfrm>
+        </p:spPr>
+        <p:txBody>
+          <a:bodyPr>
+            <a:normAutofit/>
+          </a:bodyPr>
+          <a:lstStyle/>
+          <a:p>
+            <a:r>
+              <a:rPr lang="en-US" dirty="0" err="1"/>
+              <a:t>Rupabentuk</a:t>
+            </a:r>
+            <a:r>
+              <a:rPr lang="en-US" dirty="0"/>
+              <a:t> </a:t>
+            </a:r>
+            <a:r>
+              <a:rPr lang="en-US" dirty="0" err="1"/>
+              <a:t>Fizikal</a:t>
+            </a:r>
+            <a:endParaRPr lang="en-US" dirty="0"/>
+          </a:p>
+          <a:p>
+            <a:r>
+              <a:rPr lang="en-US" dirty="0"/>
+              <a:t>Digestion routine</a:t>
+            </a:r>
+          </a:p>
+          <a:p>
+            <a:r>
+              <a:rPr lang="en-US" dirty="0" err="1"/>
+              <a:t>Analisis</a:t>
+            </a:r>
+            <a:r>
+              <a:rPr lang="en-US" dirty="0"/>
+              <a:t> ICPMS routine</a:t>
+            </a:r>
+          </a:p>
+          <a:p>
+            <a:r>
+              <a:rPr lang="en-US" dirty="0"/>
+              <a:t>Uniformity Of  Weight (UOW)</a:t>
+            </a:r>
+          </a:p>
+          <a:p>
+            <a:r>
+              <a:rPr lang="en-US" dirty="0"/>
+              <a:t>Disintegration </a:t>
+            </a:r>
+          </a:p>
+          <a:p>
+            <a:r>
+              <a:rPr lang="en-US" dirty="0" err="1"/>
+              <a:t>Verifikasi</a:t>
+            </a:r>
+            <a:r>
+              <a:rPr lang="en-US" dirty="0"/>
+              <a:t> Alat </a:t>
+            </a:r>
+            <a:r>
+              <a:rPr lang="en-US" dirty="0" err="1"/>
+              <a:t>Radas</a:t>
+            </a:r>
+            <a:endParaRPr lang="en-US" dirty="0"/>
+          </a:p>
+          <a:p>
+            <a:r>
+              <a:rPr lang="en-US" dirty="0"/>
+              <a:t>Performance Check Alat </a:t>
+            </a:r>
+            <a:r>
+              <a:rPr lang="en-US" dirty="0" err="1"/>
+              <a:t>Timbang</a:t>
+            </a:r>
+            <a:endParaRPr lang="en-US" dirty="0"/>
+          </a:p>
+          <a:p>
+            <a:r>
+              <a:rPr lang="en-US" dirty="0"/>
+              <a:t>Digestion Projects</a:t>
+            </a:r>
+          </a:p>
+          <a:p>
+            <a:r>
+              <a:rPr lang="en-US" dirty="0" err="1"/>
+              <a:t>Analisis</a:t>
+            </a:r>
+            <a:r>
+              <a:rPr lang="en-US" dirty="0"/>
+              <a:t> Projects</a:t>
+            </a:r>
+          </a:p>
+        </p:txBody>
+      </p:sp>
+      <p:sp>
+        <p:nvSpPr>
+          <p:cNvPr id="16" name="Oval 15">
+            <a:extLst>
+              <a:ext uri="{FF2B5EF4-FFF2-40B4-BE49-F238E27FC236}">
+                <a16:creationId xmlns:a16="http://schemas.microsoft.com/office/drawing/2014/main" id="{49B7FFA5-14CB-4A4F-9BCC-CA3AA5D9D276}"/>
+              </a:ext>
+              <a:ext uri="{C183D7F6-B498-43B3-948B-1728B52AA6E4}">
+                <adec:decorative xmlns:adec="http://schemas.microsoft.com/office/drawing/2017/decorative" val="1"/>
+              </a:ext>
+            </a:extLst>
+          </p:cNvPr>
+          <p:cNvSpPr>
+            <a:spLocks noGrp="1" noRot="1" noChangeAspect="1" noMove="1" noResize="1" noEditPoints="1" noAdjustHandles="1" noChangeArrowheads="1" noChangeShapeType="1" noTextEdit="1"/>
+          </p:cNvSpPr>
+          <p:nvPr>
+            <p:extLst>
+              <p:ext uri="{386F3935-93C4-4BCD-93E2-E3B085C9AB24}">
+                <p16:designElem xmlns:p16="http://schemas.microsoft.com/office/powerpoint/2015/main" val="1"/>
+              </p:ext>
+            </p:extLst>
+          </p:nvPr>
+        </p:nvSpPr>
+        <p:spPr>
+          <a:xfrm>
+            <a:off x="11401725" y="6229681"/>
+            <a:ext cx="457200" cy="457200"/>
+          </a:xfrm>
+          <a:prstGeom prst="ellipse">
+            <a:avLst/>
+          </a:prstGeom>
+          <a:blipFill dpi="0" rotWithShape="1">
+            <a:blip r:embed="rId4">
+              <a:duotone>
+                <a:schemeClr val="accent1">
+                  <a:shade val="45000"/>
+                  <a:satMod val="135000"/>
+                </a:schemeClr>
+                <a:prstClr val="white"/>
+              </a:duotone>
+            </a:blip>
+            <a:srcRect/>
+            <a:tile tx="50800" ty="0" sx="85000" sy="85000" flip="none" algn="tl"/>
+          </a:blipFill>
+          <a:ln w="25400" cap="flat" cmpd="sng" algn="ctr">
+            <a:noFill/>
+            <a:prstDash val="solid"/>
+          </a:ln>
+          <a:effectLst/>
+        </p:spPr>
+        <p:txBody>
+          <a:bodyPr lIns="0" tIns="0" rIns="0" bIns="0" rtlCol="0" anchor="ctr"/>
+          <a:lstStyle/>
+          <a:p>
+            <a:pPr marL="0" marR="0" lvl="0" indent="0" algn="ctr" defTabSz="914400" eaLnBrk="1" fontAlgn="auto" latinLnBrk="0" hangingPunct="1">
+              <a:lnSpc>
+                <a:spcPct val="100000"/>
+              </a:lnSpc>
+              <a:spcBef>
+                <a:spcPts val="0"/>
+              </a:spcBef>
+              <a:spcAft>
+                <a:spcPts val="0"/>
+              </a:spcAft>
+              <a:buClrTx/>
+              <a:buSzTx/>
+              <a:buFontTx/>
+              <a:buNone/>
+              <a:tabLst/>
+              <a:defRPr/>
+            </a:pPr>
+            <a:endParaRPr kumimoji="0" lang="en-US" sz="2000" b="0" i="0" u="none" strike="noStrike" kern="0" cap="none" spc="0" normalizeH="0" baseline="0" noProof="0" dirty="0">
+              <a:ln>
+                <a:noFill/>
+              </a:ln>
+              <a:solidFill>
+                <a:prstClr val="white"/>
+              </a:solidFill>
+              <a:effectLst/>
+              <a:uLnTx/>
+              <a:uFillTx/>
+              <a:latin typeface="Rockwell Extra Bold" pitchFamily="18" charset="0"/>
+              <a:ea typeface="+mn-ea"/>
+              <a:cs typeface="+mn-cs"/>
+            </a:endParaRPr>
+          </a:p>
+        </p:txBody>
+      </p:sp>
+      <p:sp>
+        <p:nvSpPr>
+          <p:cNvPr id="18" name="Oval 17">
+            <a:extLst>
+              <a:ext uri="{FF2B5EF4-FFF2-40B4-BE49-F238E27FC236}">
+                <a16:creationId xmlns:a16="http://schemas.microsoft.com/office/drawing/2014/main" id="{04E48745-7512-4EC2-9E20-9092D12150CA}"/>
+              </a:ext>
+              <a:ext uri="{C183D7F6-B498-43B3-948B-1728B52AA6E4}">
+                <adec:decorative xmlns:adec="http://schemas.microsoft.com/office/drawing/2017/decorative" val="1"/>
+              </a:ext>
+            </a:extLst>
+          </p:cNvPr>
+          <p:cNvSpPr>
+            <a:spLocks noGrp="1" noRot="1" noChangeAspect="1" noMove="1" noResize="1" noEditPoints="1" noAdjustHandles="1" noChangeArrowheads="1" noChangeShapeType="1" noTextEdit="1"/>
+          </p:cNvSpPr>
+          <p:nvPr>
+            <p:extLst>
+              <p:ext uri="{386F3935-93C4-4BCD-93E2-E3B085C9AB24}">
+                <p16:designElem xmlns:p16="http://schemas.microsoft.com/office/powerpoint/2015/main" val="1"/>
+              </p:ext>
+            </p:extLst>
+          </p:nvPr>
+        </p:nvSpPr>
+        <p:spPr>
+          <a:xfrm>
+            <a:off x="11430918" y="6258874"/>
+            <a:ext cx="398813" cy="398815"/>
+          </a:xfrm>
+          <a:prstGeom prst="ellipse">
+            <a:avLst/>
+          </a:prstGeom>
+          <a:noFill/>
+          <a:ln w="12700" cap="flat" cmpd="sng" algn="ctr">
+            <a:solidFill>
+              <a:srgbClr val="FFFFFF"/>
+            </a:solidFill>
+            <a:prstDash val="solid"/>
+          </a:ln>
+          <a:effectLst/>
+        </p:spPr>
+        <p:txBody>
+          <a:bodyPr rtlCol="0" anchor="ctr"/>
+          <a:lstStyle/>
+          <a:p>
+            <a:pPr marL="0" marR="0" lvl="0" indent="0" algn="ctr" defTabSz="914400" eaLnBrk="1" fontAlgn="auto" latinLnBrk="0" hangingPunct="1">
+              <a:lnSpc>
+                <a:spcPct val="100000"/>
+              </a:lnSpc>
+              <a:spcBef>
+                <a:spcPts val="0"/>
+              </a:spcBef>
+              <a:spcAft>
+                <a:spcPts val="0"/>
+              </a:spcAft>
+              <a:buClrTx/>
+              <a:buSzTx/>
+              <a:buFontTx/>
+              <a:buNone/>
+              <a:tabLst/>
+              <a:defRPr/>
+            </a:pPr>
+            <a:endParaRPr kumimoji="0" lang="en-US" sz="1800" b="0" i="0" u="none" strike="noStrike" kern="0" cap="none" spc="0" normalizeH="0" baseline="0" noProof="0" dirty="0">
+              <a:ln>
+                <a:noFill/>
+              </a:ln>
+              <a:solidFill>
+                <a:prstClr val="white"/>
+              </a:solidFill>
+              <a:effectLst/>
+              <a:uLnTx/>
+              <a:uFillTx/>
+              <a:latin typeface="Calibri"/>
+              <a:ea typeface="+mn-ea"/>
+              <a:cs typeface="+mn-cs"/>
+            </a:endParaRPr>
+          </a:p>
+        </p:txBody>
+      </p:sp>
+    </p:spTree>
+    <p:extLst>
+      <p:ext uri="{BB962C8B-B14F-4D97-AF65-F5344CB8AC3E}">
+        <p14:creationId xmlns:p14="http://schemas.microsoft.com/office/powerpoint/2010/main" val="4181286744"/>
+      </p:ext>
+    </p:extLst>
+  </p:cSld>
+  <p:clrMapOvr>
+    <a:masterClrMapping/>
+  </p:clrMapOvr>
+</p:sld>
+</file>
+
+<file path=ppt/slides/slide4.xml><?xml version="1.0" encoding="utf-8"?>
+<p:sld xmlns:a="http://schemas.openxmlformats.org/drawingml/2006/main" xmlns:r="http://schemas.openxmlformats.org/officeDocument/2006/relationships" xmlns:p="http://schemas.openxmlformats.org/presentationml/2006/main">
+  <p:cSld>
+    <p:bg>
+      <p:bgPr>
+        <a:solidFill>
+          <a:schemeClr val="bg1"/>
+        </a:solidFill>
+        <a:effectLst/>
+      </p:bgPr>
+    </p:bg>
+    <p:spTree>
+      <p:nvGrpSpPr>
+        <p:cNvPr id="1" name=""/>
+        <p:cNvGrpSpPr/>
+        <p:nvPr/>
+      </p:nvGrpSpPr>
+      <p:grpSpPr>
+        <a:xfrm>
+          <a:off x="0" y="0"/>
+          <a:ext cx="0" cy="0"/>
+          <a:chOff x="0" y="0"/>
+          <a:chExt cx="0" cy="0"/>
+        </a:xfrm>
+      </p:grpSpPr>
+      <p:sp useBgFill="1">
+        <p:nvSpPr>
+          <p:cNvPr id="8" name="Rectangle 7">
+            <a:extLst>
+              <a:ext uri="{FF2B5EF4-FFF2-40B4-BE49-F238E27FC236}">
+                <a16:creationId xmlns:a16="http://schemas.microsoft.com/office/drawing/2014/main" id="{4FCA88C2-C73C-4062-A097-8FBCE3090BEA}"/>
+              </a:ext>
+              <a:ext uri="{C183D7F6-B498-43B3-948B-1728B52AA6E4}">
+                <adec:decorative xmlns:adec="http://schemas.microsoft.com/office/drawing/2017/decorative" val="1"/>
+              </a:ext>
+            </a:extLst>
+          </p:cNvPr>
+          <p:cNvSpPr>
+            <a:spLocks noGrp="1" noRot="1" noChangeAspect="1" noMove="1" noResize="1" noEditPoints="1" noAdjustHandles="1" noChangeArrowheads="1" noChangeShapeType="1" noTextEdit="1"/>
+          </p:cNvSpPr>
+          <p:nvPr>
+            <p:extLst>
+              <p:ext uri="{386F3935-93C4-4BCD-93E2-E3B085C9AB24}">
+                <p16:designElem xmlns:p16="http://schemas.microsoft.com/office/powerpoint/2015/main" val="1"/>
+              </p:ext>
+            </p:extLst>
+          </p:nvPr>
+        </p:nvSpPr>
+        <p:spPr>
+          <a:xfrm>
+            <a:off x="0" y="0"/>
+            <a:ext cx="12192000" cy="6858000"/>
+          </a:xfrm>
+          <a:prstGeom prst="rect">
+            <a:avLst/>
+          </a:prstGeom>
+          <a:ln>
+            <a:noFill/>
+          </a:ln>
+        </p:spPr>
+        <p:style>
+          <a:lnRef idx="2">
+            <a:schemeClr val="accent1">
+              <a:shade val="50000"/>
+            </a:schemeClr>
+          </a:lnRef>
+          <a:fillRef idx="1">
+            <a:schemeClr val="accent1"/>
+          </a:fillRef>
+          <a:effectRef idx="0">
+            <a:schemeClr val="accent1"/>
+          </a:effectRef>
+          <a:fontRef idx="minor">
+            <a:schemeClr val="lt1"/>
+          </a:fontRef>
+        </p:style>
+        <p:txBody>
+          <a:bodyPr rtlCol="0" anchor="ctr"/>
+          <a:lstStyle/>
+          <a:p>
+            <a:pPr algn="ctr"/>
+            <a:endParaRPr lang="en-US"/>
+          </a:p>
+        </p:txBody>
+      </p:sp>
+      <p:sp>
+        <p:nvSpPr>
+          <p:cNvPr id="10" name="Rectangle 9">
+            <a:extLst>
+              <a:ext uri="{FF2B5EF4-FFF2-40B4-BE49-F238E27FC236}">
+                <a16:creationId xmlns:a16="http://schemas.microsoft.com/office/drawing/2014/main" id="{83981C21-E132-4402-B31B-D725C1CE77D2}"/>
+              </a:ext>
+              <a:ext uri="{C183D7F6-B498-43B3-948B-1728B52AA6E4}">
+                <adec:decorative xmlns:adec="http://schemas.microsoft.com/office/drawing/2017/decorative" val="1"/>
+              </a:ext>
+            </a:extLst>
+          </p:cNvPr>
+          <p:cNvSpPr>
+            <a:spLocks noGrp="1" noRot="1" noChangeAspect="1" noMove="1" noResize="1" noEditPoints="1" noAdjustHandles="1" noChangeArrowheads="1" noChangeShapeType="1" noTextEdit="1"/>
+          </p:cNvSpPr>
+          <p:nvPr>
+            <p:extLst>
+              <p:ext uri="{386F3935-93C4-4BCD-93E2-E3B085C9AB24}">
+                <p16:designElem xmlns:p16="http://schemas.microsoft.com/office/powerpoint/2015/main" val="1"/>
+              </p:ext>
+            </p:extLst>
+          </p:nvPr>
+        </p:nvSpPr>
+        <p:spPr>
+          <a:xfrm>
+            <a:off x="641604" y="653241"/>
+            <a:ext cx="10908792" cy="80683"/>
+          </a:xfrm>
+          <a:prstGeom prst="rect">
+            <a:avLst/>
+          </a:prstGeom>
+          <a:blipFill dpi="0" rotWithShape="1">
+            <a:blip r:embed="rId2">
+              <a:alphaModFix amt="85000"/>
+              <a:lum bright="70000" contrast="-70000"/>
+              <a:extLst>
+                <a:ext uri="{BEBA8EAE-BF5A-486C-A8C5-ECC9F3942E4B}">
+                  <a14:imgProps xmlns:a14="http://schemas.microsoft.com/office/drawing/2010/main">
+                    <a14:imgLayer r:embed="rId3">
+                      <a14:imgEffect>
+                        <a14:sharpenSoften amount="61000"/>
+                      </a14:imgEffect>
+                    </a14:imgLayer>
+                  </a14:imgProps>
+                </a:ext>
+                <a:ext uri="{28A0092B-C50C-407E-A947-70E740481C1C}">
+                  <a14:useLocalDpi xmlns:a14="http://schemas.microsoft.com/office/drawing/2010/main" val="0"/>
+                </a:ext>
+              </a:extLst>
+            </a:blip>
+            <a:srcRect/>
+            <a:tile tx="0" ty="-762000" sx="92000" sy="89000" flip="xy" algn="ctr"/>
+          </a:blipFill>
+          <a:ln>
+            <a:noFill/>
+          </a:ln>
+        </p:spPr>
+        <p:style>
+          <a:lnRef idx="2">
+            <a:schemeClr val="accent1">
+              <a:shade val="50000"/>
+            </a:schemeClr>
+          </a:lnRef>
+          <a:fillRef idx="1">
+            <a:schemeClr val="accent1"/>
+          </a:fillRef>
+          <a:effectRef idx="0">
+            <a:schemeClr val="accent1"/>
+          </a:effectRef>
+          <a:fontRef idx="minor">
+            <a:schemeClr val="lt1"/>
+          </a:fontRef>
+        </p:style>
+        <p:txBody>
+          <a:bodyPr rtlCol="0" anchor="ctr"/>
+          <a:lstStyle/>
+          <a:p>
+            <a:pPr algn="ctr"/>
+            <a:endParaRPr lang="en-US"/>
+          </a:p>
+        </p:txBody>
+      </p:sp>
+      <p:sp>
+        <p:nvSpPr>
+          <p:cNvPr id="12" name="Rectangle 11">
+            <a:extLst>
+              <a:ext uri="{FF2B5EF4-FFF2-40B4-BE49-F238E27FC236}">
+                <a16:creationId xmlns:a16="http://schemas.microsoft.com/office/drawing/2014/main" id="{6A685C77-4E84-486A-9AE5-F3635BE98EFB}"/>
+              </a:ext>
+              <a:ext uri="{C183D7F6-B498-43B3-948B-1728B52AA6E4}">
+                <adec:decorative xmlns:adec="http://schemas.microsoft.com/office/drawing/2017/decorative" val="1"/>
+              </a:ext>
+            </a:extLst>
+          </p:cNvPr>
+          <p:cNvSpPr>
+            <a:spLocks noGrp="1" noRot="1" noChangeAspect="1" noMove="1" noResize="1" noEditPoints="1" noAdjustHandles="1" noChangeArrowheads="1" noChangeShapeType="1" noTextEdit="1"/>
+          </p:cNvSpPr>
+          <p:nvPr>
+            <p:extLst>
+              <p:ext uri="{386F3935-93C4-4BCD-93E2-E3B085C9AB24}">
+                <p16:designElem xmlns:p16="http://schemas.microsoft.com/office/powerpoint/2015/main" val="1"/>
+              </p:ext>
+            </p:extLst>
+          </p:nvPr>
+        </p:nvSpPr>
+        <p:spPr>
+          <a:xfrm>
+            <a:off x="641602" y="822324"/>
+            <a:ext cx="5149596" cy="5228279"/>
+          </a:xfrm>
+          <a:prstGeom prst="rect">
+            <a:avLst/>
+          </a:prstGeom>
+          <a:blipFill dpi="0" rotWithShape="1">
+            <a:blip r:embed="rId2">
+              <a:alphaModFix amt="85000"/>
+              <a:lum bright="70000" contrast="-70000"/>
+              <a:extLst>
+                <a:ext uri="{BEBA8EAE-BF5A-486C-A8C5-ECC9F3942E4B}">
+                  <a14:imgProps xmlns:a14="http://schemas.microsoft.com/office/drawing/2010/main">
+                    <a14:imgLayer r:embed="rId3">
+                      <a14:imgEffect>
+                        <a14:sharpenSoften amount="61000"/>
+                      </a14:imgEffect>
+                    </a14:imgLayer>
+                  </a14:imgProps>
+                </a:ext>
+                <a:ext uri="{28A0092B-C50C-407E-A947-70E740481C1C}">
+                  <a14:useLocalDpi xmlns:a14="http://schemas.microsoft.com/office/drawing/2010/main" val="0"/>
+                </a:ext>
+              </a:extLst>
+            </a:blip>
+            <a:srcRect/>
+            <a:tile tx="0" ty="-704850" sx="92000" sy="89000" flip="xy" algn="ctr"/>
+          </a:blipFill>
+          <a:ln>
+            <a:noFill/>
+          </a:ln>
+        </p:spPr>
+        <p:style>
+          <a:lnRef idx="2">
+            <a:schemeClr val="accent1">
+              <a:shade val="50000"/>
+            </a:schemeClr>
+          </a:lnRef>
+          <a:fillRef idx="1">
+            <a:schemeClr val="accent1"/>
+          </a:fillRef>
+          <a:effectRef idx="0">
+            <a:schemeClr val="accent1"/>
+          </a:effectRef>
+          <a:fontRef idx="minor">
+            <a:schemeClr val="lt1"/>
+          </a:fontRef>
+        </p:style>
+        <p:txBody>
+          <a:bodyPr rtlCol="0" anchor="ctr"/>
+          <a:lstStyle/>
+          <a:p>
+            <a:pPr algn="ctr"/>
+            <a:endParaRPr lang="en-US"/>
+          </a:p>
+        </p:txBody>
+      </p:sp>
       <p:sp>
         <p:nvSpPr>
           <p:cNvPr id="2" name="Title 1">
@@ -3751,21 +6395,21 @@
         </p:nvSpPr>
         <p:spPr>
           <a:xfrm>
-            <a:off x="1517904" y="1517904"/>
-            <a:ext cx="9144000" cy="682088"/>
+            <a:off x="1286934" y="1465790"/>
+            <a:ext cx="3860798" cy="3941345"/>
           </a:xfrm>
         </p:spPr>
         <p:txBody>
           <a:bodyPr>
-            <a:normAutofit fontScale="90000"/>
+            <a:normAutofit/>
           </a:bodyPr>
           <a:lstStyle/>
           <a:p>
             <a:r>
-              <a:rPr lang="en-MY" dirty="0"/>
+              <a:rPr lang="en-MY" sz="6000" dirty="0"/>
               <a:t>Project Plan 2025</a:t>
             </a:r>
-            <a:endParaRPr lang="en-US" dirty="0"/>
+            <a:endParaRPr lang="en-US" sz="6000" dirty="0"/>
           </a:p>
         </p:txBody>
       </p:sp>
@@ -3787,62 +6431,166 @@
         </p:nvSpPr>
         <p:spPr>
           <a:xfrm>
-            <a:off x="1517904" y="2199992"/>
-            <a:ext cx="9144000" cy="3899056"/>
+            <a:off x="6417733" y="822323"/>
+            <a:ext cx="5132665" cy="5147595"/>
           </a:xfrm>
         </p:spPr>
         <p:txBody>
-          <a:bodyPr/>
+          <a:bodyPr anchor="ctr">
+            <a:normAutofit/>
+          </a:bodyPr>
           <a:lstStyle/>
           <a:p>
             <a:pPr>
+              <a:lnSpc>
+                <a:spcPct val="110000"/>
+              </a:lnSpc>
               <a:buFontTx/>
               <a:buChar char="-"/>
             </a:pPr>
             <a:r>
-              <a:rPr lang="en-MY" dirty="0"/>
+              <a:rPr lang="en-MY" sz="2100" dirty="0"/>
               <a:t>Baseline for Heavy Metal contamination in glassware (retrospective data continue from Sept 2024)</a:t>
             </a:r>
           </a:p>
           <a:p>
             <a:pPr>
+              <a:lnSpc>
+                <a:spcPct val="110000"/>
+              </a:lnSpc>
               <a:buFontTx/>
               <a:buChar char="-"/>
             </a:pPr>
             <a:r>
-              <a:rPr lang="en-MY" dirty="0"/>
-              <a:t>Study on spiked IQC samples-pre digestion and post digestion spiked</a:t>
+              <a:rPr lang="en-MY" sz="2100" dirty="0"/>
+              <a:t>Study on IQC samples : to determine WL and CL (for 5 dosage forms)</a:t>
             </a:r>
           </a:p>
           <a:p>
             <a:pPr>
+              <a:lnSpc>
+                <a:spcPct val="110000"/>
+              </a:lnSpc>
               <a:buFontTx/>
               <a:buChar char="-"/>
             </a:pPr>
             <a:r>
-              <a:rPr lang="en-MY" dirty="0"/>
-              <a:t>Method verification Oxygen mode ICPMS 8900</a:t>
+              <a:rPr lang="en-MY" sz="2100" dirty="0"/>
+              <a:t>Comparative test on concentration of internal std (50 vs 200 ppb)</a:t>
             </a:r>
           </a:p>
           <a:p>
             <a:pPr>
+              <a:lnSpc>
+                <a:spcPct val="110000"/>
+              </a:lnSpc>
               <a:buFontTx/>
               <a:buChar char="-"/>
             </a:pPr>
             <a:r>
-              <a:rPr lang="en-MY" dirty="0"/>
-              <a:t>PT: Determination Heavy Metal (As, Cd, Hg, Pb) in traditional product (ICPMS)</a:t>
-            </a:r>
+              <a:rPr lang="en-MY" sz="2100" dirty="0"/>
+              <a:t>Study on digestion of dosage form powder using </a:t>
+            </a:r>
+            <a:r>
+              <a:rPr lang="en-MY" sz="2100" dirty="0" err="1"/>
+              <a:t>Gerhadt</a:t>
+            </a:r>
+            <a:endParaRPr lang="en-MY" sz="2100" dirty="0"/>
           </a:p>
           <a:p>
             <a:pPr>
+              <a:lnSpc>
+                <a:spcPct val="110000"/>
+              </a:lnSpc>
               <a:buFontTx/>
               <a:buChar char="-"/>
             </a:pPr>
             <a:r>
-              <a:rPr lang="en-MY" dirty="0"/>
-              <a:t>ILC: Physical Tests (Disintegration &amp; Uniformity of weight)</a:t>
-            </a:r>
+              <a:rPr lang="en-MY" sz="2100" dirty="0"/>
+              <a:t>Method verification GFAAS Cosmetic samples </a:t>
+            </a:r>
+          </a:p>
+        </p:txBody>
+      </p:sp>
+      <p:sp>
+        <p:nvSpPr>
+          <p:cNvPr id="14" name="Rectangle 13">
+            <a:extLst>
+              <a:ext uri="{FF2B5EF4-FFF2-40B4-BE49-F238E27FC236}">
+                <a16:creationId xmlns:a16="http://schemas.microsoft.com/office/drawing/2014/main" id="{E55C1C3E-5158-47F3-8FD9-14B22C3E6EAD}"/>
+              </a:ext>
+              <a:ext uri="{C183D7F6-B498-43B3-948B-1728B52AA6E4}">
+                <adec:decorative xmlns:adec="http://schemas.microsoft.com/office/drawing/2017/decorative" val="1"/>
+              </a:ext>
+            </a:extLst>
+          </p:cNvPr>
+          <p:cNvSpPr>
+            <a:spLocks noGrp="1" noRot="1" noChangeAspect="1" noMove="1" noResize="1" noEditPoints="1" noAdjustHandles="1" noChangeArrowheads="1" noChangeShapeType="1" noTextEdit="1"/>
+          </p:cNvSpPr>
+          <p:nvPr>
+            <p:extLst>
+              <p:ext uri="{386F3935-93C4-4BCD-93E2-E3B085C9AB24}">
+                <p16:designElem xmlns:p16="http://schemas.microsoft.com/office/powerpoint/2015/main" val="1"/>
+              </p:ext>
+            </p:extLst>
+          </p:nvPr>
+        </p:nvSpPr>
+        <p:spPr>
+          <a:xfrm>
+            <a:off x="641604" y="6121662"/>
+            <a:ext cx="10908792" cy="80683"/>
+          </a:xfrm>
+          <a:prstGeom prst="rect">
+            <a:avLst/>
+          </a:prstGeom>
+          <a:blipFill dpi="0" rotWithShape="1">
+            <a:blip r:embed="rId2">
+              <a:alphaModFix amt="85000"/>
+              <a:lum bright="70000" contrast="-70000"/>
+              <a:extLst>
+                <a:ext uri="{BEBA8EAE-BF5A-486C-A8C5-ECC9F3942E4B}">
+                  <a14:imgProps xmlns:a14="http://schemas.microsoft.com/office/drawing/2010/main">
+                    <a14:imgLayer r:embed="rId3">
+                      <a14:imgEffect>
+                        <a14:sharpenSoften amount="61000"/>
+                      </a14:imgEffect>
+                    </a14:imgLayer>
+                  </a14:imgProps>
+                </a:ext>
+                <a:ext uri="{28A0092B-C50C-407E-A947-70E740481C1C}">
+                  <a14:useLocalDpi xmlns:a14="http://schemas.microsoft.com/office/drawing/2010/main" val="0"/>
+                </a:ext>
+              </a:extLst>
+            </a:blip>
+            <a:srcRect/>
+            <a:tile tx="0" ty="-762000" sx="92000" sy="89000" flip="xy" algn="ctr"/>
+          </a:blipFill>
+          <a:ln>
+            <a:noFill/>
+          </a:ln>
+        </p:spPr>
+        <p:style>
+          <a:lnRef idx="2">
+            <a:schemeClr val="accent1">
+              <a:shade val="50000"/>
+            </a:schemeClr>
+          </a:lnRef>
+          <a:fillRef idx="1">
+            <a:schemeClr val="accent1"/>
+          </a:fillRef>
+          <a:effectRef idx="0">
+            <a:schemeClr val="accent1"/>
+          </a:effectRef>
+          <a:fontRef idx="minor">
+            <a:schemeClr val="lt1"/>
+          </a:fontRef>
+        </p:style>
+        <p:txBody>
+          <a:bodyPr rtlCol="0" anchor="ctr"/>
+          <a:lstStyle/>
+          <a:p>
+            <a:pPr algn="ctr"/>
+            <a:endParaRPr lang="en-US"/>
           </a:p>
         </p:txBody>
       </p:sp>
@@ -3859,9 +6607,17 @@
 </p:sld>
 </file>
 
-<file path=ppt/slides/slide3.xml><?xml version="1.0" encoding="utf-8"?>
+<file path=ppt/slides/slide5.xml><?xml version="1.0" encoding="utf-8"?>
 <p:sld xmlns:a="http://schemas.openxmlformats.org/drawingml/2006/main" xmlns:r="http://schemas.openxmlformats.org/officeDocument/2006/relationships" xmlns:p="http://schemas.openxmlformats.org/presentationml/2006/main">
   <p:cSld>
+    <p:bg>
+      <p:bgPr>
+        <a:solidFill>
+          <a:schemeClr val="bg1"/>
+        </a:solidFill>
+        <a:effectLst/>
+      </p:bgPr>
+    </p:bg>
     <p:spTree>
       <p:nvGrpSpPr>
         <p:cNvPr id="1" name="">
@@ -3882,6 +6638,230 @@
           <a:chExt cx="0" cy="0"/>
         </a:xfrm>
       </p:grpSpPr>
+      <p:sp useBgFill="1">
+        <p:nvSpPr>
+          <p:cNvPr id="8" name="Rectangle 7">
+            <a:extLst>
+              <a:ext uri="{FF2B5EF4-FFF2-40B4-BE49-F238E27FC236}">
+                <a16:creationId xmlns:a16="http://schemas.microsoft.com/office/drawing/2014/main" id="{4FCA88C2-C73C-4062-A097-8FBCE3090BEA}"/>
+              </a:ext>
+              <a:ext uri="{C183D7F6-B498-43B3-948B-1728B52AA6E4}">
+                <adec:decorative xmlns:adec="http://schemas.microsoft.com/office/drawing/2017/decorative" val="1"/>
+              </a:ext>
+            </a:extLst>
+          </p:cNvPr>
+          <p:cNvSpPr>
+            <a:spLocks noGrp="1" noRot="1" noChangeAspect="1" noMove="1" noResize="1" noEditPoints="1" noAdjustHandles="1" noChangeArrowheads="1" noChangeShapeType="1" noTextEdit="1"/>
+          </p:cNvSpPr>
+          <p:nvPr>
+            <p:extLst>
+              <p:ext uri="{386F3935-93C4-4BCD-93E2-E3B085C9AB24}">
+                <p16:designElem xmlns:p16="http://schemas.microsoft.com/office/powerpoint/2015/main" val="1"/>
+              </p:ext>
+            </p:extLst>
+          </p:nvPr>
+        </p:nvSpPr>
+        <p:spPr>
+          <a:xfrm>
+            <a:off x="0" y="0"/>
+            <a:ext cx="12192000" cy="6858000"/>
+          </a:xfrm>
+          <a:prstGeom prst="rect">
+            <a:avLst/>
+          </a:prstGeom>
+          <a:ln>
+            <a:noFill/>
+          </a:ln>
+        </p:spPr>
+        <p:style>
+          <a:lnRef idx="2">
+            <a:schemeClr val="accent1">
+              <a:shade val="50000"/>
+            </a:schemeClr>
+          </a:lnRef>
+          <a:fillRef idx="1">
+            <a:schemeClr val="accent1"/>
+          </a:fillRef>
+          <a:effectRef idx="0">
+            <a:schemeClr val="accent1"/>
+          </a:effectRef>
+          <a:fontRef idx="minor">
+            <a:schemeClr val="lt1"/>
+          </a:fontRef>
+        </p:style>
+        <p:txBody>
+          <a:bodyPr rtlCol="0" anchor="ctr"/>
+          <a:lstStyle/>
+          <a:p>
+            <a:pPr algn="ctr"/>
+            <a:endParaRPr lang="en-US"/>
+          </a:p>
+        </p:txBody>
+      </p:sp>
+      <p:sp>
+        <p:nvSpPr>
+          <p:cNvPr id="10" name="Rectangle 9">
+            <a:extLst>
+              <a:ext uri="{FF2B5EF4-FFF2-40B4-BE49-F238E27FC236}">
+                <a16:creationId xmlns:a16="http://schemas.microsoft.com/office/drawing/2014/main" id="{83981C21-E132-4402-B31B-D725C1CE77D2}"/>
+              </a:ext>
+              <a:ext uri="{C183D7F6-B498-43B3-948B-1728B52AA6E4}">
+                <adec:decorative xmlns:adec="http://schemas.microsoft.com/office/drawing/2017/decorative" val="1"/>
+              </a:ext>
+            </a:extLst>
+          </p:cNvPr>
+          <p:cNvSpPr>
+            <a:spLocks noGrp="1" noRot="1" noChangeAspect="1" noMove="1" noResize="1" noEditPoints="1" noAdjustHandles="1" noChangeArrowheads="1" noChangeShapeType="1" noTextEdit="1"/>
+          </p:cNvSpPr>
+          <p:nvPr>
+            <p:extLst>
+              <p:ext uri="{386F3935-93C4-4BCD-93E2-E3B085C9AB24}">
+                <p16:designElem xmlns:p16="http://schemas.microsoft.com/office/powerpoint/2015/main" val="1"/>
+              </p:ext>
+            </p:extLst>
+          </p:nvPr>
+        </p:nvSpPr>
+        <p:spPr>
+          <a:xfrm>
+            <a:off x="641604" y="653241"/>
+            <a:ext cx="10908792" cy="80683"/>
+          </a:xfrm>
+          <a:prstGeom prst="rect">
+            <a:avLst/>
+          </a:prstGeom>
+          <a:blipFill dpi="0" rotWithShape="1">
+            <a:blip r:embed="rId2">
+              <a:alphaModFix amt="85000"/>
+              <a:lum bright="70000" contrast="-70000"/>
+              <a:extLst>
+                <a:ext uri="{BEBA8EAE-BF5A-486C-A8C5-ECC9F3942E4B}">
+                  <a14:imgProps xmlns:a14="http://schemas.microsoft.com/office/drawing/2010/main">
+                    <a14:imgLayer r:embed="rId3">
+                      <a14:imgEffect>
+                        <a14:sharpenSoften amount="61000"/>
+                      </a14:imgEffect>
+                    </a14:imgLayer>
+                  </a14:imgProps>
+                </a:ext>
+                <a:ext uri="{28A0092B-C50C-407E-A947-70E740481C1C}">
+                  <a14:useLocalDpi xmlns:a14="http://schemas.microsoft.com/office/drawing/2010/main" val="0"/>
+                </a:ext>
+              </a:extLst>
+            </a:blip>
+            <a:srcRect/>
+            <a:tile tx="0" ty="-762000" sx="92000" sy="89000" flip="xy" algn="ctr"/>
+          </a:blipFill>
+          <a:ln>
+            <a:noFill/>
+          </a:ln>
+        </p:spPr>
+        <p:style>
+          <a:lnRef idx="2">
+            <a:schemeClr val="accent1">
+              <a:shade val="50000"/>
+            </a:schemeClr>
+          </a:lnRef>
+          <a:fillRef idx="1">
+            <a:schemeClr val="accent1"/>
+          </a:fillRef>
+          <a:effectRef idx="0">
+            <a:schemeClr val="accent1"/>
+          </a:effectRef>
+          <a:fontRef idx="minor">
+            <a:schemeClr val="lt1"/>
+          </a:fontRef>
+        </p:style>
+        <p:txBody>
+          <a:bodyPr rtlCol="0" anchor="ctr"/>
+          <a:lstStyle/>
+          <a:p>
+            <a:pPr algn="ctr"/>
+            <a:endParaRPr lang="en-US"/>
+          </a:p>
+        </p:txBody>
+      </p:sp>
+      <p:sp>
+        <p:nvSpPr>
+          <p:cNvPr id="12" name="Rectangle 11">
+            <a:extLst>
+              <a:ext uri="{FF2B5EF4-FFF2-40B4-BE49-F238E27FC236}">
+                <a16:creationId xmlns:a16="http://schemas.microsoft.com/office/drawing/2014/main" id="{6A685C77-4E84-486A-9AE5-F3635BE98EFB}"/>
+              </a:ext>
+              <a:ext uri="{C183D7F6-B498-43B3-948B-1728B52AA6E4}">
+                <adec:decorative xmlns:adec="http://schemas.microsoft.com/office/drawing/2017/decorative" val="1"/>
+              </a:ext>
+            </a:extLst>
+          </p:cNvPr>
+          <p:cNvSpPr>
+            <a:spLocks noGrp="1" noRot="1" noChangeAspect="1" noMove="1" noResize="1" noEditPoints="1" noAdjustHandles="1" noChangeArrowheads="1" noChangeShapeType="1" noTextEdit="1"/>
+          </p:cNvSpPr>
+          <p:nvPr>
+            <p:extLst>
+              <p:ext uri="{386F3935-93C4-4BCD-93E2-E3B085C9AB24}">
+                <p16:designElem xmlns:p16="http://schemas.microsoft.com/office/powerpoint/2015/main" val="1"/>
+              </p:ext>
+            </p:extLst>
+          </p:nvPr>
+        </p:nvSpPr>
+        <p:spPr>
+          <a:xfrm>
+            <a:off x="641602" y="822324"/>
+            <a:ext cx="5149596" cy="5228279"/>
+          </a:xfrm>
+          <a:prstGeom prst="rect">
+            <a:avLst/>
+          </a:prstGeom>
+          <a:blipFill dpi="0" rotWithShape="1">
+            <a:blip r:embed="rId2">
+              <a:alphaModFix amt="85000"/>
+              <a:lum bright="70000" contrast="-70000"/>
+              <a:extLst>
+                <a:ext uri="{BEBA8EAE-BF5A-486C-A8C5-ECC9F3942E4B}">
+                  <a14:imgProps xmlns:a14="http://schemas.microsoft.com/office/drawing/2010/main">
+                    <a14:imgLayer r:embed="rId3">
+                      <a14:imgEffect>
+                        <a14:sharpenSoften amount="61000"/>
+                      </a14:imgEffect>
+                    </a14:imgLayer>
+                  </a14:imgProps>
+                </a:ext>
+                <a:ext uri="{28A0092B-C50C-407E-A947-70E740481C1C}">
+                  <a14:useLocalDpi xmlns:a14="http://schemas.microsoft.com/office/drawing/2010/main" val="0"/>
+                </a:ext>
+              </a:extLst>
+            </a:blip>
+            <a:srcRect/>
+            <a:tile tx="0" ty="-704850" sx="92000" sy="89000" flip="xy" algn="ctr"/>
+          </a:blipFill>
+          <a:ln>
+            <a:noFill/>
+          </a:ln>
+        </p:spPr>
+        <p:style>
+          <a:lnRef idx="2">
+            <a:schemeClr val="accent1">
+              <a:shade val="50000"/>
+            </a:schemeClr>
+          </a:lnRef>
+          <a:fillRef idx="1">
+            <a:schemeClr val="accent1"/>
+          </a:fillRef>
+          <a:effectRef idx="0">
+            <a:schemeClr val="accent1"/>
+          </a:effectRef>
+          <a:fontRef idx="minor">
+            <a:schemeClr val="lt1"/>
+          </a:fontRef>
+        </p:style>
+        <p:txBody>
+          <a:bodyPr rtlCol="0" anchor="ctr"/>
+          <a:lstStyle/>
+          <a:p>
+            <a:pPr algn="ctr"/>
+            <a:endParaRPr lang="en-US"/>
+          </a:p>
+        </p:txBody>
+      </p:sp>
       <p:sp>
         <p:nvSpPr>
           <p:cNvPr id="2" name="Title 1">
@@ -3900,21 +6880,21 @@
         </p:nvSpPr>
         <p:spPr>
           <a:xfrm>
-            <a:off x="1517904" y="1517904"/>
-            <a:ext cx="9144000" cy="682088"/>
+            <a:off x="1286934" y="1465790"/>
+            <a:ext cx="3860798" cy="3941345"/>
           </a:xfrm>
         </p:spPr>
         <p:txBody>
           <a:bodyPr>
-            <a:normAutofit fontScale="90000"/>
+            <a:normAutofit/>
           </a:bodyPr>
           <a:lstStyle/>
           <a:p>
             <a:r>
-              <a:rPr lang="en-MY" dirty="0"/>
+              <a:rPr lang="en-MY" sz="6000"/>
               <a:t>Project Plan 2025</a:t>
             </a:r>
-            <a:endParaRPr lang="en-US" dirty="0"/>
+            <a:endParaRPr lang="en-US" sz="6000"/>
           </a:p>
         </p:txBody>
       </p:sp>
@@ -3936,79 +6916,161 @@
         </p:nvSpPr>
         <p:spPr>
           <a:xfrm>
-            <a:off x="1517904" y="2199992"/>
-            <a:ext cx="9144000" cy="3899056"/>
+            <a:off x="6191396" y="1359089"/>
+            <a:ext cx="5132665" cy="4048046"/>
           </a:xfrm>
         </p:spPr>
         <p:txBody>
-          <a:bodyPr>
-            <a:normAutofit fontScale="92500"/>
+          <a:bodyPr anchor="ctr">
+            <a:normAutofit fontScale="85000" lnSpcReduction="10000"/>
           </a:bodyPr>
           <a:lstStyle/>
           <a:p>
             <a:pPr>
+              <a:lnSpc>
+                <a:spcPct val="160000"/>
+              </a:lnSpc>
               <a:buFontTx/>
               <a:buChar char="-"/>
             </a:pPr>
             <a:r>
               <a:rPr lang="en-MY" dirty="0"/>
-              <a:t>MU determination</a:t>
+              <a:t>Method verification GFAAS Trad samples due to relocation</a:t>
             </a:r>
           </a:p>
           <a:p>
             <a:pPr>
+              <a:lnSpc>
+                <a:spcPct val="160000"/>
+              </a:lnSpc>
               <a:buFontTx/>
               <a:buChar char="-"/>
             </a:pPr>
             <a:r>
               <a:rPr lang="en-MY" dirty="0"/>
-              <a:t>Study on IQC samples : to determine WL and CL (for 5 dosage forms)</a:t>
+              <a:t>Method verification Oxygen mode ICPMS 8900</a:t>
             </a:r>
           </a:p>
           <a:p>
             <a:pPr>
+              <a:lnSpc>
+                <a:spcPct val="160000"/>
+              </a:lnSpc>
               <a:buFontTx/>
               <a:buChar char="-"/>
             </a:pPr>
             <a:r>
               <a:rPr lang="en-MY" dirty="0"/>
-              <a:t>Comparative test on concentration of internal std (50 vs 200 ppb)</a:t>
+              <a:t>Study on spiked IQC samples-pre digestion and post digestion spiked</a:t>
             </a:r>
           </a:p>
           <a:p>
             <a:pPr>
+              <a:lnSpc>
+                <a:spcPct val="160000"/>
+              </a:lnSpc>
               <a:buFontTx/>
               <a:buChar char="-"/>
             </a:pPr>
             <a:r>
               <a:rPr lang="en-MY" dirty="0"/>
-              <a:t>Study on digestion of dosage form powder using </a:t>
-            </a:r>
-            <a:r>
-              <a:rPr lang="en-MY" dirty="0" err="1"/>
-              <a:t>Gerhadt</a:t>
-            </a:r>
-            <a:endParaRPr lang="en-MY" dirty="0"/>
+              <a:t>PT: Determination Heavy Metal (As, Cd, Hg, Pb) in traditional product (ICPMS)</a:t>
+            </a:r>
           </a:p>
           <a:p>
             <a:pPr>
+              <a:lnSpc>
+                <a:spcPct val="160000"/>
+              </a:lnSpc>
               <a:buFontTx/>
               <a:buChar char="-"/>
             </a:pPr>
             <a:r>
               <a:rPr lang="en-MY" dirty="0"/>
-              <a:t>Method verification GFAAS Trad samples due to relocation</a:t>
-            </a:r>
-          </a:p>
-          <a:p>
-            <a:pPr>
-              <a:buFontTx/>
-              <a:buChar char="-"/>
-            </a:pPr>
-            <a:r>
-              <a:rPr lang="en-MY" dirty="0"/>
-              <a:t>Method verification GFAAS Cosmetic samples </a:t>
-            </a:r>
+              <a:t>MU determination</a:t>
+            </a:r>
+          </a:p>
+        </p:txBody>
+      </p:sp>
+      <p:sp>
+        <p:nvSpPr>
+          <p:cNvPr id="14" name="Rectangle 13">
+            <a:extLst>
+              <a:ext uri="{FF2B5EF4-FFF2-40B4-BE49-F238E27FC236}">
+                <a16:creationId xmlns:a16="http://schemas.microsoft.com/office/drawing/2014/main" id="{E55C1C3E-5158-47F3-8FD9-14B22C3E6EAD}"/>
+              </a:ext>
+              <a:ext uri="{C183D7F6-B498-43B3-948B-1728B52AA6E4}">
+                <adec:decorative xmlns:adec="http://schemas.microsoft.com/office/drawing/2017/decorative" val="1"/>
+              </a:ext>
+            </a:extLst>
+          </p:cNvPr>
+          <p:cNvSpPr>
+            <a:spLocks noGrp="1" noRot="1" noChangeAspect="1" noMove="1" noResize="1" noEditPoints="1" noAdjustHandles="1" noChangeArrowheads="1" noChangeShapeType="1" noTextEdit="1"/>
+          </p:cNvSpPr>
+          <p:nvPr>
+            <p:extLst>
+              <p:ext uri="{386F3935-93C4-4BCD-93E2-E3B085C9AB24}">
+                <p16:designElem xmlns:p16="http://schemas.microsoft.com/office/powerpoint/2015/main" val="1"/>
+              </p:ext>
+            </p:extLst>
+          </p:nvPr>
+        </p:nvSpPr>
+        <p:spPr>
+          <a:xfrm>
+            <a:off x="641604" y="6121662"/>
+            <a:ext cx="10908792" cy="80683"/>
+          </a:xfrm>
+          <a:prstGeom prst="rect">
+            <a:avLst/>
+          </a:prstGeom>
+          <a:blipFill dpi="0" rotWithShape="1">
+            <a:blip r:embed="rId2">
+              <a:alphaModFix amt="85000"/>
+              <a:lum bright="70000" contrast="-70000"/>
+              <a:extLst>
+                <a:ext uri="{BEBA8EAE-BF5A-486C-A8C5-ECC9F3942E4B}">
+                  <a14:imgProps xmlns:a14="http://schemas.microsoft.com/office/drawing/2010/main">
+                    <a14:imgLayer r:embed="rId3">
+                      <a14:imgEffect>
+                        <a14:sharpenSoften amount="61000"/>
+                      </a14:imgEffect>
+                    </a14:imgLayer>
+                  </a14:imgProps>
+                </a:ext>
+                <a:ext uri="{28A0092B-C50C-407E-A947-70E740481C1C}">
+                  <a14:useLocalDpi xmlns:a14="http://schemas.microsoft.com/office/drawing/2010/main" val="0"/>
+                </a:ext>
+              </a:extLst>
+            </a:blip>
+            <a:srcRect/>
+            <a:tile tx="0" ty="-762000" sx="92000" sy="89000" flip="xy" algn="ctr"/>
+          </a:blipFill>
+          <a:ln>
+            <a:noFill/>
+          </a:ln>
+        </p:spPr>
+        <p:style>
+          <a:lnRef idx="2">
+            <a:schemeClr val="accent1">
+              <a:shade val="50000"/>
+            </a:schemeClr>
+          </a:lnRef>
+          <a:fillRef idx="1">
+            <a:schemeClr val="accent1"/>
+          </a:fillRef>
+          <a:effectRef idx="0">
+            <a:schemeClr val="accent1"/>
+          </a:effectRef>
+          <a:fontRef idx="minor">
+            <a:schemeClr val="lt1"/>
+          </a:fontRef>
+        </p:style>
+        <p:txBody>
+          <a:bodyPr rtlCol="0" anchor="ctr"/>
+          <a:lstStyle/>
+          <a:p>
+            <a:pPr algn="ctr"/>
+            <a:endParaRPr lang="en-US"/>
           </a:p>
         </p:txBody>
       </p:sp>
@@ -4025,7 +7087,7 @@
 </p:sld>
 </file>
 
-<file path=ppt/slides/slide4.xml><?xml version="1.0" encoding="utf-8"?>
+<file path=ppt/slides/slide6.xml><?xml version="1.0" encoding="utf-8"?>
 <p:sld xmlns:a="http://schemas.openxmlformats.org/drawingml/2006/main" xmlns:r="http://schemas.openxmlformats.org/officeDocument/2006/relationships" xmlns:p="http://schemas.openxmlformats.org/presentationml/2006/main">
   <p:cSld>
     <p:spTree>
@@ -4060,14 +7122,16 @@
         </p:nvSpPr>
         <p:spPr/>
         <p:txBody>
-          <a:bodyPr/>
+          <a:bodyPr>
+            <a:normAutofit/>
+          </a:bodyPr>
           <a:lstStyle/>
           <a:p>
             <a:r>
-              <a:rPr lang="en-MY" dirty="0" err="1"/>
+              <a:rPr lang="en-MY" sz="6600" dirty="0" err="1"/>
               <a:t>PenambahBaikan</a:t>
             </a:r>
-            <a:endParaRPr lang="en-US" dirty="0"/>
+            <a:endParaRPr lang="en-US" sz="6600" dirty="0"/>
           </a:p>
         </p:txBody>
       </p:sp>
@@ -4089,16 +7153,38 @@
         </p:nvSpPr>
         <p:spPr/>
         <p:txBody>
-          <a:bodyPr/>
+          <a:bodyPr>
+            <a:normAutofit/>
+          </a:bodyPr>
           <a:lstStyle/>
           <a:p>
+            <a:pPr>
+              <a:lnSpc>
+                <a:spcPct val="150000"/>
+              </a:lnSpc>
+            </a:pPr>
             <a:r>
               <a:rPr lang="en-MY" dirty="0"/>
-              <a:t>Digest sample Powder </a:t>
-            </a:r>
+              <a:t>Key in data </a:t>
+            </a:r>
+            <a:r>
+              <a:rPr lang="en-MY" dirty="0" err="1"/>
+              <a:t>dalam</a:t>
+            </a:r>
+            <a:r>
+              <a:rPr lang="en-MY" dirty="0"/>
+              <a:t> Quest3+</a:t>
+            </a:r>
+          </a:p>
+          <a:p>
+            <a:pPr>
+              <a:lnSpc>
+                <a:spcPct val="150000"/>
+              </a:lnSpc>
+            </a:pPr>
             <a:r>
               <a:rPr lang="en-US" dirty="0" err="1"/>
-              <a:t>menggunakan</a:t>
+              <a:t>Pengumpulan</a:t>
             </a:r>
             <a:r>
               <a:rPr lang="en-US" dirty="0"/>
@@ -4106,15 +7192,7 @@
             </a:r>
             <a:r>
               <a:rPr lang="en-US" dirty="0" err="1"/>
-              <a:t>alat</a:t>
-            </a:r>
-            <a:r>
-              <a:rPr lang="en-US" dirty="0"/>
-              <a:t> Gerhardt Digestor </a:t>
-            </a:r>
-            <a:r>
-              <a:rPr lang="en-US" dirty="0" err="1"/>
-              <a:t>untuk</a:t>
+              <a:t>sampel</a:t>
             </a:r>
             <a:r>
               <a:rPr lang="en-US" dirty="0"/>
@@ -4122,7 +7200,7 @@
             </a:r>
             <a:r>
               <a:rPr lang="en-US" dirty="0" err="1"/>
-              <a:t>memaksimumkan</a:t>
+              <a:t>secara</a:t>
             </a:r>
             <a:r>
               <a:rPr lang="en-US" dirty="0"/>
@@ -4130,50 +7208,16 @@
             </a:r>
             <a:r>
               <a:rPr lang="en-US" dirty="0" err="1"/>
-              <a:t>penggunaan</a:t>
-            </a:r>
-            <a:r>
-              <a:rPr lang="en-US" dirty="0"/>
-              <a:t> </a:t>
-            </a:r>
-            <a:r>
-              <a:rPr lang="en-US" dirty="0" err="1"/>
-              <a:t>alat</a:t>
-            </a:r>
-            <a:endParaRPr lang="en-MY" dirty="0"/>
-          </a:p>
-          <a:p>
-            <a:r>
-              <a:rPr lang="en-US" dirty="0" err="1"/>
-              <a:t>Pengumpulan</a:t>
-            </a:r>
-            <a:r>
-              <a:rPr lang="en-US" dirty="0"/>
-              <a:t> </a:t>
-            </a:r>
-            <a:r>
-              <a:rPr lang="en-US" dirty="0" err="1"/>
-              <a:t>sampel</a:t>
-            </a:r>
-            <a:r>
-              <a:rPr lang="en-US" dirty="0"/>
-              <a:t> </a:t>
-            </a:r>
-            <a:r>
-              <a:rPr lang="en-US" dirty="0" err="1"/>
-              <a:t>secara</a:t>
-            </a:r>
-            <a:r>
-              <a:rPr lang="en-US" dirty="0"/>
-              <a:t> </a:t>
-            </a:r>
-            <a:r>
-              <a:rPr lang="en-US" dirty="0" err="1"/>
               <a:t>berkelompok</a:t>
             </a:r>
             <a:endParaRPr lang="en-US" dirty="0"/>
           </a:p>
           <a:p>
+            <a:pPr>
+              <a:lnSpc>
+                <a:spcPct val="150000"/>
+              </a:lnSpc>
+            </a:pPr>
             <a:r>
               <a:rPr lang="en-US" dirty="0" err="1"/>
               <a:t>Pengumpulan</a:t>
@@ -4222,223 +7266,155 @@
 </p:sld>
 </file>
 
-<file path=ppt/slides/slide5.xml><?xml version="1.0" encoding="utf-8"?>
-<p:sld xmlns:a="http://schemas.openxmlformats.org/drawingml/2006/main" xmlns:r="http://schemas.openxmlformats.org/officeDocument/2006/relationships" xmlns:p="http://schemas.openxmlformats.org/presentationml/2006/main">
-  <p:cSld>
-    <p:spTree>
-      <p:nvGrpSpPr>
-        <p:cNvPr id="1" name=""/>
-        <p:cNvGrpSpPr/>
-        <p:nvPr/>
-      </p:nvGrpSpPr>
-      <p:grpSpPr>
-        <a:xfrm>
-          <a:off x="0" y="0"/>
-          <a:ext cx="0" cy="0"/>
-          <a:chOff x="0" y="0"/>
-          <a:chExt cx="0" cy="0"/>
-        </a:xfrm>
-      </p:grpSpPr>
-      <p:sp>
-        <p:nvSpPr>
-          <p:cNvPr id="2" name="Title 1">
-            <a:extLst>
-              <a:ext uri="{FF2B5EF4-FFF2-40B4-BE49-F238E27FC236}">
-                <a16:creationId xmlns:a16="http://schemas.microsoft.com/office/drawing/2014/main" id="{9F266BBC-B9AC-6C54-5737-7A1270185FC2}"/>
-              </a:ext>
-            </a:extLst>
-          </p:cNvPr>
-          <p:cNvSpPr>
-            <a:spLocks noGrp="1"/>
-          </p:cNvSpPr>
-          <p:nvPr>
-            <p:ph type="title"/>
-          </p:nvPr>
-        </p:nvSpPr>
-        <p:spPr/>
-        <p:txBody>
-          <a:bodyPr/>
-          <a:lstStyle/>
-          <a:p>
-            <a:r>
-              <a:rPr lang="en-MY" dirty="0"/>
-              <a:t>Cadangan </a:t>
-            </a:r>
-            <a:r>
-              <a:rPr lang="en-MY" dirty="0" err="1"/>
-              <a:t>Tambahan</a:t>
-            </a:r>
-            <a:endParaRPr lang="en-US" dirty="0"/>
-          </a:p>
-        </p:txBody>
-      </p:sp>
-      <p:sp>
-        <p:nvSpPr>
-          <p:cNvPr id="3" name="Content Placeholder 2">
-            <a:extLst>
-              <a:ext uri="{FF2B5EF4-FFF2-40B4-BE49-F238E27FC236}">
-                <a16:creationId xmlns:a16="http://schemas.microsoft.com/office/drawing/2014/main" id="{CB4DCD64-5116-331F-B076-7099BF073498}"/>
-              </a:ext>
-            </a:extLst>
-          </p:cNvPr>
-          <p:cNvSpPr>
-            <a:spLocks noGrp="1"/>
-          </p:cNvSpPr>
-          <p:nvPr>
-            <p:ph idx="1"/>
-          </p:nvPr>
-        </p:nvSpPr>
-        <p:spPr/>
-        <p:txBody>
-          <a:bodyPr/>
-          <a:lstStyle/>
-          <a:p>
-            <a:r>
-              <a:rPr lang="en-MY" dirty="0"/>
-              <a:t>Key in data </a:t>
-            </a:r>
-            <a:r>
-              <a:rPr lang="en-MY" dirty="0" err="1"/>
-              <a:t>dalam</a:t>
-            </a:r>
-            <a:r>
-              <a:rPr lang="en-MY"/>
-              <a:t> Quest3+</a:t>
-            </a:r>
-            <a:endParaRPr lang="en-MY" dirty="0"/>
-          </a:p>
-          <a:p>
-            <a:r>
-              <a:rPr lang="en-MY" dirty="0"/>
-              <a:t>Method validation oxygen mode</a:t>
-            </a:r>
-            <a:endParaRPr lang="en-US" dirty="0"/>
-          </a:p>
-        </p:txBody>
-      </p:sp>
-    </p:spTree>
-    <p:extLst>
-      <p:ext uri="{BB962C8B-B14F-4D97-AF65-F5344CB8AC3E}">
-        <p14:creationId xmlns:p14="http://schemas.microsoft.com/office/powerpoint/2010/main" val="4097047675"/>
-      </p:ext>
-    </p:extLst>
-  </p:cSld>
-  <p:clrMapOvr>
-    <a:masterClrMapping/>
-  </p:clrMapOvr>
-</p:sld>
-</file>
-
 <file path=ppt/theme/theme1.xml><?xml version="1.0" encoding="utf-8"?>
-<a:theme xmlns:a="http://schemas.openxmlformats.org/drawingml/2006/main" name="PrismaticVTI">
+<a:theme xmlns:a="http://schemas.openxmlformats.org/drawingml/2006/main" name="Wood Type">
   <a:themeElements>
-    <a:clrScheme name="AnalogousFromRegularSeedLeftStep">
+    <a:clrScheme name="Wood Type">
       <a:dk1>
-        <a:srgbClr val="000000"/>
+        <a:sysClr val="windowText" lastClr="000000"/>
       </a:dk1>
       <a:lt1>
-        <a:srgbClr val="FFFFFF"/>
+        <a:sysClr val="window" lastClr="FFFFFF"/>
       </a:lt1>
       <a:dk2>
-        <a:srgbClr val="2E1B30"/>
+        <a:srgbClr val="696464"/>
       </a:dk2>
       <a:lt2>
-        <a:srgbClr val="F0F3F2"/>
+        <a:srgbClr val="E9E5DC"/>
       </a:lt2>
       <a:accent1>
-        <a:srgbClr val="E7295E"/>
+        <a:srgbClr val="D34817"/>
       </a:accent1>
       <a:accent2>
-        <a:srgbClr val="D5179B"/>
+        <a:srgbClr val="9B2D1F"/>
       </a:accent2>
       <a:accent3>
-        <a:srgbClr val="D129E7"/>
+        <a:srgbClr val="A28E6A"/>
       </a:accent3>
       <a:accent4>
-        <a:srgbClr val="7117D5"/>
+        <a:srgbClr val="956251"/>
       </a:accent4>
       <a:accent5>
-        <a:srgbClr val="372DE7"/>
+        <a:srgbClr val="918485"/>
       </a:accent5>
       <a:accent6>
-        <a:srgbClr val="175CD5"/>
+        <a:srgbClr val="855D5D"/>
       </a:accent6>
       <a:hlink>
-        <a:srgbClr val="349C7F"/>
+        <a:srgbClr val="CC9900"/>
       </a:hlink>
       <a:folHlink>
-        <a:srgbClr val="7F7F7F"/>
+        <a:srgbClr val="96A9A9"/>
       </a:folHlink>
     </a:clrScheme>
-    <a:fontScheme name="Custom 166">
+    <a:fontScheme name="Wood Type">
       <a:majorFont>
-        <a:latin typeface="Aharoni"/>
+        <a:latin typeface="Rockwell Condensed" panose="02060603050405020104"/>
         <a:ea typeface=""/>
         <a:cs typeface=""/>
+        <a:font script="Grek" typeface="Cambria"/>
+        <a:font script="Cyrl" typeface="Cambria"/>
+        <a:font script="Jpan" typeface="HG明朝B"/>
+        <a:font script="Hang" typeface="바탕"/>
+        <a:font script="Hans" typeface="方正姚体"/>
+        <a:font script="Hant" typeface="微軟正黑體"/>
+        <a:font script="Arab" typeface="Times New Roman"/>
+        <a:font script="Hebr" typeface="David"/>
+        <a:font script="Thai" typeface="JasmineUPC"/>
+        <a:font script="Ethi" typeface="Nyala"/>
+        <a:font script="Beng" typeface="Vrinda"/>
+        <a:font script="Gujr" typeface="Shruti"/>
+        <a:font script="Khmr" typeface="MoolBoran"/>
+        <a:font script="Knda" typeface="Tunga"/>
+        <a:font script="Guru" typeface="Raavi"/>
+        <a:font script="Cans" typeface="Euphemia"/>
+        <a:font script="Cher" typeface="Plantagenet Cherokee"/>
+        <a:font script="Yiii" typeface="Microsoft Yi Baiti"/>
+        <a:font script="Tibt" typeface="Microsoft Himalaya"/>
+        <a:font script="Thaa" typeface="MV Boli"/>
+        <a:font script="Deva" typeface="Mangal"/>
+        <a:font script="Telu" typeface="Gautami"/>
+        <a:font script="Taml" typeface="Latha"/>
+        <a:font script="Syrc" typeface="Estrangelo Edessa"/>
+        <a:font script="Orya" typeface="Kalinga"/>
+        <a:font script="Mlym" typeface="Kartika"/>
+        <a:font script="Laoo" typeface="DokChampa"/>
+        <a:font script="Sinh" typeface="Iskoola Pota"/>
+        <a:font script="Mong" typeface="Mongolian Baiti"/>
+        <a:font script="Viet" typeface="Arial"/>
+        <a:font script="Uigh" typeface="Microsoft Uighur"/>
       </a:majorFont>
       <a:minorFont>
-        <a:latin typeface="Avenir Next LT Pro"/>
+        <a:latin typeface="Rockwell" panose="02060603020205020403"/>
         <a:ea typeface=""/>
         <a:cs typeface=""/>
+        <a:font script="Grek" typeface="Cambria"/>
+        <a:font script="Cyrl" typeface="Cambria"/>
+        <a:font script="Jpan" typeface="HG明朝B"/>
+        <a:font script="Hang" typeface="바탕"/>
+        <a:font script="Hans" typeface="方正姚体"/>
+        <a:font script="Hant" typeface="標楷體"/>
+        <a:font script="Arab" typeface="Times New Roman"/>
+        <a:font script="Hebr" typeface="David"/>
+        <a:font script="Thai" typeface="JasmineUPC"/>
+        <a:font script="Ethi" typeface="Nyala"/>
+        <a:font script="Beng" typeface="Vrinda"/>
+        <a:font script="Gujr" typeface="Shruti"/>
+        <a:font script="Khmr" typeface="MoolBoran"/>
+        <a:font script="Knda" typeface="Tunga"/>
+        <a:font script="Guru" typeface="Raavi"/>
+        <a:font script="Cans" typeface="Euphemia"/>
+        <a:font script="Cher" typeface="Plantagenet Cherokee"/>
+        <a:font script="Yiii" typeface="Microsoft Yi Baiti"/>
+        <a:font script="Tibt" typeface="Microsoft Himalaya"/>
+        <a:font script="Thaa" typeface="MV Boli"/>
+        <a:font script="Deva" typeface="Mangal"/>
+        <a:font script="Telu" typeface="Gautami"/>
+        <a:font script="Taml" typeface="Latha"/>
+        <a:font script="Syrc" typeface="Estrangelo Edessa"/>
+        <a:font script="Orya" typeface="Kalinga"/>
+        <a:font script="Mlym" typeface="Kartika"/>
+        <a:font script="Laoo" typeface="DokChampa"/>
+        <a:font script="Sinh" typeface="Iskoola Pota"/>
+        <a:font script="Mong" typeface="Mongolian Baiti"/>
+        <a:font script="Viet" typeface="Times New Roman"/>
+        <a:font script="Uigh" typeface="Microsoft Uighur"/>
       </a:minorFont>
     </a:fontScheme>
-    <a:fmtScheme name="Office">
+    <a:fmtScheme name="Wood Type">
       <a:fillStyleLst>
         <a:solidFill>
           <a:schemeClr val="phClr"/>
         </a:solidFill>
-        <a:gradFill rotWithShape="1">
-          <a:gsLst>
-            <a:gs pos="0">
+        <a:blipFill rotWithShape="1">
+          <a:blip xmlns:r="http://schemas.openxmlformats.org/officeDocument/2006/relationships" r:embed="rId1">
+            <a:duotone>
               <a:schemeClr val="phClr">
-                <a:lumMod val="110000"/>
-                <a:satMod val="105000"/>
-                <a:tint val="67000"/>
+                <a:tint val="70000"/>
+                <a:shade val="63000"/>
               </a:schemeClr>
-            </a:gs>
-            <a:gs pos="50000">
               <a:schemeClr val="phClr">
-                <a:lumMod val="105000"/>
-                <a:satMod val="103000"/>
-                <a:tint val="73000"/>
+                <a:tint val="10000"/>
+                <a:satMod val="150000"/>
               </a:schemeClr>
-            </a:gs>
-            <a:gs pos="100000">
+            </a:duotone>
+          </a:blip>
+          <a:tile tx="0" ty="0" sx="60000" sy="59000" flip="none" algn="tl"/>
+        </a:blipFill>
+        <a:blipFill rotWithShape="1">
+          <a:blip xmlns:r="http://schemas.openxmlformats.org/officeDocument/2006/relationships" r:embed="rId1">
+            <a:duotone>
               <a:schemeClr val="phClr">
-                <a:lumMod val="105000"/>
-                <a:satMod val="109000"/>
-                <a:tint val="81000"/>
+                <a:shade val="36000"/>
+                <a:satMod val="120000"/>
               </a:schemeClr>
-            </a:gs>
-          </a:gsLst>
-          <a:lin ang="5400000" scaled="0"/>
-        </a:gradFill>
-        <a:gradFill rotWithShape="1">
-          <a:gsLst>
-            <a:gs pos="0">
               <a:schemeClr val="phClr">
-                <a:satMod val="103000"/>
-                <a:lumMod val="102000"/>
-                <a:tint val="94000"/>
+                <a:tint val="40000"/>
               </a:schemeClr>
-            </a:gs>
-            <a:gs pos="50000">
-              <a:schemeClr val="phClr">
-                <a:satMod val="110000"/>
-                <a:lumMod val="100000"/>
-                <a:shade val="100000"/>
-              </a:schemeClr>
-            </a:gs>
-            <a:gs pos="100000">
-              <a:schemeClr val="phClr">
-                <a:lumMod val="99000"/>
-                <a:satMod val="120000"/>
-                <a:shade val="78000"/>
-              </a:schemeClr>
-            </a:gs>
-          </a:gsLst>
-          <a:lin ang="5400000" scaled="0"/>
-        </a:gradFill>
+            </a:duotone>
+          </a:blip>
+          <a:tile tx="0" ty="0" sx="60000" sy="59000" flip="none" algn="tl"/>
+        </a:blipFill>
       </a:fillStyleLst>
       <a:lnStyleLst>
         <a:ln w="6350" cap="flat" cmpd="sng" algn="ctr">
@@ -4446,21 +7422,18 @@
             <a:schemeClr val="phClr"/>
           </a:solidFill>
           <a:prstDash val="solid"/>
-          <a:miter lim="800000"/>
         </a:ln>
         <a:ln w="12700" cap="flat" cmpd="sng" algn="ctr">
           <a:solidFill>
             <a:schemeClr val="phClr"/>
           </a:solidFill>
           <a:prstDash val="solid"/>
-          <a:miter lim="800000"/>
         </a:ln>
         <a:ln w="19050" cap="flat" cmpd="sng" algn="ctr">
           <a:solidFill>
             <a:schemeClr val="phClr"/>
           </a:solidFill>
           <a:prstDash val="solid"/>
-          <a:miter lim="800000"/>
         </a:ln>
       </a:lnStyleLst>
       <a:effectStyleLst>
@@ -4468,15 +7441,18 @@
           <a:effectLst/>
         </a:effectStyle>
         <a:effectStyle>
-          <a:effectLst/>
+          <a:effectLst>
+            <a:softEdge rad="12700"/>
+          </a:effectLst>
         </a:effectStyle>
         <a:effectStyle>
           <a:effectLst>
-            <a:outerShdw blurRad="57150" dist="19050" dir="5400000" algn="ctr" rotWithShape="0">
+            <a:outerShdw blurRad="50800" dist="19050" dir="5400000" algn="tl" rotWithShape="0">
               <a:srgbClr val="000000">
-                <a:alpha val="63000"/>
+                <a:alpha val="60000"/>
               </a:srgbClr>
             </a:outerShdw>
+            <a:softEdge rad="12700"/>
           </a:effectLst>
         </a:effectStyle>
       </a:effectStyleLst>
@@ -4486,37 +7462,26 @@
         </a:solidFill>
         <a:solidFill>
           <a:schemeClr val="phClr">
-            <a:tint val="95000"/>
-            <a:satMod val="170000"/>
+            <a:shade val="97000"/>
+            <a:satMod val="150000"/>
           </a:schemeClr>
         </a:solidFill>
-        <a:gradFill rotWithShape="1">
-          <a:gsLst>
-            <a:gs pos="0">
+        <a:blipFill rotWithShape="1">
+          <a:blip xmlns:r="http://schemas.openxmlformats.org/officeDocument/2006/relationships" r:embed="rId1">
+            <a:duotone>
               <a:schemeClr val="phClr">
-                <a:tint val="93000"/>
-                <a:satMod val="150000"/>
-                <a:shade val="98000"/>
-                <a:lumMod val="102000"/>
-              </a:schemeClr>
-            </a:gs>
-            <a:gs pos="50000">
-              <a:schemeClr val="phClr">
-                <a:tint val="98000"/>
-                <a:satMod val="130000"/>
-                <a:shade val="90000"/>
-                <a:lumMod val="103000"/>
-              </a:schemeClr>
-            </a:gs>
-            <a:gs pos="100000">
-              <a:schemeClr val="phClr">
-                <a:shade val="63000"/>
+                <a:tint val="75000"/>
+                <a:shade val="58000"/>
                 <a:satMod val="120000"/>
               </a:schemeClr>
-            </a:gs>
-          </a:gsLst>
-          <a:lin ang="5400000" scaled="0"/>
-        </a:gradFill>
+              <a:schemeClr val="phClr">
+                <a:tint val="50000"/>
+                <a:shade val="96000"/>
+              </a:schemeClr>
+            </a:duotone>
+          </a:blip>
+          <a:tile tx="0" ty="0" sx="100000" sy="100000" flip="none" algn="tl"/>
+        </a:blipFill>
       </a:bgFillStyleLst>
     </a:fmtScheme>
   </a:themeElements>
@@ -4524,7 +7489,7 @@
   <a:extraClrSchemeLst/>
   <a:extLst>
     <a:ext uri="{05A4C25C-085E-4340-85A3-A5531E510DB2}">
-      <thm15:themeFamily xmlns:thm15="http://schemas.microsoft.com/office/thememl/2012/main" name="PrismaticVTI" id="{DA44D624-A564-4DE8-8446-0CD5C485C979}" vid="{8B2B1550-B69C-4156-BAEC-B2E559F94BDB}"/>
+      <thm15:themeFamily xmlns:thm15="http://schemas.microsoft.com/office/thememl/2012/main" name="Wood Type" id="{7ACABC62-BF99-48CF-A9DC-4DB89C7B13DC}" vid="{142A1326-48AB-42A9-8428-CB14AA30176D}"/>
     </a:ext>
   </a:extLst>
 </a:theme>
